--- a/documentation/Mapsago.pptx
+++ b/documentation/Mapsago.pptx
@@ -2,18 +2,24 @@
 <file path=ppt/presentation.xml><?xml version="1.0" encoding="utf-8"?>
 <p:presentation xmlns:a="http://schemas.openxmlformats.org/drawingml/2006/main" xmlns:r="http://schemas.openxmlformats.org/officeDocument/2006/relationships" xmlns:p="http://schemas.openxmlformats.org/presentationml/2006/main" autoCompressPictures="0">
   <p:sldMasterIdLst>
-    <p:sldMasterId id="2147483840" r:id="rId1"/>
+    <p:sldMasterId id="2147483881" r:id="rId1"/>
   </p:sldMasterIdLst>
   <p:sldIdLst>
     <p:sldId id="256" r:id="rId2"/>
     <p:sldId id="261" r:id="rId3"/>
     <p:sldId id="257" r:id="rId4"/>
-    <p:sldId id="258" r:id="rId5"/>
-    <p:sldId id="260" r:id="rId6"/>
-    <p:sldId id="262" r:id="rId7"/>
-    <p:sldId id="259" r:id="rId8"/>
+    <p:sldId id="268" r:id="rId5"/>
+    <p:sldId id="264" r:id="rId6"/>
+    <p:sldId id="263" r:id="rId7"/>
+    <p:sldId id="258" r:id="rId8"/>
+    <p:sldId id="265" r:id="rId9"/>
+    <p:sldId id="266" r:id="rId10"/>
+    <p:sldId id="270" r:id="rId11"/>
+    <p:sldId id="267" r:id="rId12"/>
+    <p:sldId id="269" r:id="rId13"/>
+    <p:sldId id="259" r:id="rId14"/>
   </p:sldIdLst>
-  <p:sldSz cx="12192000" cy="6858000"/>
+  <p:sldSz cx="9144000" cy="6858000" type="screen4x3"/>
   <p:notesSz cx="6858000" cy="9144000"/>
   <p:defaultTextStyle>
     <a:defPPr>
@@ -110,6 +116,11 @@
       </a:defRPr>
     </a:lvl9pPr>
   </p:defaultTextStyle>
+  <p:extLst>
+    <p:ext uri="{EFAFB233-063F-42B5-8137-9DF3F51BA10A}">
+      <p15:sldGuideLst xmlns:p15="http://schemas.microsoft.com/office/powerpoint/2012/main"/>
+    </p:ext>
+  </p:extLst>
 </p:presentation>
 </file>
 
@@ -130,109 +141,634 @@
           <a:chExt cx="0" cy="0"/>
         </a:xfrm>
       </p:grpSpPr>
-      <p:sp>
-        <p:nvSpPr>
-          <p:cNvPr id="7" name="Rectangle 6"/>
-          <p:cNvSpPr/>
+      <p:grpSp>
+        <p:nvGrpSpPr>
+          <p:cNvPr id="7" name="Group 6"/>
+          <p:cNvGrpSpPr/>
           <p:nvPr/>
+        </p:nvGrpSpPr>
+        <p:grpSpPr>
+          <a:xfrm>
+            <a:off x="-8466" y="-8468"/>
+            <a:ext cx="9171316" cy="6874935"/>
+            <a:chOff x="-8466" y="-8468"/>
+            <a:chExt cx="9171316" cy="6874935"/>
+          </a:xfrm>
+        </p:grpSpPr>
+        <p:cxnSp>
+          <p:nvCxnSpPr>
+            <p:cNvPr id="28" name="Straight Connector 27"/>
+            <p:cNvCxnSpPr/>
+            <p:nvPr/>
+          </p:nvCxnSpPr>
+          <p:spPr>
+            <a:xfrm flipV="1">
+              <a:off x="5130830" y="4175605"/>
+              <a:ext cx="4022475" cy="2682396"/>
+            </a:xfrm>
+            <a:prstGeom prst="line">
+              <a:avLst/>
+            </a:prstGeom>
+            <a:ln w="9525">
+              <a:solidFill>
+                <a:schemeClr val="accent1">
+                  <a:alpha val="70000"/>
+                </a:schemeClr>
+              </a:solidFill>
+            </a:ln>
+          </p:spPr>
+          <p:style>
+            <a:lnRef idx="2">
+              <a:schemeClr val="accent1"/>
+            </a:lnRef>
+            <a:fillRef idx="0">
+              <a:schemeClr val="accent1"/>
+            </a:fillRef>
+            <a:effectRef idx="1">
+              <a:schemeClr val="accent1"/>
+            </a:effectRef>
+            <a:fontRef idx="minor">
+              <a:schemeClr val="tx1"/>
+            </a:fontRef>
+          </p:style>
+        </p:cxnSp>
+        <p:cxnSp>
+          <p:nvCxnSpPr>
+            <p:cNvPr id="29" name="Straight Connector 28"/>
+            <p:cNvCxnSpPr/>
+            <p:nvPr/>
+          </p:nvCxnSpPr>
+          <p:spPr>
+            <a:xfrm>
+              <a:off x="7042707" y="0"/>
+              <a:ext cx="1219200" cy="6858000"/>
+            </a:xfrm>
+            <a:prstGeom prst="line">
+              <a:avLst/>
+            </a:prstGeom>
+            <a:ln w="9525">
+              <a:solidFill>
+                <a:schemeClr val="accent1">
+                  <a:alpha val="70000"/>
+                </a:schemeClr>
+              </a:solidFill>
+            </a:ln>
+          </p:spPr>
+          <p:style>
+            <a:lnRef idx="2">
+              <a:schemeClr val="accent1"/>
+            </a:lnRef>
+            <a:fillRef idx="0">
+              <a:schemeClr val="accent1"/>
+            </a:fillRef>
+            <a:effectRef idx="1">
+              <a:schemeClr val="accent1"/>
+            </a:effectRef>
+            <a:fontRef idx="minor">
+              <a:schemeClr val="tx1"/>
+            </a:fontRef>
+          </p:style>
+        </p:cxnSp>
+        <p:sp>
+          <p:nvSpPr>
+            <p:cNvPr id="30" name="Freeform 29"/>
+            <p:cNvSpPr/>
+            <p:nvPr/>
+          </p:nvSpPr>
+          <p:spPr>
+            <a:xfrm>
+              <a:off x="6891896" y="1"/>
+              <a:ext cx="2269442" cy="6866466"/>
+            </a:xfrm>
+            <a:custGeom>
+              <a:avLst/>
+              <a:gdLst/>
+              <a:ahLst/>
+              <a:cxnLst/>
+              <a:rect l="l" t="t" r="r" b="b"/>
+              <a:pathLst>
+                <a:path w="2269442" h="6866466">
+                  <a:moveTo>
+                    <a:pt x="2023534" y="0"/>
+                  </a:moveTo>
+                  <a:lnTo>
+                    <a:pt x="0" y="6858000"/>
+                  </a:lnTo>
+                  <a:lnTo>
+                    <a:pt x="2269067" y="6866466"/>
+                  </a:lnTo>
+                  <a:cubicBezTo>
+                    <a:pt x="2271889" y="4580466"/>
+                    <a:pt x="2257778" y="2294466"/>
+                    <a:pt x="2260600" y="8466"/>
+                  </a:cubicBezTo>
+                  <a:lnTo>
+                    <a:pt x="2023534" y="0"/>
+                  </a:lnTo>
+                  <a:close/>
+                </a:path>
+              </a:pathLst>
+            </a:custGeom>
+            <a:solidFill>
+              <a:schemeClr val="accent1">
+                <a:alpha val="36000"/>
+              </a:schemeClr>
+            </a:solidFill>
+            <a:ln>
+              <a:noFill/>
+            </a:ln>
+            <a:effectLst/>
+          </p:spPr>
+          <p:style>
+            <a:lnRef idx="1">
+              <a:schemeClr val="accent1"/>
+            </a:lnRef>
+            <a:fillRef idx="3">
+              <a:schemeClr val="accent1"/>
+            </a:fillRef>
+            <a:effectRef idx="2">
+              <a:schemeClr val="accent1"/>
+            </a:effectRef>
+            <a:fontRef idx="minor">
+              <a:schemeClr val="lt1"/>
+            </a:fontRef>
+          </p:style>
+        </p:sp>
+        <p:sp>
+          <p:nvSpPr>
+            <p:cNvPr id="31" name="Freeform 30"/>
+            <p:cNvSpPr/>
+            <p:nvPr/>
+          </p:nvSpPr>
+          <p:spPr>
+            <a:xfrm>
+              <a:off x="7205158" y="-8467"/>
+              <a:ext cx="1948147" cy="6866467"/>
+            </a:xfrm>
+            <a:custGeom>
+              <a:avLst/>
+              <a:gdLst/>
+              <a:ahLst/>
+              <a:cxnLst/>
+              <a:rect l="l" t="t" r="r" b="b"/>
+              <a:pathLst>
+                <a:path w="1948147" h="6866467">
+                  <a:moveTo>
+                    <a:pt x="0" y="0"/>
+                  </a:moveTo>
+                  <a:lnTo>
+                    <a:pt x="1202267" y="6866467"/>
+                  </a:lnTo>
+                  <a:lnTo>
+                    <a:pt x="1947333" y="6866467"/>
+                  </a:lnTo>
+                  <a:cubicBezTo>
+                    <a:pt x="1944511" y="4577645"/>
+                    <a:pt x="1950155" y="2288822"/>
+                    <a:pt x="1947333" y="0"/>
+                  </a:cubicBezTo>
+                  <a:lnTo>
+                    <a:pt x="0" y="0"/>
+                  </a:lnTo>
+                  <a:close/>
+                </a:path>
+              </a:pathLst>
+            </a:custGeom>
+            <a:solidFill>
+              <a:schemeClr val="accent1">
+                <a:alpha val="20000"/>
+              </a:schemeClr>
+            </a:solidFill>
+            <a:ln>
+              <a:noFill/>
+            </a:ln>
+            <a:effectLst/>
+          </p:spPr>
+          <p:style>
+            <a:lnRef idx="1">
+              <a:schemeClr val="accent1"/>
+            </a:lnRef>
+            <a:fillRef idx="3">
+              <a:schemeClr val="accent1"/>
+            </a:fillRef>
+            <a:effectRef idx="2">
+              <a:schemeClr val="accent1"/>
+            </a:effectRef>
+            <a:fontRef idx="minor">
+              <a:schemeClr val="lt1"/>
+            </a:fontRef>
+          </p:style>
+        </p:sp>
+        <p:sp>
+          <p:nvSpPr>
+            <p:cNvPr id="32" name="Freeform 31"/>
+            <p:cNvSpPr/>
+            <p:nvPr/>
+          </p:nvSpPr>
+          <p:spPr>
+            <a:xfrm>
+              <a:off x="6637896" y="3920066"/>
+              <a:ext cx="2513565" cy="2937933"/>
+            </a:xfrm>
+            <a:custGeom>
+              <a:avLst/>
+              <a:gdLst/>
+              <a:ahLst/>
+              <a:cxnLst/>
+              <a:rect l="l" t="t" r="r" b="b"/>
+              <a:pathLst>
+                <a:path w="3259667" h="3810000">
+                  <a:moveTo>
+                    <a:pt x="0" y="3810000"/>
+                  </a:moveTo>
+                  <a:lnTo>
+                    <a:pt x="3251200" y="0"/>
+                  </a:lnTo>
+                  <a:cubicBezTo>
+                    <a:pt x="3254022" y="1270000"/>
+                    <a:pt x="3256845" y="2540000"/>
+                    <a:pt x="3259667" y="3810000"/>
+                  </a:cubicBezTo>
+                  <a:lnTo>
+                    <a:pt x="0" y="3810000"/>
+                  </a:lnTo>
+                  <a:close/>
+                </a:path>
+              </a:pathLst>
+            </a:custGeom>
+            <a:solidFill>
+              <a:schemeClr val="accent1">
+                <a:lumMod val="75000"/>
+                <a:alpha val="66000"/>
+              </a:schemeClr>
+            </a:solidFill>
+            <a:ln>
+              <a:noFill/>
+            </a:ln>
+            <a:effectLst/>
+          </p:spPr>
+          <p:style>
+            <a:lnRef idx="1">
+              <a:schemeClr val="accent1"/>
+            </a:lnRef>
+            <a:fillRef idx="3">
+              <a:schemeClr val="accent1"/>
+            </a:fillRef>
+            <a:effectRef idx="2">
+              <a:schemeClr val="accent1"/>
+            </a:effectRef>
+            <a:fontRef idx="minor">
+              <a:schemeClr val="lt1"/>
+            </a:fontRef>
+          </p:style>
+        </p:sp>
+        <p:sp>
+          <p:nvSpPr>
+            <p:cNvPr id="33" name="Freeform 32"/>
+            <p:cNvSpPr/>
+            <p:nvPr/>
+          </p:nvSpPr>
+          <p:spPr>
+            <a:xfrm>
+              <a:off x="7010429" y="-8467"/>
+              <a:ext cx="2142876" cy="6866467"/>
+            </a:xfrm>
+            <a:custGeom>
+              <a:avLst/>
+              <a:gdLst/>
+              <a:ahLst/>
+              <a:cxnLst/>
+              <a:rect l="l" t="t" r="r" b="b"/>
+              <a:pathLst>
+                <a:path w="2853267" h="6866467">
+                  <a:moveTo>
+                    <a:pt x="0" y="0"/>
+                  </a:moveTo>
+                  <a:lnTo>
+                    <a:pt x="2472267" y="6866467"/>
+                  </a:lnTo>
+                  <a:lnTo>
+                    <a:pt x="2853267" y="6858000"/>
+                  </a:lnTo>
+                  <a:lnTo>
+                    <a:pt x="2853267" y="0"/>
+                  </a:lnTo>
+                  <a:lnTo>
+                    <a:pt x="0" y="0"/>
+                  </a:lnTo>
+                  <a:close/>
+                </a:path>
+              </a:pathLst>
+            </a:custGeom>
+            <a:solidFill>
+              <a:schemeClr val="accent1">
+                <a:lumMod val="75000"/>
+                <a:alpha val="50000"/>
+              </a:schemeClr>
+            </a:solidFill>
+            <a:ln>
+              <a:noFill/>
+            </a:ln>
+            <a:effectLst/>
+          </p:spPr>
+          <p:style>
+            <a:lnRef idx="1">
+              <a:schemeClr val="accent1"/>
+            </a:lnRef>
+            <a:fillRef idx="3">
+              <a:schemeClr val="accent1"/>
+            </a:fillRef>
+            <a:effectRef idx="2">
+              <a:schemeClr val="accent1"/>
+            </a:effectRef>
+            <a:fontRef idx="minor">
+              <a:schemeClr val="lt1"/>
+            </a:fontRef>
+          </p:style>
+        </p:sp>
+        <p:sp>
+          <p:nvSpPr>
+            <p:cNvPr id="34" name="Freeform 33"/>
+            <p:cNvSpPr/>
+            <p:nvPr/>
+          </p:nvSpPr>
+          <p:spPr>
+            <a:xfrm>
+              <a:off x="8295776" y="-8467"/>
+              <a:ext cx="857530" cy="6866467"/>
+            </a:xfrm>
+            <a:custGeom>
+              <a:avLst/>
+              <a:gdLst/>
+              <a:ahLst/>
+              <a:cxnLst/>
+              <a:rect l="l" t="t" r="r" b="b"/>
+              <a:pathLst>
+                <a:path w="1286933" h="6866467">
+                  <a:moveTo>
+                    <a:pt x="1016000" y="0"/>
+                  </a:moveTo>
+                  <a:lnTo>
+                    <a:pt x="0" y="6866467"/>
+                  </a:lnTo>
+                  <a:lnTo>
+                    <a:pt x="1286933" y="6866467"/>
+                  </a:lnTo>
+                  <a:cubicBezTo>
+                    <a:pt x="1284111" y="4577645"/>
+                    <a:pt x="1281288" y="2288822"/>
+                    <a:pt x="1278466" y="0"/>
+                  </a:cubicBezTo>
+                  <a:lnTo>
+                    <a:pt x="1016000" y="0"/>
+                  </a:lnTo>
+                  <a:close/>
+                </a:path>
+              </a:pathLst>
+            </a:custGeom>
+            <a:solidFill>
+              <a:schemeClr val="accent2">
+                <a:alpha val="70000"/>
+              </a:schemeClr>
+            </a:solidFill>
+            <a:ln>
+              <a:noFill/>
+            </a:ln>
+            <a:effectLst/>
+          </p:spPr>
+          <p:style>
+            <a:lnRef idx="1">
+              <a:schemeClr val="accent1"/>
+            </a:lnRef>
+            <a:fillRef idx="3">
+              <a:schemeClr val="accent1"/>
+            </a:fillRef>
+            <a:effectRef idx="2">
+              <a:schemeClr val="accent1"/>
+            </a:effectRef>
+            <a:fontRef idx="minor">
+              <a:schemeClr val="lt1"/>
+            </a:fontRef>
+          </p:style>
+        </p:sp>
+        <p:sp>
+          <p:nvSpPr>
+            <p:cNvPr id="35" name="Freeform 34"/>
+            <p:cNvSpPr/>
+            <p:nvPr/>
+          </p:nvSpPr>
+          <p:spPr>
+            <a:xfrm>
+              <a:off x="8094165" y="-8468"/>
+              <a:ext cx="1066770" cy="6866467"/>
+            </a:xfrm>
+            <a:custGeom>
+              <a:avLst/>
+              <a:gdLst/>
+              <a:ahLst/>
+              <a:cxnLst/>
+              <a:rect l="l" t="t" r="r" b="b"/>
+              <a:pathLst>
+                <a:path w="1270244" h="6866467">
+                  <a:moveTo>
+                    <a:pt x="0" y="0"/>
+                  </a:moveTo>
+                  <a:lnTo>
+                    <a:pt x="1117600" y="6866467"/>
+                  </a:lnTo>
+                  <a:lnTo>
+                    <a:pt x="1270000" y="6866467"/>
+                  </a:lnTo>
+                  <a:cubicBezTo>
+                    <a:pt x="1272822" y="4574822"/>
+                    <a:pt x="1250245" y="2291645"/>
+                    <a:pt x="1253067" y="0"/>
+                  </a:cubicBezTo>
+                  <a:lnTo>
+                    <a:pt x="0" y="0"/>
+                  </a:lnTo>
+                  <a:close/>
+                </a:path>
+              </a:pathLst>
+            </a:custGeom>
+            <a:solidFill>
+              <a:schemeClr val="accent2">
+                <a:lumMod val="75000"/>
+                <a:alpha val="82000"/>
+              </a:schemeClr>
+            </a:solidFill>
+            <a:ln>
+              <a:noFill/>
+            </a:ln>
+            <a:effectLst/>
+          </p:spPr>
+          <p:style>
+            <a:lnRef idx="1">
+              <a:schemeClr val="accent1"/>
+            </a:lnRef>
+            <a:fillRef idx="3">
+              <a:schemeClr val="accent1"/>
+            </a:fillRef>
+            <a:effectRef idx="2">
+              <a:schemeClr val="accent1"/>
+            </a:effectRef>
+            <a:fontRef idx="minor">
+              <a:schemeClr val="lt1"/>
+            </a:fontRef>
+          </p:style>
+        </p:sp>
+        <p:sp>
+          <p:nvSpPr>
+            <p:cNvPr id="36" name="Freeform 35"/>
+            <p:cNvSpPr/>
+            <p:nvPr/>
+          </p:nvSpPr>
+          <p:spPr>
+            <a:xfrm>
+              <a:off x="8068764" y="4893733"/>
+              <a:ext cx="1094086" cy="1964267"/>
+            </a:xfrm>
+            <a:custGeom>
+              <a:avLst/>
+              <a:gdLst/>
+              <a:ahLst/>
+              <a:cxnLst/>
+              <a:rect l="l" t="t" r="r" b="b"/>
+              <a:pathLst>
+                <a:path w="1820333" h="3268133">
+                  <a:moveTo>
+                    <a:pt x="0" y="3268133"/>
+                  </a:moveTo>
+                  <a:lnTo>
+                    <a:pt x="1811866" y="0"/>
+                  </a:lnTo>
+                  <a:cubicBezTo>
+                    <a:pt x="1814688" y="1086555"/>
+                    <a:pt x="1817511" y="2173111"/>
+                    <a:pt x="1820333" y="3259666"/>
+                  </a:cubicBezTo>
+                  <a:lnTo>
+                    <a:pt x="0" y="3268133"/>
+                  </a:lnTo>
+                  <a:close/>
+                </a:path>
+              </a:pathLst>
+            </a:custGeom>
+            <a:solidFill>
+              <a:schemeClr val="accent1">
+                <a:lumMod val="75000"/>
+                <a:alpha val="66000"/>
+              </a:schemeClr>
+            </a:solidFill>
+            <a:ln>
+              <a:noFill/>
+            </a:ln>
+            <a:effectLst/>
+          </p:spPr>
+          <p:style>
+            <a:lnRef idx="1">
+              <a:schemeClr val="accent1"/>
+            </a:lnRef>
+            <a:fillRef idx="3">
+              <a:schemeClr val="accent1"/>
+            </a:fillRef>
+            <a:effectRef idx="2">
+              <a:schemeClr val="accent1"/>
+            </a:effectRef>
+            <a:fontRef idx="minor">
+              <a:schemeClr val="lt1"/>
+            </a:fontRef>
+          </p:style>
+        </p:sp>
+        <p:sp>
+          <p:nvSpPr>
+            <p:cNvPr id="18" name="Freeform 17"/>
+            <p:cNvSpPr/>
+            <p:nvPr/>
+          </p:nvSpPr>
+          <p:spPr>
+            <a:xfrm>
+              <a:off x="-8466" y="-8468"/>
+              <a:ext cx="863600" cy="5698067"/>
+            </a:xfrm>
+            <a:custGeom>
+              <a:avLst/>
+              <a:gdLst/>
+              <a:ahLst/>
+              <a:cxnLst/>
+              <a:rect l="l" t="t" r="r" b="b"/>
+              <a:pathLst>
+                <a:path w="863600" h="5698067">
+                  <a:moveTo>
+                    <a:pt x="0" y="8467"/>
+                  </a:moveTo>
+                  <a:lnTo>
+                    <a:pt x="863600" y="0"/>
+                  </a:lnTo>
+                  <a:lnTo>
+                    <a:pt x="863600" y="16934"/>
+                  </a:lnTo>
+                  <a:lnTo>
+                    <a:pt x="0" y="5698067"/>
+                  </a:lnTo>
+                  <a:lnTo>
+                    <a:pt x="0" y="8467"/>
+                  </a:lnTo>
+                  <a:close/>
+                </a:path>
+              </a:pathLst>
+            </a:custGeom>
+            <a:solidFill>
+              <a:schemeClr val="accent1">
+                <a:alpha val="85000"/>
+              </a:schemeClr>
+            </a:solidFill>
+            <a:ln>
+              <a:noFill/>
+            </a:ln>
+            <a:effectLst/>
+          </p:spPr>
+          <p:style>
+            <a:lnRef idx="1">
+              <a:schemeClr val="accent1"/>
+            </a:lnRef>
+            <a:fillRef idx="3">
+              <a:schemeClr val="accent1"/>
+            </a:fillRef>
+            <a:effectRef idx="2">
+              <a:schemeClr val="accent1"/>
+            </a:effectRef>
+            <a:fontRef idx="minor">
+              <a:schemeClr val="lt1"/>
+            </a:fontRef>
+          </p:style>
+        </p:sp>
+      </p:grpSp>
+      <p:sp>
+        <p:nvSpPr>
+          <p:cNvPr id="2" name="Title 1"/>
+          <p:cNvSpPr>
+            <a:spLocks noGrp="1"/>
+          </p:cNvSpPr>
+          <p:nvPr>
+            <p:ph type="ctrTitle"/>
+          </p:nvPr>
         </p:nvSpPr>
         <p:spPr>
           <a:xfrm>
-            <a:off x="0" y="761999"/>
-            <a:ext cx="9141619" cy="5334001"/>
-          </a:xfrm>
-          <a:prstGeom prst="rect">
-            <a:avLst/>
-          </a:prstGeom>
-          <a:solidFill>
-            <a:schemeClr val="accent1"/>
-          </a:solidFill>
-          <a:ln>
-            <a:noFill/>
-          </a:ln>
-        </p:spPr>
-        <p:style>
-          <a:lnRef idx="2">
-            <a:schemeClr val="accent1">
-              <a:shade val="50000"/>
-            </a:schemeClr>
-          </a:lnRef>
-          <a:fillRef idx="1">
-            <a:schemeClr val="accent1"/>
-          </a:fillRef>
-          <a:effectRef idx="0">
-            <a:schemeClr val="accent1"/>
-          </a:effectRef>
-          <a:fontRef idx="minor">
-            <a:schemeClr val="lt1"/>
-          </a:fontRef>
-        </p:style>
-      </p:sp>
-      <p:sp>
-        <p:nvSpPr>
-          <p:cNvPr id="8" name="Rectangle 7"/>
-          <p:cNvSpPr/>
-          <p:nvPr/>
-        </p:nvSpPr>
-        <p:spPr>
-          <a:xfrm>
-            <a:off x="9270263" y="761999"/>
-            <a:ext cx="2925318" cy="5334001"/>
-          </a:xfrm>
-          <a:prstGeom prst="rect">
-            <a:avLst/>
-          </a:prstGeom>
-          <a:solidFill>
-            <a:srgbClr val="C8C8C8">
-              <a:alpha val="49804"/>
-            </a:srgbClr>
-          </a:solidFill>
-          <a:ln>
-            <a:noFill/>
-          </a:ln>
-        </p:spPr>
-        <p:style>
-          <a:lnRef idx="2">
-            <a:schemeClr val="accent1">
-              <a:shade val="50000"/>
-            </a:schemeClr>
-          </a:lnRef>
-          <a:fillRef idx="1">
-            <a:schemeClr val="accent1"/>
-          </a:fillRef>
-          <a:effectRef idx="0">
-            <a:schemeClr val="accent1"/>
-          </a:effectRef>
-          <a:fontRef idx="minor">
-            <a:schemeClr val="lt1"/>
-          </a:fontRef>
-        </p:style>
-      </p:sp>
-      <p:sp>
-        <p:nvSpPr>
-          <p:cNvPr id="2" name="Title 1"/>
-          <p:cNvSpPr>
-            <a:spLocks noGrp="1"/>
-          </p:cNvSpPr>
-          <p:nvPr>
-            <p:ph type="ctrTitle"/>
-          </p:nvPr>
-        </p:nvSpPr>
-        <p:spPr>
-          <a:xfrm>
-            <a:off x="1069848" y="1298448"/>
-            <a:ext cx="7315200" cy="3255264"/>
+            <a:off x="1130595" y="2404534"/>
+            <a:ext cx="5826719" cy="1646302"/>
           </a:xfrm>
         </p:spPr>
         <p:txBody>
           <a:bodyPr anchor="b">
-            <a:normAutofit/>
+            <a:noAutofit/>
           </a:bodyPr>
           <a:lstStyle>
-            <a:lvl1pPr algn="l">
-              <a:defRPr sz="5900" spc="-100" baseline="0">
-                <a:solidFill>
-                  <a:srgbClr val="FFFFFF"/>
+            <a:lvl1pPr algn="r">
+              <a:defRPr sz="5400">
+                <a:solidFill>
+                  <a:schemeClr val="accent1"/>
                 </a:solidFill>
               </a:defRPr>
             </a:lvl1pPr>
@@ -258,57 +794,103 @@
         </p:nvSpPr>
         <p:spPr>
           <a:xfrm>
-            <a:off x="1100015" y="4670246"/>
-            <a:ext cx="7315200" cy="914400"/>
+            <a:off x="1130595" y="4050834"/>
+            <a:ext cx="5826719" cy="1096899"/>
           </a:xfrm>
         </p:spPr>
         <p:txBody>
-          <a:bodyPr anchor="t">
-            <a:normAutofit/>
-          </a:bodyPr>
+          <a:bodyPr anchor="t"/>
           <a:lstStyle>
-            <a:lvl1pPr marL="0" indent="0" algn="l">
-              <a:buNone/>
-              <a:defRPr sz="2200" cap="none" spc="0" baseline="0">
-                <a:solidFill>
-                  <a:schemeClr val="accent1">
-                    <a:lumMod val="20000"/>
-                    <a:lumOff val="80000"/>
+            <a:lvl1pPr marL="0" indent="0" algn="r">
+              <a:buNone/>
+              <a:defRPr>
+                <a:solidFill>
+                  <a:schemeClr val="tx1">
+                    <a:lumMod val="50000"/>
+                    <a:lumOff val="50000"/>
                   </a:schemeClr>
                 </a:solidFill>
               </a:defRPr>
             </a:lvl1pPr>
             <a:lvl2pPr marL="457200" indent="0" algn="ctr">
               <a:buNone/>
-              <a:defRPr sz="2200"/>
+              <a:defRPr>
+                <a:solidFill>
+                  <a:schemeClr val="tx1">
+                    <a:tint val="75000"/>
+                  </a:schemeClr>
+                </a:solidFill>
+              </a:defRPr>
             </a:lvl2pPr>
             <a:lvl3pPr marL="914400" indent="0" algn="ctr">
               <a:buNone/>
-              <a:defRPr sz="2200"/>
+              <a:defRPr>
+                <a:solidFill>
+                  <a:schemeClr val="tx1">
+                    <a:tint val="75000"/>
+                  </a:schemeClr>
+                </a:solidFill>
+              </a:defRPr>
             </a:lvl3pPr>
             <a:lvl4pPr marL="1371600" indent="0" algn="ctr">
               <a:buNone/>
-              <a:defRPr sz="2000"/>
+              <a:defRPr>
+                <a:solidFill>
+                  <a:schemeClr val="tx1">
+                    <a:tint val="75000"/>
+                  </a:schemeClr>
+                </a:solidFill>
+              </a:defRPr>
             </a:lvl4pPr>
             <a:lvl5pPr marL="1828800" indent="0" algn="ctr">
               <a:buNone/>
-              <a:defRPr sz="2000"/>
+              <a:defRPr>
+                <a:solidFill>
+                  <a:schemeClr val="tx1">
+                    <a:tint val="75000"/>
+                  </a:schemeClr>
+                </a:solidFill>
+              </a:defRPr>
             </a:lvl5pPr>
             <a:lvl6pPr marL="2286000" indent="0" algn="ctr">
               <a:buNone/>
-              <a:defRPr sz="2000"/>
+              <a:defRPr>
+                <a:solidFill>
+                  <a:schemeClr val="tx1">
+                    <a:tint val="75000"/>
+                  </a:schemeClr>
+                </a:solidFill>
+              </a:defRPr>
             </a:lvl6pPr>
             <a:lvl7pPr marL="2743200" indent="0" algn="ctr">
               <a:buNone/>
-              <a:defRPr sz="2000"/>
+              <a:defRPr>
+                <a:solidFill>
+                  <a:schemeClr val="tx1">
+                    <a:tint val="75000"/>
+                  </a:schemeClr>
+                </a:solidFill>
+              </a:defRPr>
             </a:lvl7pPr>
             <a:lvl8pPr marL="3200400" indent="0" algn="ctr">
               <a:buNone/>
-              <a:defRPr sz="2000"/>
+              <a:defRPr>
+                <a:solidFill>
+                  <a:schemeClr val="tx1">
+                    <a:tint val="75000"/>
+                  </a:schemeClr>
+                </a:solidFill>
+              </a:defRPr>
             </a:lvl8pPr>
             <a:lvl9pPr marL="3657600" indent="0" algn="ctr">
               <a:buNone/>
-              <a:defRPr sz="2000"/>
+              <a:defRPr>
+                <a:solidFill>
+                  <a:schemeClr val="tx1">
+                    <a:tint val="75000"/>
+                  </a:schemeClr>
+                </a:solidFill>
+              </a:defRPr>
             </a:lvl9pPr>
           </a:lstStyle>
           <a:p>
@@ -336,9 +918,9 @@
           <a:lstStyle/>
           <a:p>
             <a:fld id="{5586B75A-687E-405C-8A0B-8D00578BA2C3}" type="datetimeFigureOut">
-              <a:rPr lang="en-US" dirty="0"/>
+              <a:rPr lang="en-US" smtClean="0"/>
               <a:pPr/>
-              <a:t>5/2/2014</a:t>
+              <a:t>5/3/2014</a:t>
             </a:fld>
             <a:endParaRPr lang="en-US" dirty="0"/>
           </a:p>
@@ -379,7 +961,7 @@
           <a:lstStyle/>
           <a:p>
             <a:fld id="{4FAB73BC-B049-4115-A692-8D63A059BFB8}" type="slidenum">
-              <a:rPr lang="en-US" dirty="0"/>
+              <a:rPr lang="en-US" smtClean="0"/>
               <a:pPr/>
               <a:t>‹#›</a:t>
             </a:fld>
@@ -388,6 +970,11 @@
         </p:txBody>
       </p:sp>
     </p:spTree>
+    <p:extLst>
+      <p:ext uri="{BB962C8B-B14F-4D97-AF65-F5344CB8AC3E}">
+        <p14:creationId xmlns:p14="http://schemas.microsoft.com/office/powerpoint/2010/main" val="1782268448"/>
+      </p:ext>
+    </p:extLst>
   </p:cSld>
   <p:clrMapOvr>
     <a:masterClrMapping/>
@@ -396,6 +983,1626 @@
 </file>
 
 <file path=ppt/slideLayouts/slideLayout10.xml><?xml version="1.0" encoding="utf-8"?>
+<p:sldLayout xmlns:a="http://schemas.openxmlformats.org/drawingml/2006/main" xmlns:r="http://schemas.openxmlformats.org/officeDocument/2006/relationships" xmlns:p="http://schemas.openxmlformats.org/presentationml/2006/main" preserve="1">
+  <p:cSld name="Title and Caption">
+    <p:spTree>
+      <p:nvGrpSpPr>
+        <p:cNvPr id="1" name=""/>
+        <p:cNvGrpSpPr/>
+        <p:nvPr/>
+      </p:nvGrpSpPr>
+      <p:grpSpPr>
+        <a:xfrm>
+          <a:off x="0" y="0"/>
+          <a:ext cx="0" cy="0"/>
+          <a:chOff x="0" y="0"/>
+          <a:chExt cx="0" cy="0"/>
+        </a:xfrm>
+      </p:grpSpPr>
+      <p:sp>
+        <p:nvSpPr>
+          <p:cNvPr id="2" name="Title 1"/>
+          <p:cNvSpPr>
+            <a:spLocks noGrp="1"/>
+          </p:cNvSpPr>
+          <p:nvPr>
+            <p:ph type="title"/>
+          </p:nvPr>
+        </p:nvSpPr>
+        <p:spPr>
+          <a:xfrm>
+            <a:off x="609600" y="609600"/>
+            <a:ext cx="6347714" cy="3403600"/>
+          </a:xfrm>
+        </p:spPr>
+        <p:txBody>
+          <a:bodyPr anchor="ctr">
+            <a:normAutofit/>
+          </a:bodyPr>
+          <a:lstStyle>
+            <a:lvl1pPr algn="l">
+              <a:defRPr sz="4400" b="0" cap="none"/>
+            </a:lvl1pPr>
+          </a:lstStyle>
+          <a:p>
+            <a:r>
+              <a:rPr lang="en-US" smtClean="0"/>
+              <a:t>Click to edit Master title style</a:t>
+            </a:r>
+            <a:endParaRPr lang="en-US" dirty="0"/>
+          </a:p>
+        </p:txBody>
+      </p:sp>
+      <p:sp>
+        <p:nvSpPr>
+          <p:cNvPr id="3" name="Text Placeholder 2"/>
+          <p:cNvSpPr>
+            <a:spLocks noGrp="1"/>
+          </p:cNvSpPr>
+          <p:nvPr>
+            <p:ph type="body" idx="1"/>
+          </p:nvPr>
+        </p:nvSpPr>
+        <p:spPr>
+          <a:xfrm>
+            <a:off x="609600" y="4470400"/>
+            <a:ext cx="6347714" cy="1570962"/>
+          </a:xfrm>
+        </p:spPr>
+        <p:txBody>
+          <a:bodyPr anchor="ctr">
+            <a:normAutofit/>
+          </a:bodyPr>
+          <a:lstStyle>
+            <a:lvl1pPr marL="0" indent="0" algn="l">
+              <a:buNone/>
+              <a:defRPr sz="1800">
+                <a:solidFill>
+                  <a:schemeClr val="tx1">
+                    <a:lumMod val="75000"/>
+                    <a:lumOff val="25000"/>
+                  </a:schemeClr>
+                </a:solidFill>
+              </a:defRPr>
+            </a:lvl1pPr>
+            <a:lvl2pPr marL="457200" indent="0">
+              <a:buNone/>
+              <a:defRPr sz="1800">
+                <a:solidFill>
+                  <a:schemeClr val="tx1">
+                    <a:tint val="75000"/>
+                  </a:schemeClr>
+                </a:solidFill>
+              </a:defRPr>
+            </a:lvl2pPr>
+            <a:lvl3pPr marL="914400" indent="0">
+              <a:buNone/>
+              <a:defRPr sz="1600">
+                <a:solidFill>
+                  <a:schemeClr val="tx1">
+                    <a:tint val="75000"/>
+                  </a:schemeClr>
+                </a:solidFill>
+              </a:defRPr>
+            </a:lvl3pPr>
+            <a:lvl4pPr marL="1371600" indent="0">
+              <a:buNone/>
+              <a:defRPr sz="1400">
+                <a:solidFill>
+                  <a:schemeClr val="tx1">
+                    <a:tint val="75000"/>
+                  </a:schemeClr>
+                </a:solidFill>
+              </a:defRPr>
+            </a:lvl4pPr>
+            <a:lvl5pPr marL="1828800" indent="0">
+              <a:buNone/>
+              <a:defRPr sz="1400">
+                <a:solidFill>
+                  <a:schemeClr val="tx1">
+                    <a:tint val="75000"/>
+                  </a:schemeClr>
+                </a:solidFill>
+              </a:defRPr>
+            </a:lvl5pPr>
+            <a:lvl6pPr marL="2286000" indent="0">
+              <a:buNone/>
+              <a:defRPr sz="1400">
+                <a:solidFill>
+                  <a:schemeClr val="tx1">
+                    <a:tint val="75000"/>
+                  </a:schemeClr>
+                </a:solidFill>
+              </a:defRPr>
+            </a:lvl6pPr>
+            <a:lvl7pPr marL="2743200" indent="0">
+              <a:buNone/>
+              <a:defRPr sz="1400">
+                <a:solidFill>
+                  <a:schemeClr val="tx1">
+                    <a:tint val="75000"/>
+                  </a:schemeClr>
+                </a:solidFill>
+              </a:defRPr>
+            </a:lvl7pPr>
+            <a:lvl8pPr marL="3200400" indent="0">
+              <a:buNone/>
+              <a:defRPr sz="1400">
+                <a:solidFill>
+                  <a:schemeClr val="tx1">
+                    <a:tint val="75000"/>
+                  </a:schemeClr>
+                </a:solidFill>
+              </a:defRPr>
+            </a:lvl8pPr>
+            <a:lvl9pPr marL="3657600" indent="0">
+              <a:buNone/>
+              <a:defRPr sz="1400">
+                <a:solidFill>
+                  <a:schemeClr val="tx1">
+                    <a:tint val="75000"/>
+                  </a:schemeClr>
+                </a:solidFill>
+              </a:defRPr>
+            </a:lvl9pPr>
+          </a:lstStyle>
+          <a:p>
+            <a:pPr lvl="0"/>
+            <a:r>
+              <a:rPr lang="en-US" smtClean="0"/>
+              <a:t>Click to edit Master text styles</a:t>
+            </a:r>
+          </a:p>
+        </p:txBody>
+      </p:sp>
+      <p:sp>
+        <p:nvSpPr>
+          <p:cNvPr id="4" name="Date Placeholder 3"/>
+          <p:cNvSpPr>
+            <a:spLocks noGrp="1"/>
+          </p:cNvSpPr>
+          <p:nvPr>
+            <p:ph type="dt" sz="half" idx="10"/>
+          </p:nvPr>
+        </p:nvSpPr>
+        <p:spPr/>
+        <p:txBody>
+          <a:bodyPr/>
+          <a:lstStyle/>
+          <a:p>
+            <a:fld id="{5586B75A-687E-405C-8A0B-8D00578BA2C3}" type="datetimeFigureOut">
+              <a:rPr lang="en-US" smtClean="0"/>
+              <a:pPr/>
+              <a:t>5/3/2014</a:t>
+            </a:fld>
+            <a:endParaRPr lang="en-US" dirty="0"/>
+          </a:p>
+        </p:txBody>
+      </p:sp>
+      <p:sp>
+        <p:nvSpPr>
+          <p:cNvPr id="5" name="Footer Placeholder 4"/>
+          <p:cNvSpPr>
+            <a:spLocks noGrp="1"/>
+          </p:cNvSpPr>
+          <p:nvPr>
+            <p:ph type="ftr" sz="quarter" idx="11"/>
+          </p:nvPr>
+        </p:nvSpPr>
+        <p:spPr/>
+        <p:txBody>
+          <a:bodyPr/>
+          <a:lstStyle/>
+          <a:p>
+            <a:endParaRPr lang="en-US" dirty="0"/>
+          </a:p>
+        </p:txBody>
+      </p:sp>
+      <p:sp>
+        <p:nvSpPr>
+          <p:cNvPr id="6" name="Slide Number Placeholder 5"/>
+          <p:cNvSpPr>
+            <a:spLocks noGrp="1"/>
+          </p:cNvSpPr>
+          <p:nvPr>
+            <p:ph type="sldNum" sz="quarter" idx="12"/>
+          </p:nvPr>
+        </p:nvSpPr>
+        <p:spPr/>
+        <p:txBody>
+          <a:bodyPr/>
+          <a:lstStyle/>
+          <a:p>
+            <a:fld id="{4FAB73BC-B049-4115-A692-8D63A059BFB8}" type="slidenum">
+              <a:rPr lang="en-US" smtClean="0"/>
+              <a:pPr/>
+              <a:t>‹#›</a:t>
+            </a:fld>
+            <a:endParaRPr lang="en-US" dirty="0"/>
+          </a:p>
+        </p:txBody>
+      </p:sp>
+    </p:spTree>
+    <p:extLst>
+      <p:ext uri="{BB962C8B-B14F-4D97-AF65-F5344CB8AC3E}">
+        <p14:creationId xmlns:p14="http://schemas.microsoft.com/office/powerpoint/2010/main" val="897615949"/>
+      </p:ext>
+    </p:extLst>
+  </p:cSld>
+  <p:clrMapOvr>
+    <a:masterClrMapping/>
+  </p:clrMapOvr>
+  <p:hf sldNum="0" hdr="0" ftr="0" dt="0"/>
+</p:sldLayout>
+</file>
+
+<file path=ppt/slideLayouts/slideLayout11.xml><?xml version="1.0" encoding="utf-8"?>
+<p:sldLayout xmlns:a="http://schemas.openxmlformats.org/drawingml/2006/main" xmlns:r="http://schemas.openxmlformats.org/officeDocument/2006/relationships" xmlns:p="http://schemas.openxmlformats.org/presentationml/2006/main" preserve="1">
+  <p:cSld name="Quote with Caption">
+    <p:spTree>
+      <p:nvGrpSpPr>
+        <p:cNvPr id="1" name=""/>
+        <p:cNvGrpSpPr/>
+        <p:nvPr/>
+      </p:nvGrpSpPr>
+      <p:grpSpPr>
+        <a:xfrm>
+          <a:off x="0" y="0"/>
+          <a:ext cx="0" cy="0"/>
+          <a:chOff x="0" y="0"/>
+          <a:chExt cx="0" cy="0"/>
+        </a:xfrm>
+      </p:grpSpPr>
+      <p:sp>
+        <p:nvSpPr>
+          <p:cNvPr id="2" name="Title 1"/>
+          <p:cNvSpPr>
+            <a:spLocks noGrp="1"/>
+          </p:cNvSpPr>
+          <p:nvPr>
+            <p:ph type="title"/>
+          </p:nvPr>
+        </p:nvSpPr>
+        <p:spPr>
+          <a:xfrm>
+            <a:off x="774885" y="609600"/>
+            <a:ext cx="6072182" cy="3022600"/>
+          </a:xfrm>
+        </p:spPr>
+        <p:txBody>
+          <a:bodyPr anchor="ctr">
+            <a:normAutofit/>
+          </a:bodyPr>
+          <a:lstStyle>
+            <a:lvl1pPr algn="l">
+              <a:defRPr sz="4400" b="0" cap="none"/>
+            </a:lvl1pPr>
+          </a:lstStyle>
+          <a:p>
+            <a:r>
+              <a:rPr lang="en-US" smtClean="0"/>
+              <a:t>Click to edit Master title style</a:t>
+            </a:r>
+            <a:endParaRPr lang="en-US" dirty="0"/>
+          </a:p>
+        </p:txBody>
+      </p:sp>
+      <p:sp>
+        <p:nvSpPr>
+          <p:cNvPr id="23" name="Text Placeholder 9"/>
+          <p:cNvSpPr>
+            <a:spLocks noGrp="1"/>
+          </p:cNvSpPr>
+          <p:nvPr>
+            <p:ph type="body" sz="quarter" idx="13"/>
+          </p:nvPr>
+        </p:nvSpPr>
+        <p:spPr>
+          <a:xfrm>
+            <a:off x="1101074" y="3632200"/>
+            <a:ext cx="5419804" cy="381000"/>
+          </a:xfrm>
+        </p:spPr>
+        <p:txBody>
+          <a:bodyPr anchor="ctr">
+            <a:noAutofit/>
+          </a:bodyPr>
+          <a:lstStyle>
+            <a:lvl1pPr marL="0" indent="0">
+              <a:buFontTx/>
+              <a:buNone/>
+              <a:defRPr sz="1600">
+                <a:solidFill>
+                  <a:schemeClr val="tx1">
+                    <a:lumMod val="50000"/>
+                    <a:lumOff val="50000"/>
+                  </a:schemeClr>
+                </a:solidFill>
+              </a:defRPr>
+            </a:lvl1pPr>
+            <a:lvl2pPr marL="457200" indent="0">
+              <a:buFontTx/>
+              <a:buNone/>
+              <a:defRPr/>
+            </a:lvl2pPr>
+            <a:lvl3pPr marL="914400" indent="0">
+              <a:buFontTx/>
+              <a:buNone/>
+              <a:defRPr/>
+            </a:lvl3pPr>
+            <a:lvl4pPr marL="1371600" indent="0">
+              <a:buFontTx/>
+              <a:buNone/>
+              <a:defRPr/>
+            </a:lvl4pPr>
+            <a:lvl5pPr marL="1828800" indent="0">
+              <a:buFontTx/>
+              <a:buNone/>
+              <a:defRPr/>
+            </a:lvl5pPr>
+          </a:lstStyle>
+          <a:p>
+            <a:pPr lvl="0"/>
+            <a:r>
+              <a:rPr lang="en-US" smtClean="0"/>
+              <a:t>Click to edit Master text styles</a:t>
+            </a:r>
+          </a:p>
+        </p:txBody>
+      </p:sp>
+      <p:sp>
+        <p:nvSpPr>
+          <p:cNvPr id="3" name="Text Placeholder 2"/>
+          <p:cNvSpPr>
+            <a:spLocks noGrp="1"/>
+          </p:cNvSpPr>
+          <p:nvPr>
+            <p:ph type="body" idx="1"/>
+          </p:nvPr>
+        </p:nvSpPr>
+        <p:spPr>
+          <a:xfrm>
+            <a:off x="609598" y="4470400"/>
+            <a:ext cx="6347715" cy="1570962"/>
+          </a:xfrm>
+        </p:spPr>
+        <p:txBody>
+          <a:bodyPr anchor="ctr">
+            <a:normAutofit/>
+          </a:bodyPr>
+          <a:lstStyle>
+            <a:lvl1pPr marL="0" indent="0" algn="l">
+              <a:buNone/>
+              <a:defRPr sz="1800">
+                <a:solidFill>
+                  <a:schemeClr val="tx1">
+                    <a:lumMod val="75000"/>
+                    <a:lumOff val="25000"/>
+                  </a:schemeClr>
+                </a:solidFill>
+              </a:defRPr>
+            </a:lvl1pPr>
+            <a:lvl2pPr marL="457200" indent="0">
+              <a:buNone/>
+              <a:defRPr sz="1800">
+                <a:solidFill>
+                  <a:schemeClr val="tx1">
+                    <a:tint val="75000"/>
+                  </a:schemeClr>
+                </a:solidFill>
+              </a:defRPr>
+            </a:lvl2pPr>
+            <a:lvl3pPr marL="914400" indent="0">
+              <a:buNone/>
+              <a:defRPr sz="1600">
+                <a:solidFill>
+                  <a:schemeClr val="tx1">
+                    <a:tint val="75000"/>
+                  </a:schemeClr>
+                </a:solidFill>
+              </a:defRPr>
+            </a:lvl3pPr>
+            <a:lvl4pPr marL="1371600" indent="0">
+              <a:buNone/>
+              <a:defRPr sz="1400">
+                <a:solidFill>
+                  <a:schemeClr val="tx1">
+                    <a:tint val="75000"/>
+                  </a:schemeClr>
+                </a:solidFill>
+              </a:defRPr>
+            </a:lvl4pPr>
+            <a:lvl5pPr marL="1828800" indent="0">
+              <a:buNone/>
+              <a:defRPr sz="1400">
+                <a:solidFill>
+                  <a:schemeClr val="tx1">
+                    <a:tint val="75000"/>
+                  </a:schemeClr>
+                </a:solidFill>
+              </a:defRPr>
+            </a:lvl5pPr>
+            <a:lvl6pPr marL="2286000" indent="0">
+              <a:buNone/>
+              <a:defRPr sz="1400">
+                <a:solidFill>
+                  <a:schemeClr val="tx1">
+                    <a:tint val="75000"/>
+                  </a:schemeClr>
+                </a:solidFill>
+              </a:defRPr>
+            </a:lvl6pPr>
+            <a:lvl7pPr marL="2743200" indent="0">
+              <a:buNone/>
+              <a:defRPr sz="1400">
+                <a:solidFill>
+                  <a:schemeClr val="tx1">
+                    <a:tint val="75000"/>
+                  </a:schemeClr>
+                </a:solidFill>
+              </a:defRPr>
+            </a:lvl7pPr>
+            <a:lvl8pPr marL="3200400" indent="0">
+              <a:buNone/>
+              <a:defRPr sz="1400">
+                <a:solidFill>
+                  <a:schemeClr val="tx1">
+                    <a:tint val="75000"/>
+                  </a:schemeClr>
+                </a:solidFill>
+              </a:defRPr>
+            </a:lvl8pPr>
+            <a:lvl9pPr marL="3657600" indent="0">
+              <a:buNone/>
+              <a:defRPr sz="1400">
+                <a:solidFill>
+                  <a:schemeClr val="tx1">
+                    <a:tint val="75000"/>
+                  </a:schemeClr>
+                </a:solidFill>
+              </a:defRPr>
+            </a:lvl9pPr>
+          </a:lstStyle>
+          <a:p>
+            <a:pPr lvl="0"/>
+            <a:r>
+              <a:rPr lang="en-US" smtClean="0"/>
+              <a:t>Click to edit Master text styles</a:t>
+            </a:r>
+          </a:p>
+        </p:txBody>
+      </p:sp>
+      <p:sp>
+        <p:nvSpPr>
+          <p:cNvPr id="4" name="Date Placeholder 3"/>
+          <p:cNvSpPr>
+            <a:spLocks noGrp="1"/>
+          </p:cNvSpPr>
+          <p:nvPr>
+            <p:ph type="dt" sz="half" idx="10"/>
+          </p:nvPr>
+        </p:nvSpPr>
+        <p:spPr/>
+        <p:txBody>
+          <a:bodyPr/>
+          <a:lstStyle/>
+          <a:p>
+            <a:fld id="{5586B75A-687E-405C-8A0B-8D00578BA2C3}" type="datetimeFigureOut">
+              <a:rPr lang="en-US" smtClean="0"/>
+              <a:pPr/>
+              <a:t>5/3/2014</a:t>
+            </a:fld>
+            <a:endParaRPr lang="en-US" dirty="0"/>
+          </a:p>
+        </p:txBody>
+      </p:sp>
+      <p:sp>
+        <p:nvSpPr>
+          <p:cNvPr id="5" name="Footer Placeholder 4"/>
+          <p:cNvSpPr>
+            <a:spLocks noGrp="1"/>
+          </p:cNvSpPr>
+          <p:nvPr>
+            <p:ph type="ftr" sz="quarter" idx="11"/>
+          </p:nvPr>
+        </p:nvSpPr>
+        <p:spPr/>
+        <p:txBody>
+          <a:bodyPr/>
+          <a:lstStyle/>
+          <a:p>
+            <a:endParaRPr lang="en-US" dirty="0"/>
+          </a:p>
+        </p:txBody>
+      </p:sp>
+      <p:sp>
+        <p:nvSpPr>
+          <p:cNvPr id="6" name="Slide Number Placeholder 5"/>
+          <p:cNvSpPr>
+            <a:spLocks noGrp="1"/>
+          </p:cNvSpPr>
+          <p:nvPr>
+            <p:ph type="sldNum" sz="quarter" idx="12"/>
+          </p:nvPr>
+        </p:nvSpPr>
+        <p:spPr/>
+        <p:txBody>
+          <a:bodyPr/>
+          <a:lstStyle/>
+          <a:p>
+            <a:fld id="{4FAB73BC-B049-4115-A692-8D63A059BFB8}" type="slidenum">
+              <a:rPr lang="en-US" smtClean="0"/>
+              <a:pPr/>
+              <a:t>‹#›</a:t>
+            </a:fld>
+            <a:endParaRPr lang="en-US" dirty="0"/>
+          </a:p>
+        </p:txBody>
+      </p:sp>
+      <p:sp>
+        <p:nvSpPr>
+          <p:cNvPr id="24" name="TextBox 23"/>
+          <p:cNvSpPr txBox="1"/>
+          <p:nvPr/>
+        </p:nvSpPr>
+        <p:spPr>
+          <a:xfrm>
+            <a:off x="482711" y="790378"/>
+            <a:ext cx="457319" cy="584776"/>
+          </a:xfrm>
+          <a:prstGeom prst="rect">
+            <a:avLst/>
+          </a:prstGeom>
+        </p:spPr>
+        <p:txBody>
+          <a:bodyPr vert="horz" lIns="91440" tIns="45720" rIns="91440" bIns="45720" rtlCol="0" anchor="ctr">
+            <a:noAutofit/>
+          </a:bodyPr>
+          <a:lstStyle/>
+          <a:p>
+            <a:pPr lvl="0"/>
+            <a:r>
+              <a:rPr lang="en-US" sz="8000" baseline="0" dirty="0">
+                <a:ln w="3175" cmpd="sng">
+                  <a:noFill/>
+                </a:ln>
+                <a:solidFill>
+                  <a:schemeClr val="accent1">
+                    <a:lumMod val="60000"/>
+                    <a:lumOff val="40000"/>
+                  </a:schemeClr>
+                </a:solidFill>
+                <a:effectLst/>
+                <a:latin typeface="Arial"/>
+              </a:rPr>
+              <a:t>“</a:t>
+            </a:r>
+          </a:p>
+        </p:txBody>
+      </p:sp>
+      <p:sp>
+        <p:nvSpPr>
+          <p:cNvPr id="25" name="TextBox 24"/>
+          <p:cNvSpPr txBox="1"/>
+          <p:nvPr/>
+        </p:nvSpPr>
+        <p:spPr>
+          <a:xfrm>
+            <a:off x="6747699" y="2886556"/>
+            <a:ext cx="457319" cy="584776"/>
+          </a:xfrm>
+          <a:prstGeom prst="rect">
+            <a:avLst/>
+          </a:prstGeom>
+        </p:spPr>
+        <p:txBody>
+          <a:bodyPr vert="horz" lIns="91440" tIns="45720" rIns="91440" bIns="45720" rtlCol="0" anchor="ctr">
+            <a:noAutofit/>
+          </a:bodyPr>
+          <a:lstStyle/>
+          <a:p>
+            <a:pPr lvl="0"/>
+            <a:r>
+              <a:rPr lang="en-US" sz="8000" baseline="0" dirty="0">
+                <a:ln w="3175" cmpd="sng">
+                  <a:noFill/>
+                </a:ln>
+                <a:solidFill>
+                  <a:schemeClr val="accent1">
+                    <a:lumMod val="60000"/>
+                    <a:lumOff val="40000"/>
+                  </a:schemeClr>
+                </a:solidFill>
+                <a:effectLst/>
+                <a:latin typeface="Arial"/>
+              </a:rPr>
+              <a:t>”</a:t>
+            </a:r>
+          </a:p>
+        </p:txBody>
+      </p:sp>
+    </p:spTree>
+    <p:extLst>
+      <p:ext uri="{BB962C8B-B14F-4D97-AF65-F5344CB8AC3E}">
+        <p14:creationId xmlns:p14="http://schemas.microsoft.com/office/powerpoint/2010/main" val="2640863258"/>
+      </p:ext>
+    </p:extLst>
+  </p:cSld>
+  <p:clrMapOvr>
+    <a:masterClrMapping/>
+  </p:clrMapOvr>
+  <p:hf sldNum="0" hdr="0" ftr="0" dt="0"/>
+</p:sldLayout>
+</file>
+
+<file path=ppt/slideLayouts/slideLayout12.xml><?xml version="1.0" encoding="utf-8"?>
+<p:sldLayout xmlns:a="http://schemas.openxmlformats.org/drawingml/2006/main" xmlns:r="http://schemas.openxmlformats.org/officeDocument/2006/relationships" xmlns:p="http://schemas.openxmlformats.org/presentationml/2006/main" preserve="1">
+  <p:cSld name="Name Card">
+    <p:spTree>
+      <p:nvGrpSpPr>
+        <p:cNvPr id="1" name=""/>
+        <p:cNvGrpSpPr/>
+        <p:nvPr/>
+      </p:nvGrpSpPr>
+      <p:grpSpPr>
+        <a:xfrm>
+          <a:off x="0" y="0"/>
+          <a:ext cx="0" cy="0"/>
+          <a:chOff x="0" y="0"/>
+          <a:chExt cx="0" cy="0"/>
+        </a:xfrm>
+      </p:grpSpPr>
+      <p:sp>
+        <p:nvSpPr>
+          <p:cNvPr id="2" name="Title 1"/>
+          <p:cNvSpPr>
+            <a:spLocks noGrp="1"/>
+          </p:cNvSpPr>
+          <p:nvPr>
+            <p:ph type="title"/>
+          </p:nvPr>
+        </p:nvSpPr>
+        <p:spPr>
+          <a:xfrm>
+            <a:off x="609598" y="1931988"/>
+            <a:ext cx="6347715" cy="2595460"/>
+          </a:xfrm>
+        </p:spPr>
+        <p:txBody>
+          <a:bodyPr anchor="b">
+            <a:normAutofit/>
+          </a:bodyPr>
+          <a:lstStyle>
+            <a:lvl1pPr algn="l">
+              <a:defRPr sz="4400" b="0" cap="none"/>
+            </a:lvl1pPr>
+          </a:lstStyle>
+          <a:p>
+            <a:r>
+              <a:rPr lang="en-US" smtClean="0"/>
+              <a:t>Click to edit Master title style</a:t>
+            </a:r>
+            <a:endParaRPr lang="en-US" dirty="0"/>
+          </a:p>
+        </p:txBody>
+      </p:sp>
+      <p:sp>
+        <p:nvSpPr>
+          <p:cNvPr id="3" name="Text Placeholder 2"/>
+          <p:cNvSpPr>
+            <a:spLocks noGrp="1"/>
+          </p:cNvSpPr>
+          <p:nvPr>
+            <p:ph type="body" idx="1"/>
+          </p:nvPr>
+        </p:nvSpPr>
+        <p:spPr>
+          <a:xfrm>
+            <a:off x="609598" y="4527448"/>
+            <a:ext cx="6347715" cy="1513914"/>
+          </a:xfrm>
+        </p:spPr>
+        <p:txBody>
+          <a:bodyPr anchor="t">
+            <a:normAutofit/>
+          </a:bodyPr>
+          <a:lstStyle>
+            <a:lvl1pPr marL="0" indent="0" algn="l">
+              <a:buNone/>
+              <a:defRPr sz="1800">
+                <a:solidFill>
+                  <a:schemeClr val="tx1">
+                    <a:lumMod val="75000"/>
+                    <a:lumOff val="25000"/>
+                  </a:schemeClr>
+                </a:solidFill>
+              </a:defRPr>
+            </a:lvl1pPr>
+            <a:lvl2pPr marL="457200" indent="0">
+              <a:buNone/>
+              <a:defRPr sz="1800">
+                <a:solidFill>
+                  <a:schemeClr val="tx1">
+                    <a:tint val="75000"/>
+                  </a:schemeClr>
+                </a:solidFill>
+              </a:defRPr>
+            </a:lvl2pPr>
+            <a:lvl3pPr marL="914400" indent="0">
+              <a:buNone/>
+              <a:defRPr sz="1600">
+                <a:solidFill>
+                  <a:schemeClr val="tx1">
+                    <a:tint val="75000"/>
+                  </a:schemeClr>
+                </a:solidFill>
+              </a:defRPr>
+            </a:lvl3pPr>
+            <a:lvl4pPr marL="1371600" indent="0">
+              <a:buNone/>
+              <a:defRPr sz="1400">
+                <a:solidFill>
+                  <a:schemeClr val="tx1">
+                    <a:tint val="75000"/>
+                  </a:schemeClr>
+                </a:solidFill>
+              </a:defRPr>
+            </a:lvl4pPr>
+            <a:lvl5pPr marL="1828800" indent="0">
+              <a:buNone/>
+              <a:defRPr sz="1400">
+                <a:solidFill>
+                  <a:schemeClr val="tx1">
+                    <a:tint val="75000"/>
+                  </a:schemeClr>
+                </a:solidFill>
+              </a:defRPr>
+            </a:lvl5pPr>
+            <a:lvl6pPr marL="2286000" indent="0">
+              <a:buNone/>
+              <a:defRPr sz="1400">
+                <a:solidFill>
+                  <a:schemeClr val="tx1">
+                    <a:tint val="75000"/>
+                  </a:schemeClr>
+                </a:solidFill>
+              </a:defRPr>
+            </a:lvl6pPr>
+            <a:lvl7pPr marL="2743200" indent="0">
+              <a:buNone/>
+              <a:defRPr sz="1400">
+                <a:solidFill>
+                  <a:schemeClr val="tx1">
+                    <a:tint val="75000"/>
+                  </a:schemeClr>
+                </a:solidFill>
+              </a:defRPr>
+            </a:lvl7pPr>
+            <a:lvl8pPr marL="3200400" indent="0">
+              <a:buNone/>
+              <a:defRPr sz="1400">
+                <a:solidFill>
+                  <a:schemeClr val="tx1">
+                    <a:tint val="75000"/>
+                  </a:schemeClr>
+                </a:solidFill>
+              </a:defRPr>
+            </a:lvl8pPr>
+            <a:lvl9pPr marL="3657600" indent="0">
+              <a:buNone/>
+              <a:defRPr sz="1400">
+                <a:solidFill>
+                  <a:schemeClr val="tx1">
+                    <a:tint val="75000"/>
+                  </a:schemeClr>
+                </a:solidFill>
+              </a:defRPr>
+            </a:lvl9pPr>
+          </a:lstStyle>
+          <a:p>
+            <a:pPr lvl="0"/>
+            <a:r>
+              <a:rPr lang="en-US" smtClean="0"/>
+              <a:t>Click to edit Master text styles</a:t>
+            </a:r>
+          </a:p>
+        </p:txBody>
+      </p:sp>
+      <p:sp>
+        <p:nvSpPr>
+          <p:cNvPr id="4" name="Date Placeholder 3"/>
+          <p:cNvSpPr>
+            <a:spLocks noGrp="1"/>
+          </p:cNvSpPr>
+          <p:nvPr>
+            <p:ph type="dt" sz="half" idx="10"/>
+          </p:nvPr>
+        </p:nvSpPr>
+        <p:spPr/>
+        <p:txBody>
+          <a:bodyPr/>
+          <a:lstStyle/>
+          <a:p>
+            <a:fld id="{5586B75A-687E-405C-8A0B-8D00578BA2C3}" type="datetimeFigureOut">
+              <a:rPr lang="en-US" smtClean="0"/>
+              <a:pPr/>
+              <a:t>5/3/2014</a:t>
+            </a:fld>
+            <a:endParaRPr lang="en-US" dirty="0"/>
+          </a:p>
+        </p:txBody>
+      </p:sp>
+      <p:sp>
+        <p:nvSpPr>
+          <p:cNvPr id="5" name="Footer Placeholder 4"/>
+          <p:cNvSpPr>
+            <a:spLocks noGrp="1"/>
+          </p:cNvSpPr>
+          <p:nvPr>
+            <p:ph type="ftr" sz="quarter" idx="11"/>
+          </p:nvPr>
+        </p:nvSpPr>
+        <p:spPr/>
+        <p:txBody>
+          <a:bodyPr/>
+          <a:lstStyle/>
+          <a:p>
+            <a:endParaRPr lang="en-US" dirty="0"/>
+          </a:p>
+        </p:txBody>
+      </p:sp>
+      <p:sp>
+        <p:nvSpPr>
+          <p:cNvPr id="6" name="Slide Number Placeholder 5"/>
+          <p:cNvSpPr>
+            <a:spLocks noGrp="1"/>
+          </p:cNvSpPr>
+          <p:nvPr>
+            <p:ph type="sldNum" sz="quarter" idx="12"/>
+          </p:nvPr>
+        </p:nvSpPr>
+        <p:spPr/>
+        <p:txBody>
+          <a:bodyPr/>
+          <a:lstStyle/>
+          <a:p>
+            <a:fld id="{4FAB73BC-B049-4115-A692-8D63A059BFB8}" type="slidenum">
+              <a:rPr lang="en-US" smtClean="0"/>
+              <a:pPr/>
+              <a:t>‹#›</a:t>
+            </a:fld>
+            <a:endParaRPr lang="en-US" dirty="0"/>
+          </a:p>
+        </p:txBody>
+      </p:sp>
+    </p:spTree>
+    <p:extLst>
+      <p:ext uri="{BB962C8B-B14F-4D97-AF65-F5344CB8AC3E}">
+        <p14:creationId xmlns:p14="http://schemas.microsoft.com/office/powerpoint/2010/main" val="24738348"/>
+      </p:ext>
+    </p:extLst>
+  </p:cSld>
+  <p:clrMapOvr>
+    <a:masterClrMapping/>
+  </p:clrMapOvr>
+  <p:hf sldNum="0" hdr="0" ftr="0" dt="0"/>
+</p:sldLayout>
+</file>
+
+<file path=ppt/slideLayouts/slideLayout13.xml><?xml version="1.0" encoding="utf-8"?>
+<p:sldLayout xmlns:a="http://schemas.openxmlformats.org/drawingml/2006/main" xmlns:r="http://schemas.openxmlformats.org/officeDocument/2006/relationships" xmlns:p="http://schemas.openxmlformats.org/presentationml/2006/main" preserve="1">
+  <p:cSld name="Quote Name Card">
+    <p:spTree>
+      <p:nvGrpSpPr>
+        <p:cNvPr id="1" name=""/>
+        <p:cNvGrpSpPr/>
+        <p:nvPr/>
+      </p:nvGrpSpPr>
+      <p:grpSpPr>
+        <a:xfrm>
+          <a:off x="0" y="0"/>
+          <a:ext cx="0" cy="0"/>
+          <a:chOff x="0" y="0"/>
+          <a:chExt cx="0" cy="0"/>
+        </a:xfrm>
+      </p:grpSpPr>
+      <p:sp>
+        <p:nvSpPr>
+          <p:cNvPr id="2" name="Title 1"/>
+          <p:cNvSpPr>
+            <a:spLocks noGrp="1"/>
+          </p:cNvSpPr>
+          <p:nvPr>
+            <p:ph type="title"/>
+          </p:nvPr>
+        </p:nvSpPr>
+        <p:spPr>
+          <a:xfrm>
+            <a:off x="774885" y="609600"/>
+            <a:ext cx="6072182" cy="3022600"/>
+          </a:xfrm>
+        </p:spPr>
+        <p:txBody>
+          <a:bodyPr anchor="ctr">
+            <a:normAutofit/>
+          </a:bodyPr>
+          <a:lstStyle>
+            <a:lvl1pPr algn="l">
+              <a:defRPr sz="4400" b="0" cap="none"/>
+            </a:lvl1pPr>
+          </a:lstStyle>
+          <a:p>
+            <a:r>
+              <a:rPr lang="en-US" smtClean="0"/>
+              <a:t>Click to edit Master title style</a:t>
+            </a:r>
+            <a:endParaRPr lang="en-US" dirty="0"/>
+          </a:p>
+        </p:txBody>
+      </p:sp>
+      <p:sp>
+        <p:nvSpPr>
+          <p:cNvPr id="23" name="Text Placeholder 9"/>
+          <p:cNvSpPr>
+            <a:spLocks noGrp="1"/>
+          </p:cNvSpPr>
+          <p:nvPr>
+            <p:ph type="body" sz="quarter" idx="13"/>
+          </p:nvPr>
+        </p:nvSpPr>
+        <p:spPr>
+          <a:xfrm>
+            <a:off x="609597" y="4013200"/>
+            <a:ext cx="6347716" cy="514248"/>
+          </a:xfrm>
+        </p:spPr>
+        <p:txBody>
+          <a:bodyPr anchor="b">
+            <a:noAutofit/>
+          </a:bodyPr>
+          <a:lstStyle>
+            <a:lvl1pPr marL="0" indent="0">
+              <a:buFontTx/>
+              <a:buNone/>
+              <a:defRPr sz="2400">
+                <a:solidFill>
+                  <a:schemeClr val="tx1">
+                    <a:lumMod val="75000"/>
+                    <a:lumOff val="25000"/>
+                  </a:schemeClr>
+                </a:solidFill>
+              </a:defRPr>
+            </a:lvl1pPr>
+            <a:lvl2pPr marL="457200" indent="0">
+              <a:buFontTx/>
+              <a:buNone/>
+              <a:defRPr/>
+            </a:lvl2pPr>
+            <a:lvl3pPr marL="914400" indent="0">
+              <a:buFontTx/>
+              <a:buNone/>
+              <a:defRPr/>
+            </a:lvl3pPr>
+            <a:lvl4pPr marL="1371600" indent="0">
+              <a:buFontTx/>
+              <a:buNone/>
+              <a:defRPr/>
+            </a:lvl4pPr>
+            <a:lvl5pPr marL="1828800" indent="0">
+              <a:buFontTx/>
+              <a:buNone/>
+              <a:defRPr/>
+            </a:lvl5pPr>
+          </a:lstStyle>
+          <a:p>
+            <a:pPr lvl="0"/>
+            <a:r>
+              <a:rPr lang="en-US" smtClean="0"/>
+              <a:t>Click to edit Master text styles</a:t>
+            </a:r>
+          </a:p>
+        </p:txBody>
+      </p:sp>
+      <p:sp>
+        <p:nvSpPr>
+          <p:cNvPr id="3" name="Text Placeholder 2"/>
+          <p:cNvSpPr>
+            <a:spLocks noGrp="1"/>
+          </p:cNvSpPr>
+          <p:nvPr>
+            <p:ph type="body" idx="1"/>
+          </p:nvPr>
+        </p:nvSpPr>
+        <p:spPr>
+          <a:xfrm>
+            <a:off x="609598" y="4527448"/>
+            <a:ext cx="6347715" cy="1513914"/>
+          </a:xfrm>
+        </p:spPr>
+        <p:txBody>
+          <a:bodyPr anchor="t">
+            <a:normAutofit/>
+          </a:bodyPr>
+          <a:lstStyle>
+            <a:lvl1pPr marL="0" indent="0" algn="l">
+              <a:buNone/>
+              <a:defRPr sz="1800">
+                <a:solidFill>
+                  <a:schemeClr val="tx1">
+                    <a:lumMod val="50000"/>
+                    <a:lumOff val="50000"/>
+                  </a:schemeClr>
+                </a:solidFill>
+              </a:defRPr>
+            </a:lvl1pPr>
+            <a:lvl2pPr marL="457200" indent="0">
+              <a:buNone/>
+              <a:defRPr sz="1800">
+                <a:solidFill>
+                  <a:schemeClr val="tx1">
+                    <a:tint val="75000"/>
+                  </a:schemeClr>
+                </a:solidFill>
+              </a:defRPr>
+            </a:lvl2pPr>
+            <a:lvl3pPr marL="914400" indent="0">
+              <a:buNone/>
+              <a:defRPr sz="1600">
+                <a:solidFill>
+                  <a:schemeClr val="tx1">
+                    <a:tint val="75000"/>
+                  </a:schemeClr>
+                </a:solidFill>
+              </a:defRPr>
+            </a:lvl3pPr>
+            <a:lvl4pPr marL="1371600" indent="0">
+              <a:buNone/>
+              <a:defRPr sz="1400">
+                <a:solidFill>
+                  <a:schemeClr val="tx1">
+                    <a:tint val="75000"/>
+                  </a:schemeClr>
+                </a:solidFill>
+              </a:defRPr>
+            </a:lvl4pPr>
+            <a:lvl5pPr marL="1828800" indent="0">
+              <a:buNone/>
+              <a:defRPr sz="1400">
+                <a:solidFill>
+                  <a:schemeClr val="tx1">
+                    <a:tint val="75000"/>
+                  </a:schemeClr>
+                </a:solidFill>
+              </a:defRPr>
+            </a:lvl5pPr>
+            <a:lvl6pPr marL="2286000" indent="0">
+              <a:buNone/>
+              <a:defRPr sz="1400">
+                <a:solidFill>
+                  <a:schemeClr val="tx1">
+                    <a:tint val="75000"/>
+                  </a:schemeClr>
+                </a:solidFill>
+              </a:defRPr>
+            </a:lvl6pPr>
+            <a:lvl7pPr marL="2743200" indent="0">
+              <a:buNone/>
+              <a:defRPr sz="1400">
+                <a:solidFill>
+                  <a:schemeClr val="tx1">
+                    <a:tint val="75000"/>
+                  </a:schemeClr>
+                </a:solidFill>
+              </a:defRPr>
+            </a:lvl7pPr>
+            <a:lvl8pPr marL="3200400" indent="0">
+              <a:buNone/>
+              <a:defRPr sz="1400">
+                <a:solidFill>
+                  <a:schemeClr val="tx1">
+                    <a:tint val="75000"/>
+                  </a:schemeClr>
+                </a:solidFill>
+              </a:defRPr>
+            </a:lvl8pPr>
+            <a:lvl9pPr marL="3657600" indent="0">
+              <a:buNone/>
+              <a:defRPr sz="1400">
+                <a:solidFill>
+                  <a:schemeClr val="tx1">
+                    <a:tint val="75000"/>
+                  </a:schemeClr>
+                </a:solidFill>
+              </a:defRPr>
+            </a:lvl9pPr>
+          </a:lstStyle>
+          <a:p>
+            <a:pPr lvl="0"/>
+            <a:r>
+              <a:rPr lang="en-US" smtClean="0"/>
+              <a:t>Click to edit Master text styles</a:t>
+            </a:r>
+          </a:p>
+        </p:txBody>
+      </p:sp>
+      <p:sp>
+        <p:nvSpPr>
+          <p:cNvPr id="4" name="Date Placeholder 3"/>
+          <p:cNvSpPr>
+            <a:spLocks noGrp="1"/>
+          </p:cNvSpPr>
+          <p:nvPr>
+            <p:ph type="dt" sz="half" idx="10"/>
+          </p:nvPr>
+        </p:nvSpPr>
+        <p:spPr/>
+        <p:txBody>
+          <a:bodyPr/>
+          <a:lstStyle/>
+          <a:p>
+            <a:fld id="{5586B75A-687E-405C-8A0B-8D00578BA2C3}" type="datetimeFigureOut">
+              <a:rPr lang="en-US" smtClean="0"/>
+              <a:pPr/>
+              <a:t>5/3/2014</a:t>
+            </a:fld>
+            <a:endParaRPr lang="en-US" dirty="0"/>
+          </a:p>
+        </p:txBody>
+      </p:sp>
+      <p:sp>
+        <p:nvSpPr>
+          <p:cNvPr id="5" name="Footer Placeholder 4"/>
+          <p:cNvSpPr>
+            <a:spLocks noGrp="1"/>
+          </p:cNvSpPr>
+          <p:nvPr>
+            <p:ph type="ftr" sz="quarter" idx="11"/>
+          </p:nvPr>
+        </p:nvSpPr>
+        <p:spPr/>
+        <p:txBody>
+          <a:bodyPr/>
+          <a:lstStyle/>
+          <a:p>
+            <a:endParaRPr lang="en-US" dirty="0"/>
+          </a:p>
+        </p:txBody>
+      </p:sp>
+      <p:sp>
+        <p:nvSpPr>
+          <p:cNvPr id="6" name="Slide Number Placeholder 5"/>
+          <p:cNvSpPr>
+            <a:spLocks noGrp="1"/>
+          </p:cNvSpPr>
+          <p:nvPr>
+            <p:ph type="sldNum" sz="quarter" idx="12"/>
+          </p:nvPr>
+        </p:nvSpPr>
+        <p:spPr/>
+        <p:txBody>
+          <a:bodyPr/>
+          <a:lstStyle/>
+          <a:p>
+            <a:fld id="{4FAB73BC-B049-4115-A692-8D63A059BFB8}" type="slidenum">
+              <a:rPr lang="en-US" smtClean="0"/>
+              <a:pPr/>
+              <a:t>‹#›</a:t>
+            </a:fld>
+            <a:endParaRPr lang="en-US" dirty="0"/>
+          </a:p>
+        </p:txBody>
+      </p:sp>
+      <p:sp>
+        <p:nvSpPr>
+          <p:cNvPr id="24" name="TextBox 23"/>
+          <p:cNvSpPr txBox="1"/>
+          <p:nvPr/>
+        </p:nvSpPr>
+        <p:spPr>
+          <a:xfrm>
+            <a:off x="482711" y="790378"/>
+            <a:ext cx="457319" cy="584776"/>
+          </a:xfrm>
+          <a:prstGeom prst="rect">
+            <a:avLst/>
+          </a:prstGeom>
+        </p:spPr>
+        <p:txBody>
+          <a:bodyPr vert="horz" lIns="91440" tIns="45720" rIns="91440" bIns="45720" rtlCol="0" anchor="ctr">
+            <a:noAutofit/>
+          </a:bodyPr>
+          <a:lstStyle/>
+          <a:p>
+            <a:pPr lvl="0"/>
+            <a:r>
+              <a:rPr lang="en-US" sz="8000" baseline="0" dirty="0">
+                <a:ln w="3175" cmpd="sng">
+                  <a:noFill/>
+                </a:ln>
+                <a:solidFill>
+                  <a:schemeClr val="accent1">
+                    <a:lumMod val="60000"/>
+                    <a:lumOff val="40000"/>
+                  </a:schemeClr>
+                </a:solidFill>
+                <a:effectLst/>
+                <a:latin typeface="Arial"/>
+              </a:rPr>
+              <a:t>“</a:t>
+            </a:r>
+          </a:p>
+        </p:txBody>
+      </p:sp>
+      <p:sp>
+        <p:nvSpPr>
+          <p:cNvPr id="25" name="TextBox 24"/>
+          <p:cNvSpPr txBox="1"/>
+          <p:nvPr/>
+        </p:nvSpPr>
+        <p:spPr>
+          <a:xfrm>
+            <a:off x="6747699" y="2886556"/>
+            <a:ext cx="457319" cy="584776"/>
+          </a:xfrm>
+          <a:prstGeom prst="rect">
+            <a:avLst/>
+          </a:prstGeom>
+        </p:spPr>
+        <p:txBody>
+          <a:bodyPr vert="horz" lIns="91440" tIns="45720" rIns="91440" bIns="45720" rtlCol="0" anchor="ctr">
+            <a:noAutofit/>
+          </a:bodyPr>
+          <a:lstStyle/>
+          <a:p>
+            <a:pPr lvl="0"/>
+            <a:r>
+              <a:rPr lang="en-US" sz="8000" baseline="0" dirty="0">
+                <a:ln w="3175" cmpd="sng">
+                  <a:noFill/>
+                </a:ln>
+                <a:solidFill>
+                  <a:schemeClr val="accent1">
+                    <a:lumMod val="60000"/>
+                    <a:lumOff val="40000"/>
+                  </a:schemeClr>
+                </a:solidFill>
+                <a:effectLst/>
+                <a:latin typeface="Arial"/>
+              </a:rPr>
+              <a:t>”</a:t>
+            </a:r>
+          </a:p>
+        </p:txBody>
+      </p:sp>
+    </p:spTree>
+    <p:extLst>
+      <p:ext uri="{BB962C8B-B14F-4D97-AF65-F5344CB8AC3E}">
+        <p14:creationId xmlns:p14="http://schemas.microsoft.com/office/powerpoint/2010/main" val="335922697"/>
+      </p:ext>
+    </p:extLst>
+  </p:cSld>
+  <p:clrMapOvr>
+    <a:masterClrMapping/>
+  </p:clrMapOvr>
+  <p:hf sldNum="0" hdr="0" ftr="0" dt="0"/>
+</p:sldLayout>
+</file>
+
+<file path=ppt/slideLayouts/slideLayout14.xml><?xml version="1.0" encoding="utf-8"?>
+<p:sldLayout xmlns:a="http://schemas.openxmlformats.org/drawingml/2006/main" xmlns:r="http://schemas.openxmlformats.org/officeDocument/2006/relationships" xmlns:p="http://schemas.openxmlformats.org/presentationml/2006/main" preserve="1">
+  <p:cSld name="True or False">
+    <p:spTree>
+      <p:nvGrpSpPr>
+        <p:cNvPr id="1" name=""/>
+        <p:cNvGrpSpPr/>
+        <p:nvPr/>
+      </p:nvGrpSpPr>
+      <p:grpSpPr>
+        <a:xfrm>
+          <a:off x="0" y="0"/>
+          <a:ext cx="0" cy="0"/>
+          <a:chOff x="0" y="0"/>
+          <a:chExt cx="0" cy="0"/>
+        </a:xfrm>
+      </p:grpSpPr>
+      <p:sp>
+        <p:nvSpPr>
+          <p:cNvPr id="2" name="Title 1"/>
+          <p:cNvSpPr>
+            <a:spLocks noGrp="1"/>
+          </p:cNvSpPr>
+          <p:nvPr>
+            <p:ph type="title"/>
+          </p:nvPr>
+        </p:nvSpPr>
+        <p:spPr>
+          <a:xfrm>
+            <a:off x="615848" y="609600"/>
+            <a:ext cx="6341465" cy="3022600"/>
+          </a:xfrm>
+        </p:spPr>
+        <p:txBody>
+          <a:bodyPr anchor="ctr">
+            <a:normAutofit/>
+          </a:bodyPr>
+          <a:lstStyle>
+            <a:lvl1pPr algn="l">
+              <a:defRPr sz="4400" b="0" cap="none"/>
+            </a:lvl1pPr>
+          </a:lstStyle>
+          <a:p>
+            <a:r>
+              <a:rPr lang="en-US" smtClean="0"/>
+              <a:t>Click to edit Master title style</a:t>
+            </a:r>
+            <a:endParaRPr lang="en-US" dirty="0"/>
+          </a:p>
+        </p:txBody>
+      </p:sp>
+      <p:sp>
+        <p:nvSpPr>
+          <p:cNvPr id="23" name="Text Placeholder 9"/>
+          <p:cNvSpPr>
+            <a:spLocks noGrp="1"/>
+          </p:cNvSpPr>
+          <p:nvPr>
+            <p:ph type="body" sz="quarter" idx="13"/>
+          </p:nvPr>
+        </p:nvSpPr>
+        <p:spPr>
+          <a:xfrm>
+            <a:off x="609597" y="4013200"/>
+            <a:ext cx="6347716" cy="514248"/>
+          </a:xfrm>
+        </p:spPr>
+        <p:txBody>
+          <a:bodyPr anchor="b">
+            <a:noAutofit/>
+          </a:bodyPr>
+          <a:lstStyle>
+            <a:lvl1pPr marL="0" indent="0">
+              <a:buFontTx/>
+              <a:buNone/>
+              <a:defRPr sz="2400">
+                <a:solidFill>
+                  <a:schemeClr val="accent1"/>
+                </a:solidFill>
+              </a:defRPr>
+            </a:lvl1pPr>
+            <a:lvl2pPr marL="457200" indent="0">
+              <a:buFontTx/>
+              <a:buNone/>
+              <a:defRPr/>
+            </a:lvl2pPr>
+            <a:lvl3pPr marL="914400" indent="0">
+              <a:buFontTx/>
+              <a:buNone/>
+              <a:defRPr/>
+            </a:lvl3pPr>
+            <a:lvl4pPr marL="1371600" indent="0">
+              <a:buFontTx/>
+              <a:buNone/>
+              <a:defRPr/>
+            </a:lvl4pPr>
+            <a:lvl5pPr marL="1828800" indent="0">
+              <a:buFontTx/>
+              <a:buNone/>
+              <a:defRPr/>
+            </a:lvl5pPr>
+          </a:lstStyle>
+          <a:p>
+            <a:pPr lvl="0"/>
+            <a:r>
+              <a:rPr lang="en-US" smtClean="0"/>
+              <a:t>Click to edit Master text styles</a:t>
+            </a:r>
+          </a:p>
+        </p:txBody>
+      </p:sp>
+      <p:sp>
+        <p:nvSpPr>
+          <p:cNvPr id="3" name="Text Placeholder 2"/>
+          <p:cNvSpPr>
+            <a:spLocks noGrp="1"/>
+          </p:cNvSpPr>
+          <p:nvPr>
+            <p:ph type="body" idx="1"/>
+          </p:nvPr>
+        </p:nvSpPr>
+        <p:spPr>
+          <a:xfrm>
+            <a:off x="609598" y="4527448"/>
+            <a:ext cx="6347715" cy="1513914"/>
+          </a:xfrm>
+        </p:spPr>
+        <p:txBody>
+          <a:bodyPr anchor="t">
+            <a:normAutofit/>
+          </a:bodyPr>
+          <a:lstStyle>
+            <a:lvl1pPr marL="0" indent="0" algn="l">
+              <a:buNone/>
+              <a:defRPr sz="1800">
+                <a:solidFill>
+                  <a:schemeClr val="tx1">
+                    <a:lumMod val="50000"/>
+                    <a:lumOff val="50000"/>
+                  </a:schemeClr>
+                </a:solidFill>
+              </a:defRPr>
+            </a:lvl1pPr>
+            <a:lvl2pPr marL="457200" indent="0">
+              <a:buNone/>
+              <a:defRPr sz="1800">
+                <a:solidFill>
+                  <a:schemeClr val="tx1">
+                    <a:tint val="75000"/>
+                  </a:schemeClr>
+                </a:solidFill>
+              </a:defRPr>
+            </a:lvl2pPr>
+            <a:lvl3pPr marL="914400" indent="0">
+              <a:buNone/>
+              <a:defRPr sz="1600">
+                <a:solidFill>
+                  <a:schemeClr val="tx1">
+                    <a:tint val="75000"/>
+                  </a:schemeClr>
+                </a:solidFill>
+              </a:defRPr>
+            </a:lvl3pPr>
+            <a:lvl4pPr marL="1371600" indent="0">
+              <a:buNone/>
+              <a:defRPr sz="1400">
+                <a:solidFill>
+                  <a:schemeClr val="tx1">
+                    <a:tint val="75000"/>
+                  </a:schemeClr>
+                </a:solidFill>
+              </a:defRPr>
+            </a:lvl4pPr>
+            <a:lvl5pPr marL="1828800" indent="0">
+              <a:buNone/>
+              <a:defRPr sz="1400">
+                <a:solidFill>
+                  <a:schemeClr val="tx1">
+                    <a:tint val="75000"/>
+                  </a:schemeClr>
+                </a:solidFill>
+              </a:defRPr>
+            </a:lvl5pPr>
+            <a:lvl6pPr marL="2286000" indent="0">
+              <a:buNone/>
+              <a:defRPr sz="1400">
+                <a:solidFill>
+                  <a:schemeClr val="tx1">
+                    <a:tint val="75000"/>
+                  </a:schemeClr>
+                </a:solidFill>
+              </a:defRPr>
+            </a:lvl6pPr>
+            <a:lvl7pPr marL="2743200" indent="0">
+              <a:buNone/>
+              <a:defRPr sz="1400">
+                <a:solidFill>
+                  <a:schemeClr val="tx1">
+                    <a:tint val="75000"/>
+                  </a:schemeClr>
+                </a:solidFill>
+              </a:defRPr>
+            </a:lvl7pPr>
+            <a:lvl8pPr marL="3200400" indent="0">
+              <a:buNone/>
+              <a:defRPr sz="1400">
+                <a:solidFill>
+                  <a:schemeClr val="tx1">
+                    <a:tint val="75000"/>
+                  </a:schemeClr>
+                </a:solidFill>
+              </a:defRPr>
+            </a:lvl8pPr>
+            <a:lvl9pPr marL="3657600" indent="0">
+              <a:buNone/>
+              <a:defRPr sz="1400">
+                <a:solidFill>
+                  <a:schemeClr val="tx1">
+                    <a:tint val="75000"/>
+                  </a:schemeClr>
+                </a:solidFill>
+              </a:defRPr>
+            </a:lvl9pPr>
+          </a:lstStyle>
+          <a:p>
+            <a:pPr lvl="0"/>
+            <a:r>
+              <a:rPr lang="en-US" smtClean="0"/>
+              <a:t>Click to edit Master text styles</a:t>
+            </a:r>
+          </a:p>
+        </p:txBody>
+      </p:sp>
+      <p:sp>
+        <p:nvSpPr>
+          <p:cNvPr id="4" name="Date Placeholder 3"/>
+          <p:cNvSpPr>
+            <a:spLocks noGrp="1"/>
+          </p:cNvSpPr>
+          <p:nvPr>
+            <p:ph type="dt" sz="half" idx="10"/>
+          </p:nvPr>
+        </p:nvSpPr>
+        <p:spPr/>
+        <p:txBody>
+          <a:bodyPr/>
+          <a:lstStyle/>
+          <a:p>
+            <a:fld id="{5586B75A-687E-405C-8A0B-8D00578BA2C3}" type="datetimeFigureOut">
+              <a:rPr lang="en-US" smtClean="0"/>
+              <a:pPr/>
+              <a:t>5/3/2014</a:t>
+            </a:fld>
+            <a:endParaRPr lang="en-US" dirty="0"/>
+          </a:p>
+        </p:txBody>
+      </p:sp>
+      <p:sp>
+        <p:nvSpPr>
+          <p:cNvPr id="5" name="Footer Placeholder 4"/>
+          <p:cNvSpPr>
+            <a:spLocks noGrp="1"/>
+          </p:cNvSpPr>
+          <p:nvPr>
+            <p:ph type="ftr" sz="quarter" idx="11"/>
+          </p:nvPr>
+        </p:nvSpPr>
+        <p:spPr/>
+        <p:txBody>
+          <a:bodyPr/>
+          <a:lstStyle/>
+          <a:p>
+            <a:endParaRPr lang="en-US" dirty="0"/>
+          </a:p>
+        </p:txBody>
+      </p:sp>
+      <p:sp>
+        <p:nvSpPr>
+          <p:cNvPr id="6" name="Slide Number Placeholder 5"/>
+          <p:cNvSpPr>
+            <a:spLocks noGrp="1"/>
+          </p:cNvSpPr>
+          <p:nvPr>
+            <p:ph type="sldNum" sz="quarter" idx="12"/>
+          </p:nvPr>
+        </p:nvSpPr>
+        <p:spPr/>
+        <p:txBody>
+          <a:bodyPr/>
+          <a:lstStyle/>
+          <a:p>
+            <a:fld id="{4FAB73BC-B049-4115-A692-8D63A059BFB8}" type="slidenum">
+              <a:rPr lang="en-US" smtClean="0"/>
+              <a:pPr/>
+              <a:t>‹#›</a:t>
+            </a:fld>
+            <a:endParaRPr lang="en-US" dirty="0"/>
+          </a:p>
+        </p:txBody>
+      </p:sp>
+    </p:spTree>
+    <p:extLst>
+      <p:ext uri="{BB962C8B-B14F-4D97-AF65-F5344CB8AC3E}">
+        <p14:creationId xmlns:p14="http://schemas.microsoft.com/office/powerpoint/2010/main" val="228862600"/>
+      </p:ext>
+    </p:extLst>
+  </p:cSld>
+  <p:clrMapOvr>
+    <a:masterClrMapping/>
+  </p:clrMapOvr>
+  <p:hf sldNum="0" hdr="0" ftr="0" dt="0"/>
+</p:sldLayout>
+</file>
+
+<file path=ppt/slideLayouts/slideLayout15.xml><?xml version="1.0" encoding="utf-8"?>
 <p:sldLayout xmlns:a="http://schemas.openxmlformats.org/drawingml/2006/main" xmlns:r="http://schemas.openxmlformats.org/officeDocument/2006/relationships" xmlns:p="http://schemas.openxmlformats.org/presentationml/2006/main" type="vertTx" preserve="1">
   <p:cSld name="Title and Vertical Text">
     <p:spTree>
@@ -447,7 +2654,7 @@
         </p:nvSpPr>
         <p:spPr/>
         <p:txBody>
-          <a:bodyPr vert="eaVert" anchor="t"/>
+          <a:bodyPr vert="eaVert"/>
           <a:lstStyle/>
           <a:p>
             <a:pPr lvl="0"/>
@@ -489,7 +2696,7 @@
       </p:sp>
       <p:sp>
         <p:nvSpPr>
-          <p:cNvPr id="7" name="Date Placeholder 6"/>
+          <p:cNvPr id="4" name="Date Placeholder 3"/>
           <p:cNvSpPr>
             <a:spLocks noGrp="1"/>
           </p:cNvSpPr>
@@ -503,9 +2710,9 @@
           <a:lstStyle/>
           <a:p>
             <a:fld id="{5586B75A-687E-405C-8A0B-8D00578BA2C3}" type="datetimeFigureOut">
-              <a:rPr lang="en-US" dirty="0"/>
+              <a:rPr lang="en-US" smtClean="0"/>
               <a:pPr/>
-              <a:t>5/2/2014</a:t>
+              <a:t>5/3/2014</a:t>
             </a:fld>
             <a:endParaRPr lang="en-US" dirty="0"/>
           </a:p>
@@ -513,7 +2720,7 @@
       </p:sp>
       <p:sp>
         <p:nvSpPr>
-          <p:cNvPr id="8" name="Footer Placeholder 7"/>
+          <p:cNvPr id="5" name="Footer Placeholder 4"/>
           <p:cNvSpPr>
             <a:spLocks noGrp="1"/>
           </p:cNvSpPr>
@@ -532,7 +2739,7 @@
       </p:sp>
       <p:sp>
         <p:nvSpPr>
-          <p:cNvPr id="9" name="Slide Number Placeholder 8"/>
+          <p:cNvPr id="6" name="Slide Number Placeholder 5"/>
           <p:cNvSpPr>
             <a:spLocks noGrp="1"/>
           </p:cNvSpPr>
@@ -546,7 +2753,7 @@
           <a:lstStyle/>
           <a:p>
             <a:fld id="{4FAB73BC-B049-4115-A692-8D63A059BFB8}" type="slidenum">
-              <a:rPr lang="en-US" dirty="0"/>
+              <a:rPr lang="en-US" smtClean="0"/>
               <a:pPr/>
               <a:t>‹#›</a:t>
             </a:fld>
@@ -555,6 +2762,11 @@
         </p:txBody>
       </p:sp>
     </p:spTree>
+    <p:extLst>
+      <p:ext uri="{BB962C8B-B14F-4D97-AF65-F5344CB8AC3E}">
+        <p14:creationId xmlns:p14="http://schemas.microsoft.com/office/powerpoint/2010/main" val="654350525"/>
+      </p:ext>
+    </p:extLst>
   </p:cSld>
   <p:clrMapOvr>
     <a:masterClrMapping/>
@@ -562,7 +2774,7 @@
 </p:sldLayout>
 </file>
 
-<file path=ppt/slideLayouts/slideLayout11.xml><?xml version="1.0" encoding="utf-8"?>
+<file path=ppt/slideLayouts/slideLayout16.xml><?xml version="1.0" encoding="utf-8"?>
 <p:sldLayout xmlns:a="http://schemas.openxmlformats.org/drawingml/2006/main" xmlns:r="http://schemas.openxmlformats.org/officeDocument/2006/relationships" xmlns:p="http://schemas.openxmlformats.org/presentationml/2006/main" type="vertTitleAndTx" preserve="1">
   <p:cSld name="Vertical Title and Text">
     <p:spTree>
@@ -591,12 +2803,12 @@
         </p:nvSpPr>
         <p:spPr>
           <a:xfrm>
-            <a:off x="381000" y="990600"/>
-            <a:ext cx="2819400" cy="4953000"/>
+            <a:off x="5977312" y="609600"/>
+            <a:ext cx="978812" cy="5251451"/>
           </a:xfrm>
         </p:spPr>
         <p:txBody>
-          <a:bodyPr vert="eaVert"/>
+          <a:bodyPr vert="eaVert" anchor="ctr"/>
           <a:lstStyle/>
           <a:p>
             <a:r>
@@ -619,12 +2831,12 @@
         </p:nvSpPr>
         <p:spPr>
           <a:xfrm>
-            <a:off x="3867912" y="868680"/>
-            <a:ext cx="7315200" cy="5120640"/>
+            <a:off x="609599" y="609600"/>
+            <a:ext cx="5195026" cy="5251451"/>
           </a:xfrm>
         </p:spPr>
         <p:txBody>
-          <a:bodyPr vert="eaVert" anchor="t"/>
+          <a:bodyPr vert="eaVert"/>
           <a:lstStyle/>
           <a:p>
             <a:pPr lvl="0"/>
@@ -666,7 +2878,7 @@
       </p:sp>
       <p:sp>
         <p:nvSpPr>
-          <p:cNvPr id="7" name="Date Placeholder 6"/>
+          <p:cNvPr id="4" name="Date Placeholder 3"/>
           <p:cNvSpPr>
             <a:spLocks noGrp="1"/>
           </p:cNvSpPr>
@@ -680,9 +2892,9 @@
           <a:lstStyle/>
           <a:p>
             <a:fld id="{5586B75A-687E-405C-8A0B-8D00578BA2C3}" type="datetimeFigureOut">
-              <a:rPr lang="en-US" dirty="0"/>
+              <a:rPr lang="en-US" smtClean="0"/>
               <a:pPr/>
-              <a:t>5/2/2014</a:t>
+              <a:t>5/3/2014</a:t>
             </a:fld>
             <a:endParaRPr lang="en-US" dirty="0"/>
           </a:p>
@@ -690,7 +2902,7 @@
       </p:sp>
       <p:sp>
         <p:nvSpPr>
-          <p:cNvPr id="8" name="Footer Placeholder 7"/>
+          <p:cNvPr id="5" name="Footer Placeholder 4"/>
           <p:cNvSpPr>
             <a:spLocks noGrp="1"/>
           </p:cNvSpPr>
@@ -709,7 +2921,7 @@
       </p:sp>
       <p:sp>
         <p:nvSpPr>
-          <p:cNvPr id="9" name="Slide Number Placeholder 8"/>
+          <p:cNvPr id="6" name="Slide Number Placeholder 5"/>
           <p:cNvSpPr>
             <a:spLocks noGrp="1"/>
           </p:cNvSpPr>
@@ -723,7 +2935,7 @@
           <a:lstStyle/>
           <a:p>
             <a:fld id="{4FAB73BC-B049-4115-A692-8D63A059BFB8}" type="slidenum">
-              <a:rPr lang="en-US" dirty="0"/>
+              <a:rPr lang="en-US" smtClean="0"/>
               <a:pPr/>
               <a:t>‹#›</a:t>
             </a:fld>
@@ -732,6 +2944,11 @@
         </p:txBody>
       </p:sp>
     </p:spTree>
+    <p:extLst>
+      <p:ext uri="{BB962C8B-B14F-4D97-AF65-F5344CB8AC3E}">
+        <p14:creationId xmlns:p14="http://schemas.microsoft.com/office/powerpoint/2010/main" val="1025570303"/>
+      </p:ext>
+    </p:extLst>
   </p:cSld>
   <p:clrMapOvr>
     <a:masterClrMapping/>
@@ -768,12 +2985,70 @@
         </p:nvSpPr>
         <p:spPr/>
         <p:txBody>
+          <a:bodyPr>
+            <a:normAutofit/>
+          </a:bodyPr>
+          <a:lstStyle>
+            <a:lvl1pPr>
+              <a:defRPr sz="3600"/>
+            </a:lvl1pPr>
+          </a:lstStyle>
+          <a:p>
+            <a:r>
+              <a:rPr lang="en-US" smtClean="0"/>
+              <a:t>Click to edit Master title style</a:t>
+            </a:r>
+            <a:endParaRPr lang="en-US" dirty="0"/>
+          </a:p>
+        </p:txBody>
+      </p:sp>
+      <p:sp>
+        <p:nvSpPr>
+          <p:cNvPr id="3" name="Content Placeholder 2"/>
+          <p:cNvSpPr>
+            <a:spLocks noGrp="1"/>
+          </p:cNvSpPr>
+          <p:nvPr>
+            <p:ph idx="1"/>
+          </p:nvPr>
+        </p:nvSpPr>
+        <p:spPr/>
+        <p:txBody>
           <a:bodyPr/>
           <a:lstStyle/>
           <a:p>
-            <a:r>
-              <a:rPr lang="en-US" smtClean="0"/>
-              <a:t>Click to edit Master title style</a:t>
+            <a:pPr lvl="0"/>
+            <a:r>
+              <a:rPr lang="en-US" smtClean="0"/>
+              <a:t>Click to edit Master text styles</a:t>
+            </a:r>
+          </a:p>
+          <a:p>
+            <a:pPr lvl="1"/>
+            <a:r>
+              <a:rPr lang="en-US" smtClean="0"/>
+              <a:t>Second level</a:t>
+            </a:r>
+          </a:p>
+          <a:p>
+            <a:pPr lvl="2"/>
+            <a:r>
+              <a:rPr lang="en-US" smtClean="0"/>
+              <a:t>Third level</a:t>
+            </a:r>
+          </a:p>
+          <a:p>
+            <a:pPr lvl="3"/>
+            <a:r>
+              <a:rPr lang="en-US" smtClean="0"/>
+              <a:t>Fourth level</a:t>
+            </a:r>
+          </a:p>
+          <a:p>
+            <a:pPr lvl="4"/>
+            <a:r>
+              <a:rPr lang="en-US" smtClean="0"/>
+              <a:t>Fifth level</a:t>
             </a:r>
             <a:endParaRPr lang="en-US" dirty="0"/>
           </a:p>
@@ -781,12 +3056,12 @@
       </p:sp>
       <p:sp>
         <p:nvSpPr>
-          <p:cNvPr id="3" name="Content Placeholder 2"/>
-          <p:cNvSpPr>
-            <a:spLocks noGrp="1"/>
-          </p:cNvSpPr>
-          <p:nvPr>
-            <p:ph idx="1"/>
+          <p:cNvPr id="4" name="Date Placeholder 3"/>
+          <p:cNvSpPr>
+            <a:spLocks noGrp="1"/>
+          </p:cNvSpPr>
+          <p:nvPr>
+            <p:ph type="dt" sz="half" idx="10"/>
           </p:nvPr>
         </p:nvSpPr>
         <p:spPr/>
@@ -794,62 +3069,10 @@
           <a:bodyPr/>
           <a:lstStyle/>
           <a:p>
-            <a:pPr lvl="0"/>
-            <a:r>
-              <a:rPr lang="en-US" smtClean="0"/>
-              <a:t>Click to edit Master text styles</a:t>
-            </a:r>
-          </a:p>
-          <a:p>
-            <a:pPr lvl="1"/>
-            <a:r>
-              <a:rPr lang="en-US" smtClean="0"/>
-              <a:t>Second level</a:t>
-            </a:r>
-          </a:p>
-          <a:p>
-            <a:pPr lvl="2"/>
-            <a:r>
-              <a:rPr lang="en-US" smtClean="0"/>
-              <a:t>Third level</a:t>
-            </a:r>
-          </a:p>
-          <a:p>
-            <a:pPr lvl="3"/>
-            <a:r>
-              <a:rPr lang="en-US" smtClean="0"/>
-              <a:t>Fourth level</a:t>
-            </a:r>
-          </a:p>
-          <a:p>
-            <a:pPr lvl="4"/>
-            <a:r>
-              <a:rPr lang="en-US" smtClean="0"/>
-              <a:t>Fifth level</a:t>
-            </a:r>
-            <a:endParaRPr lang="en-US" dirty="0"/>
-          </a:p>
-        </p:txBody>
-      </p:sp>
-      <p:sp>
-        <p:nvSpPr>
-          <p:cNvPr id="4" name="Date Placeholder 3"/>
-          <p:cNvSpPr>
-            <a:spLocks noGrp="1"/>
-          </p:cNvSpPr>
-          <p:nvPr>
-            <p:ph type="dt" sz="half" idx="10"/>
-          </p:nvPr>
-        </p:nvSpPr>
-        <p:spPr/>
-        <p:txBody>
-          <a:bodyPr/>
-          <a:lstStyle/>
-          <a:p>
             <a:fld id="{5586B75A-687E-405C-8A0B-8D00578BA2C3}" type="datetimeFigureOut">
-              <a:rPr lang="en-US" dirty="0"/>
+              <a:rPr lang="en-US" smtClean="0"/>
               <a:pPr/>
-              <a:t>5/2/2014</a:t>
+              <a:t>5/3/2014</a:t>
             </a:fld>
             <a:endParaRPr lang="en-US" dirty="0"/>
           </a:p>
@@ -890,7 +3113,7 @@
           <a:lstStyle/>
           <a:p>
             <a:fld id="{4FAB73BC-B049-4115-A692-8D63A059BFB8}" type="slidenum">
-              <a:rPr lang="en-US" dirty="0"/>
+              <a:rPr lang="en-US" smtClean="0"/>
               <a:pPr/>
               <a:t>‹#›</a:t>
             </a:fld>
@@ -899,6 +3122,11 @@
         </p:txBody>
       </p:sp>
     </p:spTree>
+    <p:extLst>
+      <p:ext uri="{BB962C8B-B14F-4D97-AF65-F5344CB8AC3E}">
+        <p14:creationId xmlns:p14="http://schemas.microsoft.com/office/powerpoint/2010/main" val="4045498317"/>
+      </p:ext>
+    </p:extLst>
   </p:cSld>
   <p:clrMapOvr>
     <a:masterClrMapping/>
@@ -935,24 +3163,15 @@
         </p:nvSpPr>
         <p:spPr>
           <a:xfrm>
-            <a:off x="3867912" y="1298448"/>
-            <a:ext cx="7315200" cy="3255264"/>
+            <a:off x="609598" y="2700868"/>
+            <a:ext cx="6347715" cy="1826581"/>
           </a:xfrm>
         </p:spPr>
         <p:txBody>
-          <a:bodyPr anchor="b">
-            <a:normAutofit/>
-          </a:bodyPr>
+          <a:bodyPr anchor="b"/>
           <a:lstStyle>
-            <a:lvl1pPr>
-              <a:defRPr sz="5900" b="0" spc="-100" baseline="0">
-                <a:solidFill>
-                  <a:schemeClr val="tx1">
-                    <a:lumMod val="65000"/>
-                    <a:lumOff val="35000"/>
-                  </a:schemeClr>
-                </a:solidFill>
-              </a:defRPr>
+            <a:lvl1pPr algn="l">
+              <a:defRPr sz="4000" b="0" cap="none"/>
             </a:lvl1pPr>
           </a:lstStyle>
           <a:p>
@@ -976,22 +3195,20 @@
         </p:nvSpPr>
         <p:spPr>
           <a:xfrm>
-            <a:off x="3886200" y="4672584"/>
-            <a:ext cx="7315200" cy="914400"/>
+            <a:off x="609598" y="4527448"/>
+            <a:ext cx="6347715" cy="860400"/>
           </a:xfrm>
         </p:spPr>
         <p:txBody>
-          <a:bodyPr anchor="t">
-            <a:normAutofit/>
-          </a:bodyPr>
+          <a:bodyPr anchor="t"/>
           <a:lstStyle>
-            <a:lvl1pPr marL="0" indent="0">
-              <a:buNone/>
-              <a:defRPr sz="2200" cap="none" spc="0" baseline="0">
+            <a:lvl1pPr marL="0" indent="0" algn="l">
+              <a:buNone/>
+              <a:defRPr sz="2000">
                 <a:solidFill>
                   <a:schemeClr val="tx1">
-                    <a:lumMod val="65000"/>
-                    <a:lumOff val="35000"/>
+                    <a:lumMod val="50000"/>
+                    <a:lumOff val="50000"/>
                   </a:schemeClr>
                 </a:solidFill>
               </a:defRPr>
@@ -1102,9 +3319,9 @@
           <a:lstStyle/>
           <a:p>
             <a:fld id="{5586B75A-687E-405C-8A0B-8D00578BA2C3}" type="datetimeFigureOut">
-              <a:rPr lang="en-US" dirty="0"/>
+              <a:rPr lang="en-US" smtClean="0"/>
               <a:pPr/>
-              <a:t>5/2/2014</a:t>
+              <a:t>5/3/2014</a:t>
             </a:fld>
             <a:endParaRPr lang="en-US" dirty="0"/>
           </a:p>
@@ -1145,7 +3362,7 @@
           <a:lstStyle/>
           <a:p>
             <a:fld id="{4FAB73BC-B049-4115-A692-8D63A059BFB8}" type="slidenum">
-              <a:rPr lang="en-US" dirty="0"/>
+              <a:rPr lang="en-US" smtClean="0"/>
               <a:pPr/>
               <a:t>‹#›</a:t>
             </a:fld>
@@ -1154,6 +3371,11 @@
         </p:txBody>
       </p:sp>
     </p:spTree>
+    <p:extLst>
+      <p:ext uri="{BB962C8B-B14F-4D97-AF65-F5344CB8AC3E}">
+        <p14:creationId xmlns:p14="http://schemas.microsoft.com/office/powerpoint/2010/main" val="4086647386"/>
+      </p:ext>
+    </p:extLst>
   </p:cSld>
   <p:clrMapOvr>
     <a:masterClrMapping/>
@@ -1188,64 +3410,71 @@
             <p:ph type="title"/>
           </p:nvPr>
         </p:nvSpPr>
-        <p:spPr/>
-        <p:txBody>
-          <a:bodyPr/>
-          <a:lstStyle/>
-          <a:p>
-            <a:r>
-              <a:rPr lang="en-US" smtClean="0"/>
-              <a:t>Click to edit Master title style</a:t>
-            </a:r>
-            <a:endParaRPr lang="en-US" dirty="0"/>
-          </a:p>
-        </p:txBody>
-      </p:sp>
-      <p:sp>
-        <p:nvSpPr>
-          <p:cNvPr id="3" name="Content Placeholder 2"/>
-          <p:cNvSpPr>
-            <a:spLocks noGrp="1"/>
-          </p:cNvSpPr>
-          <p:nvPr>
-            <p:ph sz="half" idx="1"/>
-          </p:nvPr>
-        </p:nvSpPr>
         <p:spPr>
           <a:xfrm>
-            <a:off x="3867912" y="868680"/>
-            <a:ext cx="3474720" cy="5120640"/>
+            <a:off x="609600" y="609600"/>
+            <a:ext cx="6347714" cy="1320800"/>
           </a:xfrm>
         </p:spPr>
         <p:txBody>
           <a:bodyPr/>
+          <a:lstStyle/>
+          <a:p>
+            <a:r>
+              <a:rPr lang="en-US" smtClean="0"/>
+              <a:t>Click to edit Master title style</a:t>
+            </a:r>
+            <a:endParaRPr lang="en-US" dirty="0"/>
+          </a:p>
+        </p:txBody>
+      </p:sp>
+      <p:sp>
+        <p:nvSpPr>
+          <p:cNvPr id="3" name="Content Placeholder 2"/>
+          <p:cNvSpPr>
+            <a:spLocks noGrp="1"/>
+          </p:cNvSpPr>
+          <p:nvPr>
+            <p:ph sz="half" idx="1"/>
+          </p:nvPr>
+        </p:nvSpPr>
+        <p:spPr>
+          <a:xfrm>
+            <a:off x="609600" y="2160589"/>
+            <a:ext cx="3088109" cy="3880772"/>
+          </a:xfrm>
+        </p:spPr>
+        <p:txBody>
+          <a:bodyPr>
+            <a:normAutofit/>
+          </a:bodyPr>
           <a:lstStyle>
             <a:lvl1pPr>
-              <a:defRPr sz="2000"/>
+              <a:defRPr sz="1800"/>
             </a:lvl1pPr>
             <a:lvl2pPr>
-              <a:defRPr sz="1800"/>
+              <a:defRPr sz="1600"/>
             </a:lvl2pPr>
             <a:lvl3pPr>
-              <a:defRPr sz="1600"/>
+              <a:defRPr sz="1400"/>
             </a:lvl3pPr>
             <a:lvl4pPr>
-              <a:defRPr sz="1400"/>
+              <a:defRPr sz="1200"/>
             </a:lvl4pPr>
             <a:lvl5pPr>
-              <a:defRPr sz="1400"/>
+              <a:defRPr sz="1200"/>
             </a:lvl5pPr>
             <a:lvl6pPr>
-              <a:defRPr sz="1400"/>
+              <a:defRPr sz="1200"/>
             </a:lvl6pPr>
             <a:lvl7pPr>
-              <a:defRPr sz="1400"/>
+              <a:defRPr sz="1200"/>
             </a:lvl7pPr>
             <a:lvl8pPr>
-              <a:defRPr sz="1400"/>
+              <a:defRPr sz="1200"/>
             </a:lvl8pPr>
             <a:lvl9pPr>
-              <a:defRPr sz="1400"/>
+              <a:defRPr sz="1200"/>
             </a:lvl9pPr>
           </a:lstStyle>
           <a:p>
@@ -1298,39 +3527,41 @@
         </p:nvSpPr>
         <p:spPr>
           <a:xfrm>
-            <a:off x="7818120" y="868680"/>
-            <a:ext cx="3474720" cy="5120640"/>
+            <a:off x="3869204" y="2160590"/>
+            <a:ext cx="3088110" cy="3880773"/>
           </a:xfrm>
         </p:spPr>
         <p:txBody>
-          <a:bodyPr/>
+          <a:bodyPr>
+            <a:normAutofit/>
+          </a:bodyPr>
           <a:lstStyle>
             <a:lvl1pPr>
-              <a:defRPr sz="2000"/>
+              <a:defRPr sz="1800"/>
             </a:lvl1pPr>
             <a:lvl2pPr>
-              <a:defRPr sz="1800"/>
+              <a:defRPr sz="1600"/>
             </a:lvl2pPr>
             <a:lvl3pPr>
-              <a:defRPr sz="1600"/>
+              <a:defRPr sz="1400"/>
             </a:lvl3pPr>
             <a:lvl4pPr>
-              <a:defRPr sz="1400"/>
+              <a:defRPr sz="1200"/>
             </a:lvl4pPr>
             <a:lvl5pPr>
-              <a:defRPr sz="1400"/>
+              <a:defRPr sz="1200"/>
             </a:lvl5pPr>
             <a:lvl6pPr>
-              <a:defRPr sz="1400"/>
+              <a:defRPr sz="1200"/>
             </a:lvl6pPr>
             <a:lvl7pPr>
-              <a:defRPr sz="1400"/>
+              <a:defRPr sz="1200"/>
             </a:lvl7pPr>
             <a:lvl8pPr>
-              <a:defRPr sz="1400"/>
+              <a:defRPr sz="1200"/>
             </a:lvl8pPr>
             <a:lvl9pPr>
-              <a:defRPr sz="1400"/>
+              <a:defRPr sz="1200"/>
             </a:lvl9pPr>
           </a:lstStyle>
           <a:p>
@@ -1373,7 +3604,7 @@
       </p:sp>
       <p:sp>
         <p:nvSpPr>
-          <p:cNvPr id="8" name="Date Placeholder 7"/>
+          <p:cNvPr id="5" name="Date Placeholder 4"/>
           <p:cNvSpPr>
             <a:spLocks noGrp="1"/>
           </p:cNvSpPr>
@@ -1387,9 +3618,9 @@
           <a:lstStyle/>
           <a:p>
             <a:fld id="{5586B75A-687E-405C-8A0B-8D00578BA2C3}" type="datetimeFigureOut">
-              <a:rPr lang="en-US" dirty="0"/>
+              <a:rPr lang="en-US" smtClean="0"/>
               <a:pPr/>
-              <a:t>5/2/2014</a:t>
+              <a:t>5/3/2014</a:t>
             </a:fld>
             <a:endParaRPr lang="en-US" dirty="0"/>
           </a:p>
@@ -1397,7 +3628,7 @@
       </p:sp>
       <p:sp>
         <p:nvSpPr>
-          <p:cNvPr id="9" name="Footer Placeholder 8"/>
+          <p:cNvPr id="6" name="Footer Placeholder 5"/>
           <p:cNvSpPr>
             <a:spLocks noGrp="1"/>
           </p:cNvSpPr>
@@ -1416,7 +3647,7 @@
       </p:sp>
       <p:sp>
         <p:nvSpPr>
-          <p:cNvPr id="10" name="Slide Number Placeholder 9"/>
+          <p:cNvPr id="7" name="Slide Number Placeholder 6"/>
           <p:cNvSpPr>
             <a:spLocks noGrp="1"/>
           </p:cNvSpPr>
@@ -1430,7 +3661,7 @@
           <a:lstStyle/>
           <a:p>
             <a:fld id="{4FAB73BC-B049-4115-A692-8D63A059BFB8}" type="slidenum">
-              <a:rPr lang="en-US" dirty="0"/>
+              <a:rPr lang="en-US" smtClean="0"/>
               <a:pPr/>
               <a:t>‹#›</a:t>
             </a:fld>
@@ -1439,6 +3670,11 @@
         </p:txBody>
       </p:sp>
     </p:spTree>
+    <p:extLst>
+      <p:ext uri="{BB962C8B-B14F-4D97-AF65-F5344CB8AC3E}">
+        <p14:creationId xmlns:p14="http://schemas.microsoft.com/office/powerpoint/2010/main" val="3364431096"/>
+      </p:ext>
+    </p:extLst>
   </p:cSld>
   <p:clrMapOvr>
     <a:masterClrMapping/>
@@ -1465,61 +3701,60 @@
       </p:grpSpPr>
       <p:sp>
         <p:nvSpPr>
-          <p:cNvPr id="10" name="Title 9"/>
+          <p:cNvPr id="2" name="Title 1"/>
           <p:cNvSpPr>
             <a:spLocks noGrp="1"/>
           </p:cNvSpPr>
           <p:nvPr>
             <p:ph type="title"/>
-          </p:nvPr>
-        </p:nvSpPr>
-        <p:spPr/>
-        <p:txBody>
-          <a:bodyPr/>
-          <a:lstStyle/>
-          <a:p>
-            <a:r>
-              <a:rPr lang="en-US" smtClean="0"/>
-              <a:t>Click to edit Master title style</a:t>
-            </a:r>
-            <a:endParaRPr lang="en-US" dirty="0"/>
-          </a:p>
-        </p:txBody>
-      </p:sp>
-      <p:sp>
-        <p:nvSpPr>
-          <p:cNvPr id="3" name="Text Placeholder 2"/>
-          <p:cNvSpPr>
-            <a:spLocks noGrp="1"/>
-          </p:cNvSpPr>
-          <p:nvPr>
-            <p:ph type="body" idx="1"/>
           </p:nvPr>
         </p:nvSpPr>
         <p:spPr>
           <a:xfrm>
-            <a:off x="3867912" y="1023586"/>
-            <a:ext cx="3474720" cy="807720"/>
+            <a:off x="609599" y="609600"/>
+            <a:ext cx="6347713" cy="1320800"/>
           </a:xfrm>
         </p:spPr>
         <p:txBody>
+          <a:bodyPr/>
+          <a:lstStyle>
+            <a:lvl1pPr>
+              <a:defRPr/>
+            </a:lvl1pPr>
+          </a:lstStyle>
+          <a:p>
+            <a:r>
+              <a:rPr lang="en-US" smtClean="0"/>
+              <a:t>Click to edit Master title style</a:t>
+            </a:r>
+            <a:endParaRPr lang="en-US" dirty="0"/>
+          </a:p>
+        </p:txBody>
+      </p:sp>
+      <p:sp>
+        <p:nvSpPr>
+          <p:cNvPr id="3" name="Text Placeholder 2"/>
+          <p:cNvSpPr>
+            <a:spLocks noGrp="1"/>
+          </p:cNvSpPr>
+          <p:nvPr>
+            <p:ph type="body" idx="1"/>
+          </p:nvPr>
+        </p:nvSpPr>
+        <p:spPr>
+          <a:xfrm>
+            <a:off x="609599" y="2160983"/>
+            <a:ext cx="3090672" cy="576262"/>
+          </a:xfrm>
+        </p:spPr>
+        <p:txBody>
           <a:bodyPr anchor="b">
-            <a:normAutofit/>
+            <a:noAutofit/>
           </a:bodyPr>
           <a:lstStyle>
             <a:lvl1pPr marL="0" indent="0">
-              <a:spcBef>
-                <a:spcPts val="0"/>
-              </a:spcBef>
-              <a:buNone/>
-              <a:defRPr sz="2000" b="1">
-                <a:solidFill>
-                  <a:schemeClr val="tx1">
-                    <a:lumMod val="65000"/>
-                    <a:lumOff val="35000"/>
-                  </a:schemeClr>
-                </a:solidFill>
-              </a:defRPr>
+              <a:buNone/>
+              <a:defRPr sz="2400" b="0"/>
             </a:lvl1pPr>
             <a:lvl2pPr marL="457200" indent="0">
               <a:buNone/>
@@ -1575,41 +3810,15 @@
         </p:nvSpPr>
         <p:spPr>
           <a:xfrm>
-            <a:off x="3867912" y="1930936"/>
-            <a:ext cx="3474720" cy="4023360"/>
+            <a:off x="609599" y="2737246"/>
+            <a:ext cx="3090672" cy="3304117"/>
           </a:xfrm>
         </p:spPr>
         <p:txBody>
-          <a:bodyPr/>
-          <a:lstStyle>
-            <a:lvl1pPr>
-              <a:defRPr sz="2000"/>
-            </a:lvl1pPr>
-            <a:lvl2pPr>
-              <a:defRPr sz="1800"/>
-            </a:lvl2pPr>
-            <a:lvl3pPr>
-              <a:defRPr sz="1600"/>
-            </a:lvl3pPr>
-            <a:lvl4pPr>
-              <a:defRPr sz="1400"/>
-            </a:lvl4pPr>
-            <a:lvl5pPr>
-              <a:defRPr sz="1400"/>
-            </a:lvl5pPr>
-            <a:lvl6pPr>
-              <a:defRPr sz="1400"/>
-            </a:lvl6pPr>
-            <a:lvl7pPr>
-              <a:defRPr sz="1400"/>
-            </a:lvl7pPr>
-            <a:lvl8pPr>
-              <a:defRPr sz="1400"/>
-            </a:lvl8pPr>
-            <a:lvl9pPr>
-              <a:defRPr sz="1400"/>
-            </a:lvl9pPr>
-          </a:lstStyle>
+          <a:bodyPr>
+            <a:normAutofit/>
+          </a:bodyPr>
+          <a:lstStyle/>
           <a:p>
             <a:pPr lvl="0"/>
             <a:r>
@@ -1660,28 +3869,18 @@
         </p:nvSpPr>
         <p:spPr>
           <a:xfrm>
-            <a:off x="7818463" y="1023586"/>
-            <a:ext cx="3474720" cy="813171"/>
+            <a:off x="3866640" y="2160983"/>
+            <a:ext cx="3090672" cy="576262"/>
           </a:xfrm>
         </p:spPr>
         <p:txBody>
           <a:bodyPr anchor="b">
-            <a:normAutofit/>
+            <a:noAutofit/>
           </a:bodyPr>
           <a:lstStyle>
             <a:lvl1pPr marL="0" indent="0">
-              <a:spcBef>
-                <a:spcPts val="0"/>
-              </a:spcBef>
-              <a:buNone/>
-              <a:defRPr sz="2000" b="1">
-                <a:solidFill>
-                  <a:schemeClr val="tx1">
-                    <a:lumMod val="65000"/>
-                    <a:lumOff val="35000"/>
-                  </a:schemeClr>
-                </a:solidFill>
-              </a:defRPr>
+              <a:buNone/>
+              <a:defRPr sz="2400" b="0"/>
             </a:lvl1pPr>
             <a:lvl2pPr marL="457200" indent="0">
               <a:buNone/>
@@ -1737,98 +3936,72 @@
         </p:nvSpPr>
         <p:spPr>
           <a:xfrm>
-            <a:off x="7818463" y="1930936"/>
-            <a:ext cx="3474720" cy="4023360"/>
+            <a:off x="3866640" y="2737246"/>
+            <a:ext cx="3090672" cy="3304117"/>
           </a:xfrm>
         </p:spPr>
         <p:txBody>
+          <a:bodyPr>
+            <a:normAutofit/>
+          </a:bodyPr>
+          <a:lstStyle/>
+          <a:p>
+            <a:pPr lvl="0"/>
+            <a:r>
+              <a:rPr lang="en-US" smtClean="0"/>
+              <a:t>Click to edit Master text styles</a:t>
+            </a:r>
+          </a:p>
+          <a:p>
+            <a:pPr lvl="1"/>
+            <a:r>
+              <a:rPr lang="en-US" smtClean="0"/>
+              <a:t>Second level</a:t>
+            </a:r>
+          </a:p>
+          <a:p>
+            <a:pPr lvl="2"/>
+            <a:r>
+              <a:rPr lang="en-US" smtClean="0"/>
+              <a:t>Third level</a:t>
+            </a:r>
+          </a:p>
+          <a:p>
+            <a:pPr lvl="3"/>
+            <a:r>
+              <a:rPr lang="en-US" smtClean="0"/>
+              <a:t>Fourth level</a:t>
+            </a:r>
+          </a:p>
+          <a:p>
+            <a:pPr lvl="4"/>
+            <a:r>
+              <a:rPr lang="en-US" smtClean="0"/>
+              <a:t>Fifth level</a:t>
+            </a:r>
+            <a:endParaRPr lang="en-US" dirty="0"/>
+          </a:p>
+        </p:txBody>
+      </p:sp>
+      <p:sp>
+        <p:nvSpPr>
+          <p:cNvPr id="7" name="Date Placeholder 6"/>
+          <p:cNvSpPr>
+            <a:spLocks noGrp="1"/>
+          </p:cNvSpPr>
+          <p:nvPr>
+            <p:ph type="dt" sz="half" idx="10"/>
+          </p:nvPr>
+        </p:nvSpPr>
+        <p:spPr/>
+        <p:txBody>
           <a:bodyPr/>
-          <a:lstStyle>
-            <a:lvl1pPr>
-              <a:defRPr sz="2000"/>
-            </a:lvl1pPr>
-            <a:lvl2pPr>
-              <a:defRPr sz="1800"/>
-            </a:lvl2pPr>
-            <a:lvl3pPr>
-              <a:defRPr sz="1600"/>
-            </a:lvl3pPr>
-            <a:lvl4pPr>
-              <a:defRPr sz="1400"/>
-            </a:lvl4pPr>
-            <a:lvl5pPr>
-              <a:defRPr sz="1400"/>
-            </a:lvl5pPr>
-            <a:lvl6pPr>
-              <a:defRPr sz="1400"/>
-            </a:lvl6pPr>
-            <a:lvl7pPr>
-              <a:defRPr sz="1400"/>
-            </a:lvl7pPr>
-            <a:lvl8pPr>
-              <a:defRPr sz="1400"/>
-            </a:lvl8pPr>
-            <a:lvl9pPr>
-              <a:defRPr sz="1400"/>
-            </a:lvl9pPr>
-          </a:lstStyle>
-          <a:p>
-            <a:pPr lvl="0"/>
-            <a:r>
-              <a:rPr lang="en-US" smtClean="0"/>
-              <a:t>Click to edit Master text styles</a:t>
-            </a:r>
-          </a:p>
-          <a:p>
-            <a:pPr lvl="1"/>
-            <a:r>
-              <a:rPr lang="en-US" smtClean="0"/>
-              <a:t>Second level</a:t>
-            </a:r>
-          </a:p>
-          <a:p>
-            <a:pPr lvl="2"/>
-            <a:r>
-              <a:rPr lang="en-US" smtClean="0"/>
-              <a:t>Third level</a:t>
-            </a:r>
-          </a:p>
-          <a:p>
-            <a:pPr lvl="3"/>
-            <a:r>
-              <a:rPr lang="en-US" smtClean="0"/>
-              <a:t>Fourth level</a:t>
-            </a:r>
-          </a:p>
-          <a:p>
-            <a:pPr lvl="4"/>
-            <a:r>
-              <a:rPr lang="en-US" smtClean="0"/>
-              <a:t>Fifth level</a:t>
-            </a:r>
-            <a:endParaRPr lang="en-US" dirty="0"/>
-          </a:p>
-        </p:txBody>
-      </p:sp>
-      <p:sp>
-        <p:nvSpPr>
-          <p:cNvPr id="2" name="Date Placeholder 1"/>
-          <p:cNvSpPr>
-            <a:spLocks noGrp="1"/>
-          </p:cNvSpPr>
-          <p:nvPr>
-            <p:ph type="dt" sz="half" idx="10"/>
-          </p:nvPr>
-        </p:nvSpPr>
-        <p:spPr/>
-        <p:txBody>
-          <a:bodyPr/>
           <a:lstStyle/>
           <a:p>
             <a:fld id="{5586B75A-687E-405C-8A0B-8D00578BA2C3}" type="datetimeFigureOut">
-              <a:rPr lang="en-US" dirty="0"/>
+              <a:rPr lang="en-US" smtClean="0"/>
               <a:pPr/>
-              <a:t>5/2/2014</a:t>
+              <a:t>5/3/2014</a:t>
             </a:fld>
             <a:endParaRPr lang="en-US" dirty="0"/>
           </a:p>
@@ -1836,7 +4009,7 @@
       </p:sp>
       <p:sp>
         <p:nvSpPr>
-          <p:cNvPr id="11" name="Footer Placeholder 10"/>
+          <p:cNvPr id="8" name="Footer Placeholder 7"/>
           <p:cNvSpPr>
             <a:spLocks noGrp="1"/>
           </p:cNvSpPr>
@@ -1855,7 +4028,7 @@
       </p:sp>
       <p:sp>
         <p:nvSpPr>
-          <p:cNvPr id="12" name="Slide Number Placeholder 11"/>
+          <p:cNvPr id="9" name="Slide Number Placeholder 8"/>
           <p:cNvSpPr>
             <a:spLocks noGrp="1"/>
           </p:cNvSpPr>
@@ -1869,7 +4042,7 @@
           <a:lstStyle/>
           <a:p>
             <a:fld id="{4FAB73BC-B049-4115-A692-8D63A059BFB8}" type="slidenum">
-              <a:rPr lang="en-US" dirty="0"/>
+              <a:rPr lang="en-US" smtClean="0"/>
               <a:pPr/>
               <a:t>‹#›</a:t>
             </a:fld>
@@ -1878,6 +4051,11 @@
         </p:txBody>
       </p:sp>
     </p:spTree>
+    <p:extLst>
+      <p:ext uri="{BB962C8B-B14F-4D97-AF65-F5344CB8AC3E}">
+        <p14:creationId xmlns:p14="http://schemas.microsoft.com/office/powerpoint/2010/main" val="2731895116"/>
+      </p:ext>
+    </p:extLst>
   </p:cSld>
   <p:clrMapOvr>
     <a:masterClrMapping/>
@@ -1904,7 +4082,7 @@
       </p:grpSpPr>
       <p:sp>
         <p:nvSpPr>
-          <p:cNvPr id="6" name="Title 5"/>
+          <p:cNvPr id="2" name="Title 1"/>
           <p:cNvSpPr>
             <a:spLocks noGrp="1"/>
           </p:cNvSpPr>
@@ -1912,38 +4090,43 @@
             <p:ph type="title"/>
           </p:nvPr>
         </p:nvSpPr>
+        <p:spPr>
+          <a:xfrm>
+            <a:off x="609599" y="609600"/>
+            <a:ext cx="6347714" cy="1320800"/>
+          </a:xfrm>
+        </p:spPr>
+        <p:txBody>
+          <a:bodyPr/>
+          <a:lstStyle/>
+          <a:p>
+            <a:r>
+              <a:rPr lang="en-US" smtClean="0"/>
+              <a:t>Click to edit Master title style</a:t>
+            </a:r>
+            <a:endParaRPr lang="en-US" dirty="0"/>
+          </a:p>
+        </p:txBody>
+      </p:sp>
+      <p:sp>
+        <p:nvSpPr>
+          <p:cNvPr id="3" name="Date Placeholder 2"/>
+          <p:cNvSpPr>
+            <a:spLocks noGrp="1"/>
+          </p:cNvSpPr>
+          <p:nvPr>
+            <p:ph type="dt" sz="half" idx="10"/>
+          </p:nvPr>
+        </p:nvSpPr>
         <p:spPr/>
         <p:txBody>
           <a:bodyPr/>
           <a:lstStyle/>
           <a:p>
-            <a:r>
-              <a:rPr lang="en-US" smtClean="0"/>
-              <a:t>Click to edit Master title style</a:t>
-            </a:r>
-            <a:endParaRPr lang="en-US" dirty="0"/>
-          </a:p>
-        </p:txBody>
-      </p:sp>
-      <p:sp>
-        <p:nvSpPr>
-          <p:cNvPr id="2" name="Date Placeholder 1"/>
-          <p:cNvSpPr>
-            <a:spLocks noGrp="1"/>
-          </p:cNvSpPr>
-          <p:nvPr>
-            <p:ph type="dt" sz="half" idx="10"/>
-          </p:nvPr>
-        </p:nvSpPr>
-        <p:spPr/>
-        <p:txBody>
-          <a:bodyPr/>
-          <a:lstStyle/>
-          <a:p>
             <a:fld id="{5586B75A-687E-405C-8A0B-8D00578BA2C3}" type="datetimeFigureOut">
-              <a:rPr lang="en-US" dirty="0"/>
+              <a:rPr lang="en-US" smtClean="0"/>
               <a:pPr/>
-              <a:t>5/2/2014</a:t>
+              <a:t>5/3/2014</a:t>
             </a:fld>
             <a:endParaRPr lang="en-US" dirty="0"/>
           </a:p>
@@ -1951,7 +4134,7 @@
       </p:sp>
       <p:sp>
         <p:nvSpPr>
-          <p:cNvPr id="7" name="Footer Placeholder 6"/>
+          <p:cNvPr id="4" name="Footer Placeholder 3"/>
           <p:cNvSpPr>
             <a:spLocks noGrp="1"/>
           </p:cNvSpPr>
@@ -1970,7 +4153,7 @@
       </p:sp>
       <p:sp>
         <p:nvSpPr>
-          <p:cNvPr id="8" name="Slide Number Placeholder 7"/>
+          <p:cNvPr id="5" name="Slide Number Placeholder 4"/>
           <p:cNvSpPr>
             <a:spLocks noGrp="1"/>
           </p:cNvSpPr>
@@ -1984,7 +4167,7 @@
           <a:lstStyle/>
           <a:p>
             <a:fld id="{4FAB73BC-B049-4115-A692-8D63A059BFB8}" type="slidenum">
-              <a:rPr lang="en-US" dirty="0"/>
+              <a:rPr lang="en-US" smtClean="0"/>
               <a:pPr/>
               <a:t>‹#›</a:t>
             </a:fld>
@@ -1993,6 +4176,11 @@
         </p:txBody>
       </p:sp>
     </p:spTree>
+    <p:extLst>
+      <p:ext uri="{BB962C8B-B14F-4D97-AF65-F5344CB8AC3E}">
+        <p14:creationId xmlns:p14="http://schemas.microsoft.com/office/powerpoint/2010/main" val="2188644135"/>
+      </p:ext>
+    </p:extLst>
   </p:cSld>
   <p:clrMapOvr>
     <a:masterClrMapping/>
@@ -2001,7 +4189,7 @@
 </file>
 
 <file path=ppt/slideLayouts/slideLayout7.xml><?xml version="1.0" encoding="utf-8"?>
-<p:sldLayout xmlns:a="http://schemas.openxmlformats.org/drawingml/2006/main" xmlns:r="http://schemas.openxmlformats.org/officeDocument/2006/relationships" xmlns:p="http://schemas.openxmlformats.org/presentationml/2006/main" showMasterSp="0" type="blank" preserve="1">
+<p:sldLayout xmlns:a="http://schemas.openxmlformats.org/drawingml/2006/main" xmlns:r="http://schemas.openxmlformats.org/officeDocument/2006/relationships" xmlns:p="http://schemas.openxmlformats.org/presentationml/2006/main" type="blank" preserve="1">
   <p:cSld name="Blank">
     <p:spTree>
       <p:nvGrpSpPr>
@@ -2019,7 +4207,7 @@
       </p:grpSpPr>
       <p:sp>
         <p:nvSpPr>
-          <p:cNvPr id="5" name="Date Placeholder 4"/>
+          <p:cNvPr id="2" name="Date Placeholder 1"/>
           <p:cNvSpPr>
             <a:spLocks noGrp="1"/>
           </p:cNvSpPr>
@@ -2033,9 +4221,9 @@
           <a:lstStyle/>
           <a:p>
             <a:fld id="{5586B75A-687E-405C-8A0B-8D00578BA2C3}" type="datetimeFigureOut">
-              <a:rPr lang="en-US" dirty="0"/>
+              <a:rPr lang="en-US" smtClean="0"/>
               <a:pPr/>
-              <a:t>5/2/2014</a:t>
+              <a:t>5/3/2014</a:t>
             </a:fld>
             <a:endParaRPr lang="en-US" dirty="0"/>
           </a:p>
@@ -2043,7 +4231,7 @@
       </p:sp>
       <p:sp>
         <p:nvSpPr>
-          <p:cNvPr id="6" name="Footer Placeholder 5"/>
+          <p:cNvPr id="3" name="Footer Placeholder 2"/>
           <p:cNvSpPr>
             <a:spLocks noGrp="1"/>
           </p:cNvSpPr>
@@ -2062,7 +4250,7 @@
       </p:sp>
       <p:sp>
         <p:nvSpPr>
-          <p:cNvPr id="7" name="Slide Number Placeholder 6"/>
+          <p:cNvPr id="4" name="Slide Number Placeholder 3"/>
           <p:cNvSpPr>
             <a:spLocks noGrp="1"/>
           </p:cNvSpPr>
@@ -2076,7 +4264,7 @@
           <a:lstStyle/>
           <a:p>
             <a:fld id="{4FAB73BC-B049-4115-A692-8D63A059BFB8}" type="slidenum">
-              <a:rPr lang="en-US" dirty="0"/>
+              <a:rPr lang="en-US" smtClean="0"/>
               <a:pPr/>
               <a:t>‹#›</a:t>
             </a:fld>
@@ -2085,6 +4273,11 @@
         </p:txBody>
       </p:sp>
     </p:spTree>
+    <p:extLst>
+      <p:ext uri="{BB962C8B-B14F-4D97-AF65-F5344CB8AC3E}">
+        <p14:creationId xmlns:p14="http://schemas.microsoft.com/office/powerpoint/2010/main" val="2560557604"/>
+      </p:ext>
+    </p:extLst>
   </p:cSld>
   <p:clrMapOvr>
     <a:masterClrMapping/>
@@ -2121,8 +4314,8 @@
         </p:nvSpPr>
         <p:spPr>
           <a:xfrm>
-            <a:off x="256032" y="1143000"/>
-            <a:ext cx="2834640" cy="2377440"/>
+            <a:off x="609599" y="1498604"/>
+            <a:ext cx="2790182" cy="1278466"/>
           </a:xfrm>
         </p:spPr>
         <p:txBody>
@@ -2131,7 +4324,7 @@
           </a:bodyPr>
           <a:lstStyle>
             <a:lvl1pPr>
-              <a:defRPr sz="3200" b="0" baseline="0"/>
+              <a:defRPr sz="2000"/>
             </a:lvl1pPr>
           </a:lstStyle>
           <a:p>
@@ -2155,41 +4348,15 @@
         </p:nvSpPr>
         <p:spPr>
           <a:xfrm>
-            <a:off x="3867912" y="868680"/>
-            <a:ext cx="7315200" cy="5120640"/>
+            <a:off x="3571275" y="514925"/>
+            <a:ext cx="3386037" cy="5526437"/>
           </a:xfrm>
         </p:spPr>
         <p:txBody>
-          <a:bodyPr/>
-          <a:lstStyle>
-            <a:lvl1pPr>
-              <a:defRPr sz="2000"/>
-            </a:lvl1pPr>
-            <a:lvl2pPr>
-              <a:defRPr sz="1800"/>
-            </a:lvl2pPr>
-            <a:lvl3pPr>
-              <a:defRPr sz="1600"/>
-            </a:lvl3pPr>
-            <a:lvl4pPr>
-              <a:defRPr sz="1400"/>
-            </a:lvl4pPr>
-            <a:lvl5pPr>
-              <a:defRPr sz="1400"/>
-            </a:lvl5pPr>
-            <a:lvl6pPr>
-              <a:defRPr sz="1400"/>
-            </a:lvl6pPr>
-            <a:lvl7pPr>
-              <a:defRPr sz="1400"/>
-            </a:lvl7pPr>
-            <a:lvl8pPr>
-              <a:defRPr sz="1400"/>
-            </a:lvl8pPr>
-            <a:lvl9pPr>
-              <a:defRPr sz="1400"/>
-            </a:lvl9pPr>
-          </a:lstStyle>
+          <a:bodyPr>
+            <a:normAutofit/>
+          </a:bodyPr>
+          <a:lstStyle/>
           <a:p>
             <a:pPr lvl="0"/>
             <a:r>
@@ -2240,57 +4407,50 @@
         </p:nvSpPr>
         <p:spPr>
           <a:xfrm>
-            <a:off x="256032" y="3494176"/>
-            <a:ext cx="2834640" cy="2321990"/>
+            <a:off x="609599" y="2777069"/>
+            <a:ext cx="2790182" cy="2584449"/>
           </a:xfrm>
         </p:spPr>
         <p:txBody>
-          <a:bodyPr anchor="t">
+          <a:bodyPr>
             <a:normAutofit/>
           </a:bodyPr>
           <a:lstStyle>
             <a:lvl1pPr marL="0" indent="0">
-              <a:lnSpc>
-                <a:spcPct val="100000"/>
-              </a:lnSpc>
-              <a:buNone/>
-              <a:defRPr sz="1400">
-                <a:solidFill>
-                  <a:srgbClr val="FFFFFF"/>
-                </a:solidFill>
-              </a:defRPr>
+              <a:buNone/>
+              <a:defRPr sz="1400"/>
             </a:lvl1pPr>
-            <a:lvl2pPr marL="457200" indent="0">
-              <a:buNone/>
-              <a:defRPr sz="1200"/>
+            <a:lvl2pPr marL="342900" indent="0">
+              <a:buNone/>
+              <a:defRPr sz="1050"/>
             </a:lvl2pPr>
-            <a:lvl3pPr marL="914400" indent="0">
-              <a:buNone/>
-              <a:defRPr sz="1000"/>
+            <a:lvl3pPr marL="685800" indent="0">
+              <a:buNone/>
+              <a:defRPr sz="900"/>
             </a:lvl3pPr>
-            <a:lvl4pPr marL="1371600" indent="0">
-              <a:buNone/>
-              <a:defRPr sz="900"/>
+            <a:lvl4pPr marL="1028700" indent="0">
+              <a:buNone/>
+              <a:defRPr sz="750"/>
             </a:lvl4pPr>
-            <a:lvl5pPr marL="1828800" indent="0">
-              <a:buNone/>
-              <a:defRPr sz="900"/>
+            <a:lvl5pPr marL="1371600" indent="0">
+              <a:buNone/>
+              <a:defRPr sz="750"/>
             </a:lvl5pPr>
-            <a:lvl6pPr marL="2286000" indent="0">
-              <a:buNone/>
-              <a:defRPr sz="900"/>
+            <a:lvl6pPr marL="1714500" indent="0">
+              <a:buNone/>
+              <a:defRPr sz="750"/>
             </a:lvl6pPr>
-            <a:lvl7pPr marL="2743200" indent="0">
-              <a:buNone/>
-              <a:defRPr sz="900"/>
+            <a:lvl7pPr marL="2057400" indent="0">
+              <a:buNone/>
+              <a:defRPr sz="750"/>
             </a:lvl7pPr>
-            <a:lvl8pPr marL="3200400" indent="0">
-              <a:buNone/>
-              <a:defRPr sz="900"/>
+            <a:lvl8pPr marL="2400300" indent="0">
+              <a:buNone/>
+              <a:defRPr sz="750"/>
             </a:lvl8pPr>
-            <a:lvl9pPr marL="3657600" indent="0">
-              <a:buNone/>
-              <a:defRPr sz="900"/>
+            <a:lvl9pPr marL="2743200" indent="0">
+              <a:buNone/>
+              <a:defRPr sz="750"/>
             </a:lvl9pPr>
           </a:lstStyle>
           <a:p>
@@ -2304,7 +4464,7 @@
       </p:sp>
       <p:sp>
         <p:nvSpPr>
-          <p:cNvPr id="8" name="Date Placeholder 7"/>
+          <p:cNvPr id="5" name="Date Placeholder 4"/>
           <p:cNvSpPr>
             <a:spLocks noGrp="1"/>
           </p:cNvSpPr>
@@ -2318,9 +4478,9 @@
           <a:lstStyle/>
           <a:p>
             <a:fld id="{5586B75A-687E-405C-8A0B-8D00578BA2C3}" type="datetimeFigureOut">
-              <a:rPr lang="en-US" dirty="0"/>
+              <a:rPr lang="en-US" smtClean="0"/>
               <a:pPr/>
-              <a:t>5/2/2014</a:t>
+              <a:t>5/3/2014</a:t>
             </a:fld>
             <a:endParaRPr lang="en-US" dirty="0"/>
           </a:p>
@@ -2328,7 +4488,7 @@
       </p:sp>
       <p:sp>
         <p:nvSpPr>
-          <p:cNvPr id="9" name="Footer Placeholder 8"/>
+          <p:cNvPr id="6" name="Footer Placeholder 5"/>
           <p:cNvSpPr>
             <a:spLocks noGrp="1"/>
           </p:cNvSpPr>
@@ -2347,7 +4507,7 @@
       </p:sp>
       <p:sp>
         <p:nvSpPr>
-          <p:cNvPr id="10" name="Slide Number Placeholder 9"/>
+          <p:cNvPr id="7" name="Slide Number Placeholder 6"/>
           <p:cNvSpPr>
             <a:spLocks noGrp="1"/>
           </p:cNvSpPr>
@@ -2361,7 +4521,7 @@
           <a:lstStyle/>
           <a:p>
             <a:fld id="{4FAB73BC-B049-4115-A692-8D63A059BFB8}" type="slidenum">
-              <a:rPr lang="en-US" dirty="0"/>
+              <a:rPr lang="en-US" smtClean="0"/>
               <a:pPr/>
               <a:t>‹#›</a:t>
             </a:fld>
@@ -2370,6 +4530,11 @@
         </p:txBody>
       </p:sp>
     </p:spTree>
+    <p:extLst>
+      <p:ext uri="{BB962C8B-B14F-4D97-AF65-F5344CB8AC3E}">
+        <p14:creationId xmlns:p14="http://schemas.microsoft.com/office/powerpoint/2010/main" val="2231468529"/>
+      </p:ext>
+    </p:extLst>
   </p:cSld>
   <p:clrMapOvr>
     <a:masterClrMapping/>
@@ -2406,8 +4571,8 @@
         </p:nvSpPr>
         <p:spPr>
           <a:xfrm>
-            <a:off x="256032" y="1143000"/>
-            <a:ext cx="2834640" cy="2377440"/>
+            <a:off x="609599" y="4800600"/>
+            <a:ext cx="6347714" cy="566738"/>
           </a:xfrm>
         </p:spPr>
         <p:txBody>
@@ -2415,8 +4580,8 @@
             <a:normAutofit/>
           </a:bodyPr>
           <a:lstStyle>
-            <a:lvl1pPr>
-              <a:defRPr sz="3200" b="0"/>
+            <a:lvl1pPr algn="l">
+              <a:defRPr sz="2400" b="0"/>
             </a:lvl1pPr>
           </a:lstStyle>
           <a:p>
@@ -2440,78 +4605,8 @@
         </p:nvSpPr>
         <p:spPr>
           <a:xfrm>
-            <a:off x="3570644" y="767419"/>
-            <a:ext cx="8115230" cy="5330952"/>
-          </a:xfrm>
-          <a:solidFill>
-            <a:schemeClr val="bg1">
-              <a:lumMod val="75000"/>
-            </a:schemeClr>
-          </a:solidFill>
-        </p:spPr>
-        <p:txBody>
-          <a:bodyPr anchor="t"/>
-          <a:lstStyle>
-            <a:lvl1pPr marL="0" indent="0">
-              <a:buNone/>
-              <a:defRPr sz="3200"/>
-            </a:lvl1pPr>
-            <a:lvl2pPr marL="457200" indent="0">
-              <a:buNone/>
-              <a:defRPr sz="2800"/>
-            </a:lvl2pPr>
-            <a:lvl3pPr marL="914400" indent="0">
-              <a:buNone/>
-              <a:defRPr sz="2400"/>
-            </a:lvl3pPr>
-            <a:lvl4pPr marL="1371600" indent="0">
-              <a:buNone/>
-              <a:defRPr sz="2000"/>
-            </a:lvl4pPr>
-            <a:lvl5pPr marL="1828800" indent="0">
-              <a:buNone/>
-              <a:defRPr sz="2000"/>
-            </a:lvl5pPr>
-            <a:lvl6pPr marL="2286000" indent="0">
-              <a:buNone/>
-              <a:defRPr sz="2000"/>
-            </a:lvl6pPr>
-            <a:lvl7pPr marL="2743200" indent="0">
-              <a:buNone/>
-              <a:defRPr sz="2000"/>
-            </a:lvl7pPr>
-            <a:lvl8pPr marL="3200400" indent="0">
-              <a:buNone/>
-              <a:defRPr sz="2000"/>
-            </a:lvl8pPr>
-            <a:lvl9pPr marL="3657600" indent="0">
-              <a:buNone/>
-              <a:defRPr sz="2000"/>
-            </a:lvl9pPr>
-          </a:lstStyle>
-          <a:p>
-            <a:r>
-              <a:rPr lang="en-US" smtClean="0"/>
-              <a:t>Click icon to add picture</a:t>
-            </a:r>
-            <a:endParaRPr lang="en-US" dirty="0"/>
-          </a:p>
-        </p:txBody>
-      </p:sp>
-      <p:sp>
-        <p:nvSpPr>
-          <p:cNvPr id="4" name="Text Placeholder 3"/>
-          <p:cNvSpPr>
-            <a:spLocks noGrp="1"/>
-          </p:cNvSpPr>
-          <p:nvPr>
-            <p:ph type="body" sz="half" idx="2"/>
-          </p:nvPr>
-        </p:nvSpPr>
-        <p:spPr>
-          <a:xfrm>
-            <a:off x="256032" y="3493008"/>
-            <a:ext cx="2834640" cy="2322576"/>
+            <a:off x="609599" y="609600"/>
+            <a:ext cx="6347714" cy="3845718"/>
           </a:xfrm>
         </p:spPr>
         <p:txBody>
@@ -2519,16 +4614,76 @@
             <a:normAutofit/>
           </a:bodyPr>
           <a:lstStyle>
+            <a:lvl1pPr marL="0" indent="0" algn="ctr">
+              <a:buNone/>
+              <a:defRPr sz="1600"/>
+            </a:lvl1pPr>
+            <a:lvl2pPr marL="457200" indent="0">
+              <a:buNone/>
+              <a:defRPr sz="1600"/>
+            </a:lvl2pPr>
+            <a:lvl3pPr marL="914400" indent="0">
+              <a:buNone/>
+              <a:defRPr sz="1600"/>
+            </a:lvl3pPr>
+            <a:lvl4pPr marL="1371600" indent="0">
+              <a:buNone/>
+              <a:defRPr sz="1600"/>
+            </a:lvl4pPr>
+            <a:lvl5pPr marL="1828800" indent="0">
+              <a:buNone/>
+              <a:defRPr sz="1600"/>
+            </a:lvl5pPr>
+            <a:lvl6pPr marL="2286000" indent="0">
+              <a:buNone/>
+              <a:defRPr sz="1600"/>
+            </a:lvl6pPr>
+            <a:lvl7pPr marL="2743200" indent="0">
+              <a:buNone/>
+              <a:defRPr sz="1600"/>
+            </a:lvl7pPr>
+            <a:lvl8pPr marL="3200400" indent="0">
+              <a:buNone/>
+              <a:defRPr sz="1600"/>
+            </a:lvl8pPr>
+            <a:lvl9pPr marL="3657600" indent="0">
+              <a:buNone/>
+              <a:defRPr sz="1600"/>
+            </a:lvl9pPr>
+          </a:lstStyle>
+          <a:p>
+            <a:r>
+              <a:rPr lang="en-US" smtClean="0"/>
+              <a:t>Click icon to add picture</a:t>
+            </a:r>
+            <a:endParaRPr lang="en-US" dirty="0"/>
+          </a:p>
+        </p:txBody>
+      </p:sp>
+      <p:sp>
+        <p:nvSpPr>
+          <p:cNvPr id="4" name="Text Placeholder 3"/>
+          <p:cNvSpPr>
+            <a:spLocks noGrp="1"/>
+          </p:cNvSpPr>
+          <p:nvPr>
+            <p:ph type="body" sz="half" idx="2"/>
+          </p:nvPr>
+        </p:nvSpPr>
+        <p:spPr>
+          <a:xfrm>
+            <a:off x="609599" y="5367338"/>
+            <a:ext cx="6347714" cy="674024"/>
+          </a:xfrm>
+        </p:spPr>
+        <p:txBody>
+          <a:bodyPr>
+            <a:normAutofit/>
+          </a:bodyPr>
+          <a:lstStyle>
             <a:lvl1pPr marL="0" indent="0">
-              <a:lnSpc>
-                <a:spcPct val="100000"/>
-              </a:lnSpc>
-              <a:buNone/>
-              <a:defRPr sz="1400">
-                <a:solidFill>
-                  <a:srgbClr val="FFFFFF"/>
-                </a:solidFill>
-              </a:defRPr>
+              <a:buNone/>
+              <a:defRPr sz="1200"/>
             </a:lvl1pPr>
             <a:lvl2pPr marL="457200" indent="0">
               <a:buNone/>
@@ -2574,7 +4729,7 @@
       </p:sp>
       <p:sp>
         <p:nvSpPr>
-          <p:cNvPr id="8" name="Date Placeholder 7"/>
+          <p:cNvPr id="5" name="Date Placeholder 4"/>
           <p:cNvSpPr>
             <a:spLocks noGrp="1"/>
           </p:cNvSpPr>
@@ -2588,9 +4743,9 @@
           <a:lstStyle/>
           <a:p>
             <a:fld id="{5586B75A-687E-405C-8A0B-8D00578BA2C3}" type="datetimeFigureOut">
-              <a:rPr lang="en-US" dirty="0"/>
+              <a:rPr lang="en-US" smtClean="0"/>
               <a:pPr/>
-              <a:t>5/2/2014</a:t>
+              <a:t>5/3/2014</a:t>
             </a:fld>
             <a:endParaRPr lang="en-US" dirty="0"/>
           </a:p>
@@ -2598,7 +4753,7 @@
       </p:sp>
       <p:sp>
         <p:nvSpPr>
-          <p:cNvPr id="9" name="Footer Placeholder 8"/>
+          <p:cNvPr id="6" name="Footer Placeholder 5"/>
           <p:cNvSpPr>
             <a:spLocks noGrp="1"/>
           </p:cNvSpPr>
@@ -2606,12 +4761,7 @@
             <p:ph type="ftr" sz="quarter" idx="11"/>
           </p:nvPr>
         </p:nvSpPr>
-        <p:spPr>
-          <a:xfrm>
-            <a:off x="3499101" y="6356350"/>
-            <a:ext cx="5911517" cy="365125"/>
-          </a:xfrm>
-        </p:spPr>
+        <p:spPr/>
         <p:txBody>
           <a:bodyPr/>
           <a:lstStyle/>
@@ -2622,7 +4772,7 @@
       </p:sp>
       <p:sp>
         <p:nvSpPr>
-          <p:cNvPr id="10" name="Slide Number Placeholder 9"/>
+          <p:cNvPr id="7" name="Slide Number Placeholder 6"/>
           <p:cNvSpPr>
             <a:spLocks noGrp="1"/>
           </p:cNvSpPr>
@@ -2636,7 +4786,7 @@
           <a:lstStyle/>
           <a:p>
             <a:fld id="{4FAB73BC-B049-4115-A692-8D63A059BFB8}" type="slidenum">
-              <a:rPr lang="en-US" dirty="0"/>
+              <a:rPr lang="en-US" smtClean="0"/>
               <a:pPr/>
               <a:t>‹#›</a:t>
             </a:fld>
@@ -2645,6 +4795,11 @@
         </p:txBody>
       </p:sp>
     </p:spTree>
+    <p:extLst>
+      <p:ext uri="{BB962C8B-B14F-4D97-AF65-F5344CB8AC3E}">
+        <p14:creationId xmlns:p14="http://schemas.microsoft.com/office/powerpoint/2010/main" val="3683673390"/>
+      </p:ext>
+    </p:extLst>
   </p:cSld>
   <p:clrMapOvr>
     <a:masterClrMapping/>
@@ -2674,65 +4829,629 @@
           <a:chExt cx="0" cy="0"/>
         </a:xfrm>
       </p:grpSpPr>
-      <p:sp>
-        <p:nvSpPr>
-          <p:cNvPr id="7" name="Rectangle 6"/>
-          <p:cNvSpPr/>
+      <p:grpSp>
+        <p:nvGrpSpPr>
+          <p:cNvPr id="17" name="Group 16"/>
+          <p:cNvGrpSpPr/>
           <p:nvPr/>
+        </p:nvGrpSpPr>
+        <p:grpSpPr>
+          <a:xfrm>
+            <a:off x="-8467" y="-8468"/>
+            <a:ext cx="9171317" cy="6874935"/>
+            <a:chOff x="-8467" y="-8468"/>
+            <a:chExt cx="9171317" cy="6874935"/>
+          </a:xfrm>
+        </p:grpSpPr>
+        <p:sp>
+          <p:nvSpPr>
+            <p:cNvPr id="7" name="Freeform 6"/>
+            <p:cNvSpPr/>
+            <p:nvPr/>
+          </p:nvSpPr>
+          <p:spPr>
+            <a:xfrm>
+              <a:off x="-8467" y="4013200"/>
+              <a:ext cx="457200" cy="2853267"/>
+            </a:xfrm>
+            <a:custGeom>
+              <a:avLst/>
+              <a:gdLst/>
+              <a:ahLst/>
+              <a:cxnLst/>
+              <a:rect l="l" t="t" r="r" b="b"/>
+              <a:pathLst>
+                <a:path w="457200" h="2853267">
+                  <a:moveTo>
+                    <a:pt x="0" y="0"/>
+                  </a:moveTo>
+                  <a:lnTo>
+                    <a:pt x="457200" y="2853267"/>
+                  </a:lnTo>
+                  <a:lnTo>
+                    <a:pt x="0" y="2844800"/>
+                  </a:lnTo>
+                  <a:cubicBezTo>
+                    <a:pt x="2822" y="1905000"/>
+                    <a:pt x="5645" y="965200"/>
+                    <a:pt x="0" y="0"/>
+                  </a:cubicBezTo>
+                  <a:close/>
+                </a:path>
+              </a:pathLst>
+            </a:custGeom>
+            <a:solidFill>
+              <a:schemeClr val="accent1">
+                <a:alpha val="70000"/>
+              </a:schemeClr>
+            </a:solidFill>
+            <a:ln>
+              <a:noFill/>
+            </a:ln>
+            <a:effectLst/>
+          </p:spPr>
+          <p:style>
+            <a:lnRef idx="1">
+              <a:schemeClr val="accent1"/>
+            </a:lnRef>
+            <a:fillRef idx="3">
+              <a:schemeClr val="accent1"/>
+            </a:fillRef>
+            <a:effectRef idx="2">
+              <a:schemeClr val="accent1"/>
+            </a:effectRef>
+            <a:fontRef idx="minor">
+              <a:schemeClr val="lt1"/>
+            </a:fontRef>
+          </p:style>
+        </p:sp>
+        <p:cxnSp>
+          <p:nvCxnSpPr>
+            <p:cNvPr id="8" name="Straight Connector 7"/>
+            <p:cNvCxnSpPr/>
+            <p:nvPr/>
+          </p:nvCxnSpPr>
+          <p:spPr>
+            <a:xfrm flipV="1">
+              <a:off x="5130830" y="4175605"/>
+              <a:ext cx="4022475" cy="2682396"/>
+            </a:xfrm>
+            <a:prstGeom prst="line">
+              <a:avLst/>
+            </a:prstGeom>
+            <a:ln w="9525">
+              <a:solidFill>
+                <a:schemeClr val="accent1">
+                  <a:alpha val="70000"/>
+                </a:schemeClr>
+              </a:solidFill>
+            </a:ln>
+          </p:spPr>
+          <p:style>
+            <a:lnRef idx="2">
+              <a:schemeClr val="accent1"/>
+            </a:lnRef>
+            <a:fillRef idx="0">
+              <a:schemeClr val="accent1"/>
+            </a:fillRef>
+            <a:effectRef idx="1">
+              <a:schemeClr val="accent1"/>
+            </a:effectRef>
+            <a:fontRef idx="minor">
+              <a:schemeClr val="tx1"/>
+            </a:fontRef>
+          </p:style>
+        </p:cxnSp>
+        <p:cxnSp>
+          <p:nvCxnSpPr>
+            <p:cNvPr id="9" name="Straight Connector 8"/>
+            <p:cNvCxnSpPr/>
+            <p:nvPr/>
+          </p:nvCxnSpPr>
+          <p:spPr>
+            <a:xfrm>
+              <a:off x="7042707" y="0"/>
+              <a:ext cx="1219200" cy="6858000"/>
+            </a:xfrm>
+            <a:prstGeom prst="line">
+              <a:avLst/>
+            </a:prstGeom>
+            <a:ln w="9525">
+              <a:solidFill>
+                <a:schemeClr val="accent1">
+                  <a:alpha val="70000"/>
+                </a:schemeClr>
+              </a:solidFill>
+            </a:ln>
+          </p:spPr>
+          <p:style>
+            <a:lnRef idx="2">
+              <a:schemeClr val="accent1"/>
+            </a:lnRef>
+            <a:fillRef idx="0">
+              <a:schemeClr val="accent1"/>
+            </a:fillRef>
+            <a:effectRef idx="1">
+              <a:schemeClr val="accent1"/>
+            </a:effectRef>
+            <a:fontRef idx="minor">
+              <a:schemeClr val="tx1"/>
+            </a:fontRef>
+          </p:style>
+        </p:cxnSp>
+        <p:sp>
+          <p:nvSpPr>
+            <p:cNvPr id="10" name="Freeform 9"/>
+            <p:cNvSpPr/>
+            <p:nvPr/>
+          </p:nvSpPr>
+          <p:spPr>
+            <a:xfrm>
+              <a:off x="6891896" y="1"/>
+              <a:ext cx="2269442" cy="6866466"/>
+            </a:xfrm>
+            <a:custGeom>
+              <a:avLst/>
+              <a:gdLst/>
+              <a:ahLst/>
+              <a:cxnLst/>
+              <a:rect l="l" t="t" r="r" b="b"/>
+              <a:pathLst>
+                <a:path w="2269442" h="6866466">
+                  <a:moveTo>
+                    <a:pt x="2023534" y="0"/>
+                  </a:moveTo>
+                  <a:lnTo>
+                    <a:pt x="0" y="6858000"/>
+                  </a:lnTo>
+                  <a:lnTo>
+                    <a:pt x="2269067" y="6866466"/>
+                  </a:lnTo>
+                  <a:cubicBezTo>
+                    <a:pt x="2271889" y="4580466"/>
+                    <a:pt x="2257778" y="2294466"/>
+                    <a:pt x="2260600" y="8466"/>
+                  </a:cubicBezTo>
+                  <a:lnTo>
+                    <a:pt x="2023534" y="0"/>
+                  </a:lnTo>
+                  <a:close/>
+                </a:path>
+              </a:pathLst>
+            </a:custGeom>
+            <a:solidFill>
+              <a:schemeClr val="accent1">
+                <a:alpha val="36000"/>
+              </a:schemeClr>
+            </a:solidFill>
+            <a:ln>
+              <a:noFill/>
+            </a:ln>
+            <a:effectLst/>
+          </p:spPr>
+          <p:style>
+            <a:lnRef idx="1">
+              <a:schemeClr val="accent1"/>
+            </a:lnRef>
+            <a:fillRef idx="3">
+              <a:schemeClr val="accent1"/>
+            </a:fillRef>
+            <a:effectRef idx="2">
+              <a:schemeClr val="accent1"/>
+            </a:effectRef>
+            <a:fontRef idx="minor">
+              <a:schemeClr val="lt1"/>
+            </a:fontRef>
+          </p:style>
+        </p:sp>
+        <p:sp>
+          <p:nvSpPr>
+            <p:cNvPr id="11" name="Freeform 10"/>
+            <p:cNvSpPr/>
+            <p:nvPr/>
+          </p:nvSpPr>
+          <p:spPr>
+            <a:xfrm>
+              <a:off x="7205158" y="-8467"/>
+              <a:ext cx="1948147" cy="6866467"/>
+            </a:xfrm>
+            <a:custGeom>
+              <a:avLst/>
+              <a:gdLst/>
+              <a:ahLst/>
+              <a:cxnLst/>
+              <a:rect l="l" t="t" r="r" b="b"/>
+              <a:pathLst>
+                <a:path w="1948147" h="6866467">
+                  <a:moveTo>
+                    <a:pt x="0" y="0"/>
+                  </a:moveTo>
+                  <a:lnTo>
+                    <a:pt x="1202267" y="6866467"/>
+                  </a:lnTo>
+                  <a:lnTo>
+                    <a:pt x="1947333" y="6866467"/>
+                  </a:lnTo>
+                  <a:cubicBezTo>
+                    <a:pt x="1944511" y="4577645"/>
+                    <a:pt x="1950155" y="2288822"/>
+                    <a:pt x="1947333" y="0"/>
+                  </a:cubicBezTo>
+                  <a:lnTo>
+                    <a:pt x="0" y="0"/>
+                  </a:lnTo>
+                  <a:close/>
+                </a:path>
+              </a:pathLst>
+            </a:custGeom>
+            <a:solidFill>
+              <a:schemeClr val="accent1">
+                <a:alpha val="20000"/>
+              </a:schemeClr>
+            </a:solidFill>
+            <a:ln>
+              <a:noFill/>
+            </a:ln>
+            <a:effectLst/>
+          </p:spPr>
+          <p:style>
+            <a:lnRef idx="1">
+              <a:schemeClr val="accent1"/>
+            </a:lnRef>
+            <a:fillRef idx="3">
+              <a:schemeClr val="accent1"/>
+            </a:fillRef>
+            <a:effectRef idx="2">
+              <a:schemeClr val="accent1"/>
+            </a:effectRef>
+            <a:fontRef idx="minor">
+              <a:schemeClr val="lt1"/>
+            </a:fontRef>
+          </p:style>
+        </p:sp>
+        <p:sp>
+          <p:nvSpPr>
+            <p:cNvPr id="12" name="Freeform 11"/>
+            <p:cNvSpPr/>
+            <p:nvPr/>
+          </p:nvSpPr>
+          <p:spPr>
+            <a:xfrm>
+              <a:off x="6637896" y="3920066"/>
+              <a:ext cx="2513565" cy="2937933"/>
+            </a:xfrm>
+            <a:custGeom>
+              <a:avLst/>
+              <a:gdLst/>
+              <a:ahLst/>
+              <a:cxnLst/>
+              <a:rect l="l" t="t" r="r" b="b"/>
+              <a:pathLst>
+                <a:path w="3259667" h="3810000">
+                  <a:moveTo>
+                    <a:pt x="0" y="3810000"/>
+                  </a:moveTo>
+                  <a:lnTo>
+                    <a:pt x="3251200" y="0"/>
+                  </a:lnTo>
+                  <a:cubicBezTo>
+                    <a:pt x="3254022" y="1270000"/>
+                    <a:pt x="3256845" y="2540000"/>
+                    <a:pt x="3259667" y="3810000"/>
+                  </a:cubicBezTo>
+                  <a:lnTo>
+                    <a:pt x="0" y="3810000"/>
+                  </a:lnTo>
+                  <a:close/>
+                </a:path>
+              </a:pathLst>
+            </a:custGeom>
+            <a:solidFill>
+              <a:schemeClr val="accent1">
+                <a:lumMod val="75000"/>
+                <a:alpha val="66000"/>
+              </a:schemeClr>
+            </a:solidFill>
+            <a:ln>
+              <a:noFill/>
+            </a:ln>
+            <a:effectLst/>
+          </p:spPr>
+          <p:style>
+            <a:lnRef idx="1">
+              <a:schemeClr val="accent1"/>
+            </a:lnRef>
+            <a:fillRef idx="3">
+              <a:schemeClr val="accent1"/>
+            </a:fillRef>
+            <a:effectRef idx="2">
+              <a:schemeClr val="accent1"/>
+            </a:effectRef>
+            <a:fontRef idx="minor">
+              <a:schemeClr val="lt1"/>
+            </a:fontRef>
+          </p:style>
+        </p:sp>
+        <p:sp>
+          <p:nvSpPr>
+            <p:cNvPr id="13" name="Freeform 12"/>
+            <p:cNvSpPr/>
+            <p:nvPr/>
+          </p:nvSpPr>
+          <p:spPr>
+            <a:xfrm>
+              <a:off x="7010429" y="-8467"/>
+              <a:ext cx="2142876" cy="6866467"/>
+            </a:xfrm>
+            <a:custGeom>
+              <a:avLst/>
+              <a:gdLst/>
+              <a:ahLst/>
+              <a:cxnLst/>
+              <a:rect l="l" t="t" r="r" b="b"/>
+              <a:pathLst>
+                <a:path w="2853267" h="6866467">
+                  <a:moveTo>
+                    <a:pt x="0" y="0"/>
+                  </a:moveTo>
+                  <a:lnTo>
+                    <a:pt x="2472267" y="6866467"/>
+                  </a:lnTo>
+                  <a:lnTo>
+                    <a:pt x="2853267" y="6858000"/>
+                  </a:lnTo>
+                  <a:lnTo>
+                    <a:pt x="2853267" y="0"/>
+                  </a:lnTo>
+                  <a:lnTo>
+                    <a:pt x="0" y="0"/>
+                  </a:lnTo>
+                  <a:close/>
+                </a:path>
+              </a:pathLst>
+            </a:custGeom>
+            <a:solidFill>
+              <a:schemeClr val="accent1">
+                <a:lumMod val="75000"/>
+                <a:alpha val="50000"/>
+              </a:schemeClr>
+            </a:solidFill>
+            <a:ln>
+              <a:noFill/>
+            </a:ln>
+            <a:effectLst/>
+          </p:spPr>
+          <p:style>
+            <a:lnRef idx="1">
+              <a:schemeClr val="accent1"/>
+            </a:lnRef>
+            <a:fillRef idx="3">
+              <a:schemeClr val="accent1"/>
+            </a:fillRef>
+            <a:effectRef idx="2">
+              <a:schemeClr val="accent1"/>
+            </a:effectRef>
+            <a:fontRef idx="minor">
+              <a:schemeClr val="lt1"/>
+            </a:fontRef>
+          </p:style>
+        </p:sp>
+        <p:sp>
+          <p:nvSpPr>
+            <p:cNvPr id="14" name="Freeform 13"/>
+            <p:cNvSpPr/>
+            <p:nvPr/>
+          </p:nvSpPr>
+          <p:spPr>
+            <a:xfrm>
+              <a:off x="8295776" y="-8467"/>
+              <a:ext cx="857530" cy="6866467"/>
+            </a:xfrm>
+            <a:custGeom>
+              <a:avLst/>
+              <a:gdLst/>
+              <a:ahLst/>
+              <a:cxnLst/>
+              <a:rect l="l" t="t" r="r" b="b"/>
+              <a:pathLst>
+                <a:path w="1286933" h="6866467">
+                  <a:moveTo>
+                    <a:pt x="1016000" y="0"/>
+                  </a:moveTo>
+                  <a:lnTo>
+                    <a:pt x="0" y="6866467"/>
+                  </a:lnTo>
+                  <a:lnTo>
+                    <a:pt x="1286933" y="6866467"/>
+                  </a:lnTo>
+                  <a:cubicBezTo>
+                    <a:pt x="1284111" y="4577645"/>
+                    <a:pt x="1281288" y="2288822"/>
+                    <a:pt x="1278466" y="0"/>
+                  </a:cubicBezTo>
+                  <a:lnTo>
+                    <a:pt x="1016000" y="0"/>
+                  </a:lnTo>
+                  <a:close/>
+                </a:path>
+              </a:pathLst>
+            </a:custGeom>
+            <a:solidFill>
+              <a:schemeClr val="accent2">
+                <a:alpha val="70000"/>
+              </a:schemeClr>
+            </a:solidFill>
+            <a:ln>
+              <a:noFill/>
+            </a:ln>
+            <a:effectLst/>
+          </p:spPr>
+          <p:style>
+            <a:lnRef idx="1">
+              <a:schemeClr val="accent1"/>
+            </a:lnRef>
+            <a:fillRef idx="3">
+              <a:schemeClr val="accent1"/>
+            </a:fillRef>
+            <a:effectRef idx="2">
+              <a:schemeClr val="accent1"/>
+            </a:effectRef>
+            <a:fontRef idx="minor">
+              <a:schemeClr val="lt1"/>
+            </a:fontRef>
+          </p:style>
+        </p:sp>
+        <p:sp>
+          <p:nvSpPr>
+            <p:cNvPr id="15" name="Freeform 14"/>
+            <p:cNvSpPr/>
+            <p:nvPr/>
+          </p:nvSpPr>
+          <p:spPr>
+            <a:xfrm>
+              <a:off x="8094165" y="-8468"/>
+              <a:ext cx="1066770" cy="6866467"/>
+            </a:xfrm>
+            <a:custGeom>
+              <a:avLst/>
+              <a:gdLst/>
+              <a:ahLst/>
+              <a:cxnLst/>
+              <a:rect l="l" t="t" r="r" b="b"/>
+              <a:pathLst>
+                <a:path w="1270244" h="6866467">
+                  <a:moveTo>
+                    <a:pt x="0" y="0"/>
+                  </a:moveTo>
+                  <a:lnTo>
+                    <a:pt x="1117600" y="6866467"/>
+                  </a:lnTo>
+                  <a:lnTo>
+                    <a:pt x="1270000" y="6866467"/>
+                  </a:lnTo>
+                  <a:cubicBezTo>
+                    <a:pt x="1272822" y="4574822"/>
+                    <a:pt x="1250245" y="2291645"/>
+                    <a:pt x="1253067" y="0"/>
+                  </a:cubicBezTo>
+                  <a:lnTo>
+                    <a:pt x="0" y="0"/>
+                  </a:lnTo>
+                  <a:close/>
+                </a:path>
+              </a:pathLst>
+            </a:custGeom>
+            <a:solidFill>
+              <a:schemeClr val="accent2">
+                <a:lumMod val="75000"/>
+                <a:alpha val="82000"/>
+              </a:schemeClr>
+            </a:solidFill>
+            <a:ln>
+              <a:noFill/>
+            </a:ln>
+            <a:effectLst/>
+          </p:spPr>
+          <p:style>
+            <a:lnRef idx="1">
+              <a:schemeClr val="accent1"/>
+            </a:lnRef>
+            <a:fillRef idx="3">
+              <a:schemeClr val="accent1"/>
+            </a:fillRef>
+            <a:effectRef idx="2">
+              <a:schemeClr val="accent1"/>
+            </a:effectRef>
+            <a:fontRef idx="minor">
+              <a:schemeClr val="lt1"/>
+            </a:fontRef>
+          </p:style>
+        </p:sp>
+        <p:sp>
+          <p:nvSpPr>
+            <p:cNvPr id="16" name="Freeform 15"/>
+            <p:cNvSpPr/>
+            <p:nvPr/>
+          </p:nvSpPr>
+          <p:spPr>
+            <a:xfrm>
+              <a:off x="8068764" y="4893733"/>
+              <a:ext cx="1094086" cy="1964267"/>
+            </a:xfrm>
+            <a:custGeom>
+              <a:avLst/>
+              <a:gdLst/>
+              <a:ahLst/>
+              <a:cxnLst/>
+              <a:rect l="l" t="t" r="r" b="b"/>
+              <a:pathLst>
+                <a:path w="1820333" h="3268133">
+                  <a:moveTo>
+                    <a:pt x="0" y="3268133"/>
+                  </a:moveTo>
+                  <a:lnTo>
+                    <a:pt x="1811866" y="0"/>
+                  </a:lnTo>
+                  <a:cubicBezTo>
+                    <a:pt x="1814688" y="1086555"/>
+                    <a:pt x="1817511" y="2173111"/>
+                    <a:pt x="1820333" y="3259666"/>
+                  </a:cubicBezTo>
+                  <a:lnTo>
+                    <a:pt x="0" y="3268133"/>
+                  </a:lnTo>
+                  <a:close/>
+                </a:path>
+              </a:pathLst>
+            </a:custGeom>
+            <a:solidFill>
+              <a:schemeClr val="accent1">
+                <a:lumMod val="75000"/>
+                <a:alpha val="66000"/>
+              </a:schemeClr>
+            </a:solidFill>
+            <a:ln>
+              <a:noFill/>
+            </a:ln>
+            <a:effectLst/>
+          </p:spPr>
+          <p:style>
+            <a:lnRef idx="1">
+              <a:schemeClr val="accent1"/>
+            </a:lnRef>
+            <a:fillRef idx="3">
+              <a:schemeClr val="accent1"/>
+            </a:fillRef>
+            <a:effectRef idx="2">
+              <a:schemeClr val="accent1"/>
+            </a:effectRef>
+            <a:fontRef idx="minor">
+              <a:schemeClr val="lt1"/>
+            </a:fontRef>
+          </p:style>
+        </p:sp>
+      </p:grpSp>
+      <p:sp>
+        <p:nvSpPr>
+          <p:cNvPr id="2" name="Title Placeholder 1"/>
+          <p:cNvSpPr>
+            <a:spLocks noGrp="1"/>
+          </p:cNvSpPr>
+          <p:nvPr>
+            <p:ph type="title"/>
+          </p:nvPr>
         </p:nvSpPr>
         <p:spPr>
           <a:xfrm>
-            <a:off x="1" y="758952"/>
-            <a:ext cx="3443590" cy="5330952"/>
-          </a:xfrm>
-          <a:prstGeom prst="rect">
-            <a:avLst/>
-          </a:prstGeom>
-          <a:solidFill>
-            <a:schemeClr val="accent1"/>
-          </a:solidFill>
-          <a:ln>
-            <a:noFill/>
-          </a:ln>
-        </p:spPr>
-        <p:style>
-          <a:lnRef idx="2">
-            <a:schemeClr val="accent1">
-              <a:shade val="50000"/>
-            </a:schemeClr>
-          </a:lnRef>
-          <a:fillRef idx="1">
-            <a:schemeClr val="accent1"/>
-          </a:fillRef>
-          <a:effectRef idx="0">
-            <a:schemeClr val="accent1"/>
-          </a:effectRef>
-          <a:fontRef idx="minor">
-            <a:schemeClr val="lt1"/>
-          </a:fontRef>
-        </p:style>
-      </p:sp>
-      <p:sp>
-        <p:nvSpPr>
-          <p:cNvPr id="2" name="Title Placeholder 1"/>
-          <p:cNvSpPr>
-            <a:spLocks noGrp="1"/>
-          </p:cNvSpPr>
-          <p:nvPr>
-            <p:ph type="title"/>
-          </p:nvPr>
-        </p:nvSpPr>
-        <p:spPr>
-          <a:xfrm>
-            <a:off x="252919" y="1123837"/>
-            <a:ext cx="2947482" cy="4601183"/>
+            <a:off x="609599" y="609600"/>
+            <a:ext cx="6347713" cy="1320800"/>
           </a:xfrm>
           <a:prstGeom prst="rect">
             <a:avLst/>
           </a:prstGeom>
         </p:spPr>
         <p:txBody>
-          <a:bodyPr vert="horz" lIns="91440" tIns="45720" rIns="91440" bIns="45720" rtlCol="0" anchor="ctr">
+          <a:bodyPr vert="horz" lIns="91440" tIns="45720" rIns="91440" bIns="45720" rtlCol="0" anchor="t">
             <a:normAutofit/>
           </a:bodyPr>
           <a:lstStyle/>
@@ -2747,65 +5466,25 @@
       </p:sp>
       <p:sp>
         <p:nvSpPr>
-          <p:cNvPr id="38" name="Rectangle 37"/>
-          <p:cNvSpPr/>
-          <p:nvPr/>
+          <p:cNvPr id="3" name="Text Placeholder 2"/>
+          <p:cNvSpPr>
+            <a:spLocks noGrp="1"/>
+          </p:cNvSpPr>
+          <p:nvPr>
+            <p:ph type="body" idx="1"/>
+          </p:nvPr>
         </p:nvSpPr>
         <p:spPr>
           <a:xfrm>
-            <a:off x="11815864" y="758952"/>
-            <a:ext cx="384048" cy="5330952"/>
-          </a:xfrm>
-          <a:prstGeom prst="rect">
-            <a:avLst/>
-          </a:prstGeom>
-          <a:solidFill>
-            <a:srgbClr val="C8C8C8">
-              <a:alpha val="49804"/>
-            </a:srgbClr>
-          </a:solidFill>
-          <a:ln>
-            <a:noFill/>
-          </a:ln>
-        </p:spPr>
-        <p:style>
-          <a:lnRef idx="2">
-            <a:schemeClr val="accent1">
-              <a:shade val="50000"/>
-            </a:schemeClr>
-          </a:lnRef>
-          <a:fillRef idx="1">
-            <a:schemeClr val="accent1"/>
-          </a:fillRef>
-          <a:effectRef idx="0">
-            <a:schemeClr val="accent1"/>
-          </a:effectRef>
-          <a:fontRef idx="minor">
-            <a:schemeClr val="lt1"/>
-          </a:fontRef>
-        </p:style>
-      </p:sp>
-      <p:sp>
-        <p:nvSpPr>
-          <p:cNvPr id="3" name="Text Placeholder 2"/>
-          <p:cNvSpPr>
-            <a:spLocks noGrp="1"/>
-          </p:cNvSpPr>
-          <p:nvPr>
-            <p:ph type="body" idx="1"/>
-          </p:nvPr>
-        </p:nvSpPr>
-        <p:spPr>
-          <a:xfrm>
-            <a:off x="3869268" y="864108"/>
-            <a:ext cx="7315200" cy="5120640"/>
+            <a:off x="609599" y="2160590"/>
+            <a:ext cx="6347714" cy="3880773"/>
           </a:xfrm>
           <a:prstGeom prst="rect">
             <a:avLst/>
           </a:prstGeom>
         </p:spPr>
         <p:txBody>
-          <a:bodyPr vert="horz" lIns="91440" tIns="45720" rIns="91440" bIns="45720" rtlCol="0" anchor="ctr">
+          <a:bodyPr vert="horz" lIns="91440" tIns="45720" rIns="91440" bIns="45720" rtlCol="0">
             <a:normAutofit/>
           </a:bodyPr>
           <a:lstStyle/>
@@ -2859,8 +5538,8 @@
         </p:nvSpPr>
         <p:spPr>
           <a:xfrm>
-            <a:off x="262465" y="6356350"/>
-            <a:ext cx="2743200" cy="365125"/>
+            <a:off x="5405258" y="6041363"/>
+            <a:ext cx="684132" cy="365125"/>
           </a:xfrm>
           <a:prstGeom prst="rect">
             <a:avLst/>
@@ -2869,12 +5548,11 @@
         <p:txBody>
           <a:bodyPr vert="horz" lIns="91440" tIns="45720" rIns="91440" bIns="45720" rtlCol="0" anchor="ctr"/>
           <a:lstStyle>
-            <a:lvl1pPr algn="l">
-              <a:defRPr sz="1100">
+            <a:lvl1pPr algn="r">
+              <a:defRPr sz="900">
                 <a:solidFill>
                   <a:schemeClr val="tx1">
-                    <a:lumMod val="50000"/>
-                    <a:lumOff val="50000"/>
+                    <a:tint val="75000"/>
                   </a:schemeClr>
                 </a:solidFill>
               </a:defRPr>
@@ -2882,9 +5560,9 @@
           </a:lstStyle>
           <a:p>
             <a:fld id="{5586B75A-687E-405C-8A0B-8D00578BA2C3}" type="datetimeFigureOut">
-              <a:rPr lang="en-US" dirty="0"/>
+              <a:rPr lang="en-US" smtClean="0"/>
               <a:pPr/>
-              <a:t>5/2/2014</a:t>
+              <a:t>5/3/2014</a:t>
             </a:fld>
             <a:endParaRPr lang="en-US" dirty="0"/>
           </a:p>
@@ -2902,8 +5580,8 @@
         </p:nvSpPr>
         <p:spPr>
           <a:xfrm>
-            <a:off x="3869268" y="6356350"/>
-            <a:ext cx="5911517" cy="365125"/>
+            <a:off x="609599" y="6041363"/>
+            <a:ext cx="4622973" cy="365125"/>
           </a:xfrm>
           <a:prstGeom prst="rect">
             <a:avLst/>
@@ -2913,11 +5591,10 @@
           <a:bodyPr vert="horz" lIns="91440" tIns="45720" rIns="91440" bIns="45720" rtlCol="0" anchor="ctr"/>
           <a:lstStyle>
             <a:lvl1pPr algn="l">
-              <a:defRPr sz="1100">
+              <a:defRPr sz="900">
                 <a:solidFill>
                   <a:schemeClr val="tx1">
-                    <a:lumMod val="50000"/>
-                    <a:lumOff val="50000"/>
+                    <a:tint val="75000"/>
                   </a:schemeClr>
                 </a:solidFill>
               </a:defRPr>
@@ -2940,8 +5617,8 @@
         </p:nvSpPr>
         <p:spPr>
           <a:xfrm>
-            <a:off x="10634135" y="6356350"/>
-            <a:ext cx="1530927" cy="365125"/>
+            <a:off x="6444676" y="6041363"/>
+            <a:ext cx="512638" cy="365125"/>
           </a:xfrm>
           <a:prstGeom prst="rect">
             <a:avLst/>
@@ -2951,7 +5628,7 @@
           <a:bodyPr vert="horz" lIns="91440" tIns="45720" rIns="91440" bIns="45720" rtlCol="0" anchor="ctr"/>
           <a:lstStyle>
             <a:lvl1pPr algn="r">
-              <a:defRPr sz="1200" b="1">
+              <a:defRPr sz="900">
                 <a:solidFill>
                   <a:schemeClr val="accent1"/>
                 </a:solidFill>
@@ -2960,7 +5637,7 @@
           </a:lstStyle>
           <a:p>
             <a:fld id="{4FAB73BC-B049-4115-A692-8D63A059BFB8}" type="slidenum">
-              <a:rPr lang="en-US" dirty="0"/>
+              <a:rPr lang="en-US" smtClean="0"/>
               <a:pPr/>
               <a:t>‹#›</a:t>
             </a:fld>
@@ -2969,60 +5646,124 @@
         </p:txBody>
       </p:sp>
     </p:spTree>
+    <p:extLst>
+      <p:ext uri="{BB962C8B-B14F-4D97-AF65-F5344CB8AC3E}">
+        <p14:creationId xmlns:p14="http://schemas.microsoft.com/office/powerpoint/2010/main" val="3742744674"/>
+      </p:ext>
+    </p:extLst>
   </p:cSld>
   <p:clrMap bg1="lt1" tx1="dk1" bg2="lt2" tx2="dk2" accent1="accent1" accent2="accent2" accent3="accent3" accent4="accent4" accent5="accent5" accent6="accent6" hlink="hlink" folHlink="folHlink"/>
   <p:sldLayoutIdLst>
-    <p:sldLayoutId id="2147483841" r:id="rId1"/>
-    <p:sldLayoutId id="2147483842" r:id="rId2"/>
-    <p:sldLayoutId id="2147483843" r:id="rId3"/>
-    <p:sldLayoutId id="2147483844" r:id="rId4"/>
-    <p:sldLayoutId id="2147483845" r:id="rId5"/>
-    <p:sldLayoutId id="2147483846" r:id="rId6"/>
-    <p:sldLayoutId id="2147483847" r:id="rId7"/>
-    <p:sldLayoutId id="2147483848" r:id="rId8"/>
-    <p:sldLayoutId id="2147483849" r:id="rId9"/>
-    <p:sldLayoutId id="2147483850" r:id="rId10"/>
-    <p:sldLayoutId id="2147483851" r:id="rId11"/>
+    <p:sldLayoutId id="2147483882" r:id="rId1"/>
+    <p:sldLayoutId id="2147483883" r:id="rId2"/>
+    <p:sldLayoutId id="2147483884" r:id="rId3"/>
+    <p:sldLayoutId id="2147483885" r:id="rId4"/>
+    <p:sldLayoutId id="2147483886" r:id="rId5"/>
+    <p:sldLayoutId id="2147483887" r:id="rId6"/>
+    <p:sldLayoutId id="2147483888" r:id="rId7"/>
+    <p:sldLayoutId id="2147483889" r:id="rId8"/>
+    <p:sldLayoutId id="2147483890" r:id="rId9"/>
+    <p:sldLayoutId id="2147483891" r:id="rId10"/>
+    <p:sldLayoutId id="2147483892" r:id="rId11"/>
+    <p:sldLayoutId id="2147483893" r:id="rId12"/>
+    <p:sldLayoutId id="2147483894" r:id="rId13"/>
+    <p:sldLayoutId id="2147483895" r:id="rId14"/>
+    <p:sldLayoutId id="2147483896" r:id="rId15"/>
+    <p:sldLayoutId id="2147483897" r:id="rId16"/>
   </p:sldLayoutIdLst>
   <p:hf sldNum="0" hdr="0" ftr="0" dt="0"/>
   <p:txStyles>
     <p:titleStyle>
-      <a:lvl1pPr algn="l" defTabSz="914400" rtl="0" eaLnBrk="1" latinLnBrk="0" hangingPunct="1">
-        <a:lnSpc>
-          <a:spcPct val="90000"/>
-        </a:lnSpc>
+      <a:lvl1pPr algn="l" defTabSz="457200" rtl="0" eaLnBrk="1" latinLnBrk="0" hangingPunct="1">
         <a:spcBef>
           <a:spcPct val="0"/>
         </a:spcBef>
         <a:buNone/>
-        <a:defRPr sz="3600" kern="1200" spc="-60" baseline="0">
+        <a:defRPr sz="3600" kern="1200">
           <a:solidFill>
-            <a:srgbClr val="FFFFFF"/>
+            <a:schemeClr val="accent1"/>
           </a:solidFill>
           <a:latin typeface="+mj-lt"/>
           <a:ea typeface="+mj-ea"/>
           <a:cs typeface="+mj-cs"/>
         </a:defRPr>
       </a:lvl1pPr>
+      <a:lvl2pPr eaLnBrk="1" hangingPunct="1">
+        <a:defRPr>
+          <a:solidFill>
+            <a:schemeClr val="tx2"/>
+          </a:solidFill>
+        </a:defRPr>
+      </a:lvl2pPr>
+      <a:lvl3pPr eaLnBrk="1" hangingPunct="1">
+        <a:defRPr>
+          <a:solidFill>
+            <a:schemeClr val="tx2"/>
+          </a:solidFill>
+        </a:defRPr>
+      </a:lvl3pPr>
+      <a:lvl4pPr eaLnBrk="1" hangingPunct="1">
+        <a:defRPr>
+          <a:solidFill>
+            <a:schemeClr val="tx2"/>
+          </a:solidFill>
+        </a:defRPr>
+      </a:lvl4pPr>
+      <a:lvl5pPr eaLnBrk="1" hangingPunct="1">
+        <a:defRPr>
+          <a:solidFill>
+            <a:schemeClr val="tx2"/>
+          </a:solidFill>
+        </a:defRPr>
+      </a:lvl5pPr>
+      <a:lvl6pPr eaLnBrk="1" hangingPunct="1">
+        <a:defRPr>
+          <a:solidFill>
+            <a:schemeClr val="tx2"/>
+          </a:solidFill>
+        </a:defRPr>
+      </a:lvl6pPr>
+      <a:lvl7pPr eaLnBrk="1" hangingPunct="1">
+        <a:defRPr>
+          <a:solidFill>
+            <a:schemeClr val="tx2"/>
+          </a:solidFill>
+        </a:defRPr>
+      </a:lvl7pPr>
+      <a:lvl8pPr eaLnBrk="1" hangingPunct="1">
+        <a:defRPr>
+          <a:solidFill>
+            <a:schemeClr val="tx2"/>
+          </a:solidFill>
+        </a:defRPr>
+      </a:lvl8pPr>
+      <a:lvl9pPr eaLnBrk="1" hangingPunct="1">
+        <a:defRPr>
+          <a:solidFill>
+            <a:schemeClr val="tx2"/>
+          </a:solidFill>
+        </a:defRPr>
+      </a:lvl9pPr>
     </p:titleStyle>
     <p:bodyStyle>
-      <a:lvl1pPr marL="182880" indent="-182880" algn="l" defTabSz="914400" rtl="0" eaLnBrk="1" latinLnBrk="0" hangingPunct="1">
-        <a:lnSpc>
-          <a:spcPct val="90000"/>
-        </a:lnSpc>
+      <a:lvl1pPr marL="342900" indent="-342900" algn="l" defTabSz="457200" rtl="0" eaLnBrk="1" latinLnBrk="0" hangingPunct="1">
         <a:spcBef>
-          <a:spcPts val="1200"/>
+          <a:spcPts val="1000"/>
         </a:spcBef>
+        <a:spcAft>
+          <a:spcPts val="0"/>
+        </a:spcAft>
         <a:buClr>
           <a:schemeClr val="accent1"/>
         </a:buClr>
-        <a:buFont typeface="Wingdings 2" pitchFamily="18" charset="2"/>
-        <a:buChar char=""/>
-        <a:defRPr sz="2000" kern="1200">
+        <a:buSzPct val="80000"/>
+        <a:buFont typeface="Wingdings 3" charset="2"/>
+        <a:buChar char=""/>
+        <a:defRPr sz="1800" kern="1200">
           <a:solidFill>
             <a:schemeClr val="tx1">
-              <a:lumMod val="65000"/>
-              <a:lumOff val="35000"/>
+              <a:lumMod val="75000"/>
+              <a:lumOff val="25000"/>
             </a:schemeClr>
           </a:solidFill>
           <a:latin typeface="+mn-lt"/>
@@ -3030,26 +5771,24 @@
           <a:cs typeface="+mn-cs"/>
         </a:defRPr>
       </a:lvl1pPr>
-      <a:lvl2pPr marL="685800" indent="-182880" algn="l" defTabSz="914400" rtl="0" eaLnBrk="1" latinLnBrk="0" hangingPunct="1">
-        <a:lnSpc>
-          <a:spcPct val="90000"/>
-        </a:lnSpc>
+      <a:lvl2pPr marL="742950" indent="-285750" algn="l" defTabSz="457200" rtl="0" eaLnBrk="1" latinLnBrk="0" hangingPunct="1">
         <a:spcBef>
-          <a:spcPts val="250"/>
+          <a:spcPts val="1000"/>
         </a:spcBef>
         <a:spcAft>
-          <a:spcPts val="250"/>
+          <a:spcPts val="0"/>
         </a:spcAft>
         <a:buClr>
           <a:schemeClr val="accent1"/>
         </a:buClr>
-        <a:buFont typeface="Wingdings 2" pitchFamily="18" charset="2"/>
-        <a:buChar char=""/>
-        <a:defRPr sz="1800" kern="1200">
+        <a:buSzPct val="80000"/>
+        <a:buFont typeface="Wingdings 3" charset="2"/>
+        <a:buChar char=""/>
+        <a:defRPr sz="1600" kern="1200">
           <a:solidFill>
             <a:schemeClr val="tx1">
-              <a:lumMod val="65000"/>
-              <a:lumOff val="35000"/>
+              <a:lumMod val="75000"/>
+              <a:lumOff val="25000"/>
             </a:schemeClr>
           </a:solidFill>
           <a:latin typeface="+mn-lt"/>
@@ -3057,26 +5796,24 @@
           <a:cs typeface="+mn-cs"/>
         </a:defRPr>
       </a:lvl2pPr>
-      <a:lvl3pPr marL="1143000" indent="-182880" algn="l" defTabSz="914400" rtl="0" eaLnBrk="1" latinLnBrk="0" hangingPunct="1">
-        <a:lnSpc>
-          <a:spcPct val="90000"/>
-        </a:lnSpc>
+      <a:lvl3pPr marL="1143000" indent="-228600" algn="l" defTabSz="457200" rtl="0" eaLnBrk="1" latinLnBrk="0" hangingPunct="1">
         <a:spcBef>
-          <a:spcPts val="250"/>
+          <a:spcPts val="1000"/>
         </a:spcBef>
         <a:spcAft>
-          <a:spcPts val="250"/>
+          <a:spcPts val="0"/>
         </a:spcAft>
         <a:buClr>
           <a:schemeClr val="accent1"/>
         </a:buClr>
-        <a:buFont typeface="Wingdings 2" pitchFamily="18" charset="2"/>
-        <a:buChar char=""/>
-        <a:defRPr sz="1600" kern="1200">
+        <a:buSzPct val="80000"/>
+        <a:buFont typeface="Wingdings 3" charset="2"/>
+        <a:buChar char=""/>
+        <a:defRPr sz="1400" kern="1200">
           <a:solidFill>
             <a:schemeClr val="tx1">
-              <a:lumMod val="65000"/>
-              <a:lumOff val="35000"/>
+              <a:lumMod val="75000"/>
+              <a:lumOff val="25000"/>
             </a:schemeClr>
           </a:solidFill>
           <a:latin typeface="+mn-lt"/>
@@ -3084,26 +5821,24 @@
           <a:cs typeface="+mn-cs"/>
         </a:defRPr>
       </a:lvl3pPr>
-      <a:lvl4pPr marL="1600200" indent="-182880" algn="l" defTabSz="914400" rtl="0" eaLnBrk="1" latinLnBrk="0" hangingPunct="1">
-        <a:lnSpc>
-          <a:spcPct val="90000"/>
-        </a:lnSpc>
+      <a:lvl4pPr marL="1600200" indent="-228600" algn="l" defTabSz="457200" rtl="0" eaLnBrk="1" latinLnBrk="0" hangingPunct="1">
         <a:spcBef>
-          <a:spcPts val="250"/>
+          <a:spcPts val="1000"/>
         </a:spcBef>
         <a:spcAft>
-          <a:spcPts val="250"/>
+          <a:spcPts val="0"/>
         </a:spcAft>
         <a:buClr>
           <a:schemeClr val="accent1"/>
         </a:buClr>
-        <a:buFont typeface="Wingdings 2" pitchFamily="18" charset="2"/>
-        <a:buChar char=""/>
-        <a:defRPr sz="1400" kern="1200">
+        <a:buSzPct val="80000"/>
+        <a:buFont typeface="Wingdings 3" charset="2"/>
+        <a:buChar char=""/>
+        <a:defRPr sz="1200" kern="1200">
           <a:solidFill>
             <a:schemeClr val="tx1">
-              <a:lumMod val="65000"/>
-              <a:lumOff val="35000"/>
+              <a:lumMod val="75000"/>
+              <a:lumOff val="25000"/>
             </a:schemeClr>
           </a:solidFill>
           <a:latin typeface="+mn-lt"/>
@@ -3111,26 +5846,24 @@
           <a:cs typeface="+mn-cs"/>
         </a:defRPr>
       </a:lvl4pPr>
-      <a:lvl5pPr marL="2057400" indent="-182880" algn="l" defTabSz="914400" rtl="0" eaLnBrk="1" latinLnBrk="0" hangingPunct="1">
-        <a:lnSpc>
-          <a:spcPct val="90000"/>
-        </a:lnSpc>
+      <a:lvl5pPr marL="2057400" indent="-228600" algn="l" defTabSz="457200" rtl="0" eaLnBrk="1" latinLnBrk="0" hangingPunct="1">
         <a:spcBef>
-          <a:spcPts val="250"/>
+          <a:spcPts val="1000"/>
         </a:spcBef>
         <a:spcAft>
-          <a:spcPts val="250"/>
+          <a:spcPts val="0"/>
         </a:spcAft>
         <a:buClr>
           <a:schemeClr val="accent1"/>
         </a:buClr>
-        <a:buFont typeface="Wingdings 2" pitchFamily="18" charset="2"/>
-        <a:buChar char=""/>
-        <a:defRPr sz="1400" kern="1200">
+        <a:buSzPct val="80000"/>
+        <a:buFont typeface="Wingdings 3" charset="2"/>
+        <a:buChar char=""/>
+        <a:defRPr sz="1200" kern="1200">
           <a:solidFill>
             <a:schemeClr val="tx1">
-              <a:lumMod val="65000"/>
-              <a:lumOff val="35000"/>
+              <a:lumMod val="75000"/>
+              <a:lumOff val="25000"/>
             </a:schemeClr>
           </a:solidFill>
           <a:latin typeface="+mn-lt"/>
@@ -3138,26 +5871,24 @@
           <a:cs typeface="+mn-cs"/>
         </a:defRPr>
       </a:lvl5pPr>
-      <a:lvl6pPr marL="2514600" indent="-228600" algn="l" defTabSz="914400" rtl="0" eaLnBrk="1" latinLnBrk="0" hangingPunct="1">
-        <a:lnSpc>
-          <a:spcPct val="90000"/>
-        </a:lnSpc>
+      <a:lvl6pPr marL="2514600" indent="-228600" algn="l" defTabSz="457200" rtl="0" eaLnBrk="1" latinLnBrk="0" hangingPunct="1">
         <a:spcBef>
-          <a:spcPts val="250"/>
+          <a:spcPts val="1000"/>
         </a:spcBef>
         <a:spcAft>
-          <a:spcPts val="250"/>
+          <a:spcPts val="0"/>
         </a:spcAft>
         <a:buClr>
           <a:schemeClr val="accent1"/>
         </a:buClr>
-        <a:buFont typeface="Wingdings 2" pitchFamily="18" charset="2"/>
-        <a:buChar char=""/>
-        <a:defRPr sz="1400" kern="1200">
+        <a:buSzPct val="80000"/>
+        <a:buFont typeface="Wingdings 3" charset="2"/>
+        <a:buChar char=""/>
+        <a:defRPr sz="1200" kern="1200">
           <a:solidFill>
             <a:schemeClr val="tx1">
-              <a:lumMod val="65000"/>
-              <a:lumOff val="35000"/>
+              <a:lumMod val="75000"/>
+              <a:lumOff val="25000"/>
             </a:schemeClr>
           </a:solidFill>
           <a:latin typeface="+mn-lt"/>
@@ -3165,26 +5896,24 @@
           <a:cs typeface="+mn-cs"/>
         </a:defRPr>
       </a:lvl6pPr>
-      <a:lvl7pPr marL="2971800" indent="-228600" algn="l" defTabSz="914400" rtl="0" eaLnBrk="1" latinLnBrk="0" hangingPunct="1">
-        <a:lnSpc>
-          <a:spcPct val="90000"/>
-        </a:lnSpc>
+      <a:lvl7pPr marL="2971800" indent="-228600" algn="l" defTabSz="457200" rtl="0" eaLnBrk="1" latinLnBrk="0" hangingPunct="1">
         <a:spcBef>
-          <a:spcPts val="250"/>
+          <a:spcPts val="1000"/>
         </a:spcBef>
         <a:spcAft>
-          <a:spcPts val="250"/>
+          <a:spcPts val="0"/>
         </a:spcAft>
         <a:buClr>
           <a:schemeClr val="accent1"/>
         </a:buClr>
-        <a:buFont typeface="Wingdings 2" pitchFamily="18" charset="2"/>
-        <a:buChar char=""/>
-        <a:defRPr sz="1400" kern="1200">
+        <a:buSzPct val="80000"/>
+        <a:buFont typeface="Wingdings 3" charset="2"/>
+        <a:buChar char=""/>
+        <a:defRPr sz="1200" kern="1200">
           <a:solidFill>
             <a:schemeClr val="tx1">
-              <a:lumMod val="65000"/>
-              <a:lumOff val="35000"/>
+              <a:lumMod val="75000"/>
+              <a:lumOff val="25000"/>
             </a:schemeClr>
           </a:solidFill>
           <a:latin typeface="+mn-lt"/>
@@ -3192,26 +5921,24 @@
           <a:cs typeface="+mn-cs"/>
         </a:defRPr>
       </a:lvl7pPr>
-      <a:lvl8pPr marL="3429000" indent="-228600" algn="l" defTabSz="914400" rtl="0" eaLnBrk="1" latinLnBrk="0" hangingPunct="1">
-        <a:lnSpc>
-          <a:spcPct val="90000"/>
-        </a:lnSpc>
+      <a:lvl8pPr marL="3429000" indent="-228600" algn="l" defTabSz="457200" rtl="0" eaLnBrk="1" latinLnBrk="0" hangingPunct="1">
         <a:spcBef>
-          <a:spcPts val="250"/>
+          <a:spcPts val="1000"/>
         </a:spcBef>
         <a:spcAft>
-          <a:spcPts val="250"/>
+          <a:spcPts val="0"/>
         </a:spcAft>
         <a:buClr>
           <a:schemeClr val="accent1"/>
         </a:buClr>
-        <a:buFont typeface="Wingdings 2" pitchFamily="18" charset="2"/>
-        <a:buChar char=""/>
-        <a:defRPr sz="1400" kern="1200">
+        <a:buSzPct val="80000"/>
+        <a:buFont typeface="Wingdings 3" charset="2"/>
+        <a:buChar char=""/>
+        <a:defRPr sz="1200" kern="1200">
           <a:solidFill>
             <a:schemeClr val="tx1">
-              <a:lumMod val="65000"/>
-              <a:lumOff val="35000"/>
+              <a:lumMod val="75000"/>
+              <a:lumOff val="25000"/>
             </a:schemeClr>
           </a:solidFill>
           <a:latin typeface="+mn-lt"/>
@@ -3219,26 +5946,24 @@
           <a:cs typeface="+mn-cs"/>
         </a:defRPr>
       </a:lvl8pPr>
-      <a:lvl9pPr marL="3886200" indent="-228600" algn="l" defTabSz="914400" rtl="0" eaLnBrk="1" latinLnBrk="0" hangingPunct="1">
-        <a:lnSpc>
-          <a:spcPct val="90000"/>
-        </a:lnSpc>
+      <a:lvl9pPr marL="3886200" indent="-228600" algn="l" defTabSz="457200" rtl="0" eaLnBrk="1" latinLnBrk="0" hangingPunct="1">
         <a:spcBef>
-          <a:spcPts val="250"/>
+          <a:spcPts val="1000"/>
         </a:spcBef>
         <a:spcAft>
-          <a:spcPts val="250"/>
+          <a:spcPts val="0"/>
         </a:spcAft>
         <a:buClr>
           <a:schemeClr val="accent1"/>
         </a:buClr>
-        <a:buFont typeface="Wingdings 2" pitchFamily="18" charset="2"/>
-        <a:buChar char=""/>
-        <a:defRPr sz="1400" kern="1200">
+        <a:buSzPct val="80000"/>
+        <a:buFont typeface="Wingdings 3" charset="2"/>
+        <a:buChar char=""/>
+        <a:defRPr sz="1200" kern="1200">
           <a:solidFill>
             <a:schemeClr val="tx1">
-              <a:lumMod val="65000"/>
-              <a:lumOff val="35000"/>
+              <a:lumMod val="75000"/>
+              <a:lumOff val="25000"/>
             </a:schemeClr>
           </a:solidFill>
           <a:latin typeface="+mn-lt"/>
@@ -3251,7 +5976,7 @@
       <a:defPPr>
         <a:defRPr lang="en-US"/>
       </a:defPPr>
-      <a:lvl1pPr marL="0" algn="l" defTabSz="914400" rtl="0" eaLnBrk="1" latinLnBrk="0" hangingPunct="1">
+      <a:lvl1pPr marL="0" algn="l" defTabSz="457200" rtl="0" eaLnBrk="1" latinLnBrk="0" hangingPunct="1">
         <a:defRPr sz="1800" kern="1200">
           <a:solidFill>
             <a:schemeClr val="tx1"/>
@@ -3261,7 +5986,7 @@
           <a:cs typeface="+mn-cs"/>
         </a:defRPr>
       </a:lvl1pPr>
-      <a:lvl2pPr marL="457200" algn="l" defTabSz="914400" rtl="0" eaLnBrk="1" latinLnBrk="0" hangingPunct="1">
+      <a:lvl2pPr marL="457200" algn="l" defTabSz="457200" rtl="0" eaLnBrk="1" latinLnBrk="0" hangingPunct="1">
         <a:defRPr sz="1800" kern="1200">
           <a:solidFill>
             <a:schemeClr val="tx1"/>
@@ -3271,7 +5996,7 @@
           <a:cs typeface="+mn-cs"/>
         </a:defRPr>
       </a:lvl2pPr>
-      <a:lvl3pPr marL="914400" algn="l" defTabSz="914400" rtl="0" eaLnBrk="1" latinLnBrk="0" hangingPunct="1">
+      <a:lvl3pPr marL="914400" algn="l" defTabSz="457200" rtl="0" eaLnBrk="1" latinLnBrk="0" hangingPunct="1">
         <a:defRPr sz="1800" kern="1200">
           <a:solidFill>
             <a:schemeClr val="tx1"/>
@@ -3281,7 +6006,7 @@
           <a:cs typeface="+mn-cs"/>
         </a:defRPr>
       </a:lvl3pPr>
-      <a:lvl4pPr marL="1371600" algn="l" defTabSz="914400" rtl="0" eaLnBrk="1" latinLnBrk="0" hangingPunct="1">
+      <a:lvl4pPr marL="1371600" algn="l" defTabSz="457200" rtl="0" eaLnBrk="1" latinLnBrk="0" hangingPunct="1">
         <a:defRPr sz="1800" kern="1200">
           <a:solidFill>
             <a:schemeClr val="tx1"/>
@@ -3291,7 +6016,7 @@
           <a:cs typeface="+mn-cs"/>
         </a:defRPr>
       </a:lvl4pPr>
-      <a:lvl5pPr marL="1828800" algn="l" defTabSz="914400" rtl="0" eaLnBrk="1" latinLnBrk="0" hangingPunct="1">
+      <a:lvl5pPr marL="1828800" algn="l" defTabSz="457200" rtl="0" eaLnBrk="1" latinLnBrk="0" hangingPunct="1">
         <a:defRPr sz="1800" kern="1200">
           <a:solidFill>
             <a:schemeClr val="tx1"/>
@@ -3301,7 +6026,7 @@
           <a:cs typeface="+mn-cs"/>
         </a:defRPr>
       </a:lvl5pPr>
-      <a:lvl6pPr marL="2286000" algn="l" defTabSz="914400" rtl="0" eaLnBrk="1" latinLnBrk="0" hangingPunct="1">
+      <a:lvl6pPr marL="2286000" algn="l" defTabSz="457200" rtl="0" eaLnBrk="1" latinLnBrk="0" hangingPunct="1">
         <a:defRPr sz="1800" kern="1200">
           <a:solidFill>
             <a:schemeClr val="tx1"/>
@@ -3311,7 +6036,7 @@
           <a:cs typeface="+mn-cs"/>
         </a:defRPr>
       </a:lvl6pPr>
-      <a:lvl7pPr marL="2743200" algn="l" defTabSz="914400" rtl="0" eaLnBrk="1" latinLnBrk="0" hangingPunct="1">
+      <a:lvl7pPr marL="2743200" algn="l" defTabSz="457200" rtl="0" eaLnBrk="1" latinLnBrk="0" hangingPunct="1">
         <a:defRPr sz="1800" kern="1200">
           <a:solidFill>
             <a:schemeClr val="tx1"/>
@@ -3321,7 +6046,7 @@
           <a:cs typeface="+mn-cs"/>
         </a:defRPr>
       </a:lvl7pPr>
-      <a:lvl8pPr marL="3200400" algn="l" defTabSz="914400" rtl="0" eaLnBrk="1" latinLnBrk="0" hangingPunct="1">
+      <a:lvl8pPr marL="3200400" algn="l" defTabSz="457200" rtl="0" eaLnBrk="1" latinLnBrk="0" hangingPunct="1">
         <a:defRPr sz="1800" kern="1200">
           <a:solidFill>
             <a:schemeClr val="tx1"/>
@@ -3331,7 +6056,7 @@
           <a:cs typeface="+mn-cs"/>
         </a:defRPr>
       </a:lvl8pPr>
-      <a:lvl9pPr marL="3657600" algn="l" defTabSz="914400" rtl="0" eaLnBrk="1" latinLnBrk="0" hangingPunct="1">
+      <a:lvl9pPr marL="3657600" algn="l" defTabSz="457200" rtl="0" eaLnBrk="1" latinLnBrk="0" hangingPunct="1">
         <a:defRPr sz="1800" kern="1200">
           <a:solidFill>
             <a:schemeClr val="tx1"/>
@@ -3379,7 +6104,7 @@
           <a:lstStyle/>
           <a:p>
             <a:r>
-              <a:rPr lang="en-GB" dirty="0" err="1" smtClean="0"/>
+              <a:rPr lang="en-GB" dirty="0" smtClean="0"/>
               <a:t>MapsAgo</a:t>
             </a:r>
             <a:endParaRPr lang="en-IE" dirty="0"/>
@@ -3417,6 +6142,414 @@
     <p:extLst>
       <p:ext uri="{BB962C8B-B14F-4D97-AF65-F5344CB8AC3E}">
         <p14:creationId xmlns:p14="http://schemas.microsoft.com/office/powerpoint/2010/main" val="1475115786"/>
+      </p:ext>
+    </p:extLst>
+  </p:cSld>
+  <p:clrMapOvr>
+    <a:masterClrMapping/>
+  </p:clrMapOvr>
+  <p:timing>
+    <p:tnLst>
+      <p:par>
+        <p:cTn id="1" dur="indefinite" restart="never" nodeType="tmRoot"/>
+      </p:par>
+    </p:tnLst>
+  </p:timing>
+</p:sld>
+</file>
+
+<file path=ppt/slides/slide10.xml><?xml version="1.0" encoding="utf-8"?>
+<p:sld xmlns:a="http://schemas.openxmlformats.org/drawingml/2006/main" xmlns:r="http://schemas.openxmlformats.org/officeDocument/2006/relationships" xmlns:p="http://schemas.openxmlformats.org/presentationml/2006/main">
+  <p:cSld>
+    <p:spTree>
+      <p:nvGrpSpPr>
+        <p:cNvPr id="1" name=""/>
+        <p:cNvGrpSpPr/>
+        <p:nvPr/>
+      </p:nvGrpSpPr>
+      <p:grpSpPr>
+        <a:xfrm>
+          <a:off x="0" y="0"/>
+          <a:ext cx="0" cy="0"/>
+          <a:chOff x="0" y="0"/>
+          <a:chExt cx="0" cy="0"/>
+        </a:xfrm>
+      </p:grpSpPr>
+      <p:sp>
+        <p:nvSpPr>
+          <p:cNvPr id="2" name="Title 1"/>
+          <p:cNvSpPr>
+            <a:spLocks noGrp="1"/>
+          </p:cNvSpPr>
+          <p:nvPr>
+            <p:ph type="title"/>
+          </p:nvPr>
+        </p:nvSpPr>
+        <p:spPr/>
+        <p:txBody>
+          <a:bodyPr/>
+          <a:lstStyle/>
+          <a:p>
+            <a:r>
+              <a:rPr lang="en-GB" dirty="0" smtClean="0"/>
+              <a:t>Query logic</a:t>
+            </a:r>
+            <a:endParaRPr lang="en-GB" dirty="0"/>
+          </a:p>
+        </p:txBody>
+      </p:sp>
+      <p:sp>
+        <p:nvSpPr>
+          <p:cNvPr id="3" name="Content Placeholder 2"/>
+          <p:cNvSpPr>
+            <a:spLocks noGrp="1"/>
+          </p:cNvSpPr>
+          <p:nvPr>
+            <p:ph idx="1"/>
+          </p:nvPr>
+        </p:nvSpPr>
+        <p:spPr/>
+        <p:txBody>
+          <a:bodyPr/>
+          <a:lstStyle/>
+          <a:p>
+            <a:r>
+              <a:rPr lang="en-GB" dirty="0" smtClean="0"/>
+              <a:t>Search by proximity to a given location</a:t>
+            </a:r>
+          </a:p>
+          <a:p>
+            <a:r>
+              <a:rPr lang="en-GB" dirty="0" smtClean="0"/>
+              <a:t>Search by key words</a:t>
+            </a:r>
+          </a:p>
+          <a:p>
+            <a:r>
+              <a:rPr lang="en-GB" dirty="0" smtClean="0"/>
+              <a:t>Search by category, categories or not</a:t>
+            </a:r>
+          </a:p>
+          <a:p>
+            <a:r>
+              <a:rPr lang="en-GB" dirty="0" smtClean="0"/>
+              <a:t>Search within date ranges</a:t>
+            </a:r>
+          </a:p>
+          <a:p>
+            <a:endParaRPr lang="en-GB" dirty="0"/>
+          </a:p>
+          <a:p>
+            <a:r>
+              <a:rPr lang="en-GB" dirty="0" smtClean="0"/>
+              <a:t>Or all of the above?</a:t>
+            </a:r>
+          </a:p>
+        </p:txBody>
+      </p:sp>
+    </p:spTree>
+    <p:extLst>
+      <p:ext uri="{BB962C8B-B14F-4D97-AF65-F5344CB8AC3E}">
+        <p14:creationId xmlns:p14="http://schemas.microsoft.com/office/powerpoint/2010/main" val="1968824848"/>
+      </p:ext>
+    </p:extLst>
+  </p:cSld>
+  <p:clrMapOvr>
+    <a:masterClrMapping/>
+  </p:clrMapOvr>
+</p:sld>
+</file>
+
+<file path=ppt/slides/slide11.xml><?xml version="1.0" encoding="utf-8"?>
+<p:sld xmlns:a="http://schemas.openxmlformats.org/drawingml/2006/main" xmlns:r="http://schemas.openxmlformats.org/officeDocument/2006/relationships" xmlns:p="http://schemas.openxmlformats.org/presentationml/2006/main">
+  <p:cSld>
+    <p:spTree>
+      <p:nvGrpSpPr>
+        <p:cNvPr id="1" name=""/>
+        <p:cNvGrpSpPr/>
+        <p:nvPr/>
+      </p:nvGrpSpPr>
+      <p:grpSpPr>
+        <a:xfrm>
+          <a:off x="0" y="0"/>
+          <a:ext cx="0" cy="0"/>
+          <a:chOff x="0" y="0"/>
+          <a:chExt cx="0" cy="0"/>
+        </a:xfrm>
+      </p:grpSpPr>
+      <p:sp>
+        <p:nvSpPr>
+          <p:cNvPr id="2" name="Title 1"/>
+          <p:cNvSpPr>
+            <a:spLocks noGrp="1"/>
+          </p:cNvSpPr>
+          <p:nvPr>
+            <p:ph type="title"/>
+          </p:nvPr>
+        </p:nvSpPr>
+        <p:spPr/>
+        <p:txBody>
+          <a:bodyPr/>
+          <a:lstStyle/>
+          <a:p>
+            <a:r>
+              <a:rPr lang="en-GB" dirty="0" smtClean="0"/>
+              <a:t>ORM	</a:t>
+            </a:r>
+            <a:endParaRPr lang="en-GB" dirty="0"/>
+          </a:p>
+        </p:txBody>
+      </p:sp>
+      <p:sp>
+        <p:nvSpPr>
+          <p:cNvPr id="3" name="Content Placeholder 2"/>
+          <p:cNvSpPr>
+            <a:spLocks noGrp="1"/>
+          </p:cNvSpPr>
+          <p:nvPr>
+            <p:ph idx="1"/>
+          </p:nvPr>
+        </p:nvSpPr>
+        <p:spPr/>
+        <p:txBody>
+          <a:bodyPr/>
+          <a:lstStyle/>
+          <a:p>
+            <a:r>
+              <a:rPr lang="en-GB" dirty="0" smtClean="0"/>
+              <a:t>Entity Framework</a:t>
+            </a:r>
+          </a:p>
+          <a:p>
+            <a:r>
+              <a:rPr lang="en-GB" dirty="0" smtClean="0"/>
+              <a:t>Abstraction layer data business logic</a:t>
+            </a:r>
+          </a:p>
+          <a:p>
+            <a:r>
+              <a:rPr lang="en-GB" dirty="0" smtClean="0"/>
+              <a:t>Multiple ways to create DB schema</a:t>
+            </a:r>
+          </a:p>
+          <a:p>
+            <a:pPr lvl="1"/>
+            <a:r>
+              <a:rPr lang="en-GB" dirty="0" smtClean="0"/>
+              <a:t>Code First</a:t>
+            </a:r>
+          </a:p>
+          <a:p>
+            <a:pPr lvl="1"/>
+            <a:r>
+              <a:rPr lang="en-GB" dirty="0" smtClean="0"/>
+              <a:t>Database First</a:t>
+            </a:r>
+          </a:p>
+          <a:p>
+            <a:pPr lvl="1"/>
+            <a:r>
+              <a:rPr lang="en-GB" dirty="0" smtClean="0"/>
+              <a:t>Model First</a:t>
+            </a:r>
+            <a:endParaRPr lang="en-GB" dirty="0"/>
+          </a:p>
+        </p:txBody>
+      </p:sp>
+    </p:spTree>
+    <p:extLst>
+      <p:ext uri="{BB962C8B-B14F-4D97-AF65-F5344CB8AC3E}">
+        <p14:creationId xmlns:p14="http://schemas.microsoft.com/office/powerpoint/2010/main" val="2898770728"/>
+      </p:ext>
+    </p:extLst>
+  </p:cSld>
+  <p:clrMapOvr>
+    <a:masterClrMapping/>
+  </p:clrMapOvr>
+</p:sld>
+</file>
+
+<file path=ppt/slides/slide12.xml><?xml version="1.0" encoding="utf-8"?>
+<p:sld xmlns:a="http://schemas.openxmlformats.org/drawingml/2006/main" xmlns:r="http://schemas.openxmlformats.org/officeDocument/2006/relationships" xmlns:p="http://schemas.openxmlformats.org/presentationml/2006/main">
+  <p:cSld>
+    <p:spTree>
+      <p:nvGrpSpPr>
+        <p:cNvPr id="1" name=""/>
+        <p:cNvGrpSpPr/>
+        <p:nvPr/>
+      </p:nvGrpSpPr>
+      <p:grpSpPr>
+        <a:xfrm>
+          <a:off x="0" y="0"/>
+          <a:ext cx="0" cy="0"/>
+          <a:chOff x="0" y="0"/>
+          <a:chExt cx="0" cy="0"/>
+        </a:xfrm>
+      </p:grpSpPr>
+      <p:sp>
+        <p:nvSpPr>
+          <p:cNvPr id="2" name="Title 1"/>
+          <p:cNvSpPr>
+            <a:spLocks noGrp="1"/>
+          </p:cNvSpPr>
+          <p:nvPr>
+            <p:ph type="title"/>
+          </p:nvPr>
+        </p:nvSpPr>
+        <p:spPr/>
+        <p:txBody>
+          <a:bodyPr/>
+          <a:lstStyle/>
+          <a:p>
+            <a:r>
+              <a:rPr lang="en-GB" dirty="0" smtClean="0"/>
+              <a:t>Info Gatherer</a:t>
+            </a:r>
+            <a:endParaRPr lang="en-GB" dirty="0"/>
+          </a:p>
+        </p:txBody>
+      </p:sp>
+      <p:sp>
+        <p:nvSpPr>
+          <p:cNvPr id="3" name="Content Placeholder 2"/>
+          <p:cNvSpPr>
+            <a:spLocks noGrp="1"/>
+          </p:cNvSpPr>
+          <p:nvPr>
+            <p:ph idx="1"/>
+          </p:nvPr>
+        </p:nvSpPr>
+        <p:spPr/>
+        <p:txBody>
+          <a:bodyPr/>
+          <a:lstStyle/>
+          <a:p>
+            <a:r>
+              <a:rPr lang="en-GB" dirty="0" smtClean="0"/>
+              <a:t>Code to acquire data from third party sources</a:t>
+            </a:r>
+          </a:p>
+          <a:p>
+            <a:r>
+              <a:rPr lang="en-GB" dirty="0" smtClean="0"/>
+              <a:t>Needed to be able to get data from different sources</a:t>
+            </a:r>
+          </a:p>
+          <a:p>
+            <a:r>
+              <a:rPr lang="en-GB" dirty="0" smtClean="0"/>
+              <a:t>Keeping the same interface to communicate with rest of application</a:t>
+            </a:r>
+          </a:p>
+          <a:p>
+            <a:r>
+              <a:rPr lang="en-GB" dirty="0" smtClean="0"/>
+              <a:t>Strategy pattern to load in behaviour</a:t>
+            </a:r>
+          </a:p>
+          <a:p>
+            <a:r>
+              <a:rPr lang="en-GB" dirty="0" smtClean="0"/>
+              <a:t>Good use for </a:t>
+            </a:r>
+            <a:r>
+              <a:rPr lang="en-GB" dirty="0" err="1" smtClean="0"/>
+              <a:t>IoC</a:t>
+            </a:r>
+            <a:endParaRPr lang="en-GB" dirty="0"/>
+          </a:p>
+        </p:txBody>
+      </p:sp>
+    </p:spTree>
+    <p:extLst>
+      <p:ext uri="{BB962C8B-B14F-4D97-AF65-F5344CB8AC3E}">
+        <p14:creationId xmlns:p14="http://schemas.microsoft.com/office/powerpoint/2010/main" val="2586974610"/>
+      </p:ext>
+    </p:extLst>
+  </p:cSld>
+  <p:clrMapOvr>
+    <a:masterClrMapping/>
+  </p:clrMapOvr>
+</p:sld>
+</file>
+
+<file path=ppt/slides/slide13.xml><?xml version="1.0" encoding="utf-8"?>
+<p:sld xmlns:a="http://schemas.openxmlformats.org/drawingml/2006/main" xmlns:r="http://schemas.openxmlformats.org/officeDocument/2006/relationships" xmlns:p="http://schemas.openxmlformats.org/presentationml/2006/main">
+  <p:cSld>
+    <p:spTree>
+      <p:nvGrpSpPr>
+        <p:cNvPr id="1" name=""/>
+        <p:cNvGrpSpPr/>
+        <p:nvPr/>
+      </p:nvGrpSpPr>
+      <p:grpSpPr>
+        <a:xfrm>
+          <a:off x="0" y="0"/>
+          <a:ext cx="0" cy="0"/>
+          <a:chOff x="0" y="0"/>
+          <a:chExt cx="0" cy="0"/>
+        </a:xfrm>
+      </p:grpSpPr>
+      <p:sp>
+        <p:nvSpPr>
+          <p:cNvPr id="2" name="Title 1"/>
+          <p:cNvSpPr>
+            <a:spLocks noGrp="1"/>
+          </p:cNvSpPr>
+          <p:nvPr>
+            <p:ph type="title"/>
+          </p:nvPr>
+        </p:nvSpPr>
+        <p:spPr/>
+        <p:txBody>
+          <a:bodyPr/>
+          <a:lstStyle/>
+          <a:p>
+            <a:r>
+              <a:rPr lang="en-GB" dirty="0" smtClean="0"/>
+              <a:t>Strategy </a:t>
+            </a:r>
+            <a:r>
+              <a:rPr lang="en-GB" dirty="0" smtClean="0"/>
+              <a:t>Pattern</a:t>
+            </a:r>
+            <a:endParaRPr lang="en-IE" dirty="0"/>
+          </a:p>
+        </p:txBody>
+      </p:sp>
+      <p:pic>
+        <p:nvPicPr>
+          <p:cNvPr id="4" name="Content Placeholder 3"/>
+          <p:cNvPicPr>
+            <a:picLocks noGrp="1" noChangeAspect="1"/>
+          </p:cNvPicPr>
+          <p:nvPr>
+            <p:ph idx="1"/>
+          </p:nvPr>
+        </p:nvPicPr>
+        <p:blipFill>
+          <a:blip r:embed="rId2">
+            <a:extLst>
+              <a:ext uri="{28A0092B-C50C-407E-A947-70E740481C1C}">
+                <a14:useLocalDpi xmlns:a14="http://schemas.microsoft.com/office/drawing/2010/main" val="0"/>
+              </a:ext>
+            </a:extLst>
+          </a:blip>
+          <a:stretch>
+            <a:fillRect/>
+          </a:stretch>
+        </p:blipFill>
+        <p:spPr>
+          <a:xfrm>
+            <a:off x="761025" y="1691357"/>
+            <a:ext cx="6044860" cy="3881437"/>
+          </a:xfrm>
+        </p:spPr>
+      </p:pic>
+    </p:spTree>
+    <p:extLst>
+      <p:ext uri="{BB962C8B-B14F-4D97-AF65-F5344CB8AC3E}">
+        <p14:creationId xmlns:p14="http://schemas.microsoft.com/office/powerpoint/2010/main" val="3324609304"/>
       </p:ext>
     </p:extLst>
   </p:cSld>
@@ -3462,20 +6595,18 @@
         </p:nvSpPr>
         <p:spPr/>
         <p:txBody>
-          <a:bodyPr/>
-          <a:lstStyle/>
-          <a:p>
+          <a:bodyPr>
+            <a:normAutofit/>
+          </a:bodyPr>
+          <a:lstStyle/>
+          <a:p>
+            <a:r>
+              <a:rPr lang="en-IE" dirty="0" smtClean="0"/>
+              <a:t>Functionality Details</a:t>
+            </a:r>
             <a:r>
               <a:rPr lang="en-IE" dirty="0"/>
-              <a:t> The key characteristics of </a:t>
-            </a:r>
-            <a:r>
-              <a:rPr lang="en-IE" dirty="0" smtClean="0"/>
-              <a:t>the project </a:t>
-            </a:r>
-            <a:r>
-              <a:rPr lang="en-IE" dirty="0"/>
-              <a:t>in terms of functionality</a:t>
+              <a:t/>
             </a:r>
             <a:br>
               <a:rPr lang="en-IE" dirty="0"/>
@@ -3499,6 +6630,22 @@
           <a:bodyPr/>
           <a:lstStyle/>
           <a:p>
+            <a:r>
+              <a:rPr lang="en-IE" dirty="0" smtClean="0"/>
+              <a:t>Provides ability to manage content for RIA</a:t>
+            </a:r>
+          </a:p>
+          <a:p>
+            <a:r>
+              <a:rPr lang="en-IE" dirty="0" smtClean="0"/>
+              <a:t>Provide a Web API for RIA to access data</a:t>
+            </a:r>
+          </a:p>
+          <a:p>
+            <a:r>
+              <a:rPr lang="en-IE" dirty="0" smtClean="0"/>
+              <a:t>Ability to populate data from third party services</a:t>
+            </a:r>
             <a:endParaRPr lang="en-IE" dirty="0"/>
           </a:p>
         </p:txBody>
@@ -3552,16 +6699,15 @@
         </p:nvSpPr>
         <p:spPr/>
         <p:txBody>
-          <a:bodyPr/>
-          <a:lstStyle/>
-          <a:p>
-            <a:r>
-              <a:rPr lang="en-IE" b="1" dirty="0"/>
-              <a:t>API - Development</a:t>
-            </a:r>
-            <a:br>
-              <a:rPr lang="en-IE" b="1" dirty="0"/>
-            </a:br>
+          <a:bodyPr>
+            <a:normAutofit/>
+          </a:bodyPr>
+          <a:lstStyle/>
+          <a:p>
+            <a:r>
+              <a:rPr lang="en-IE" b="1" dirty="0" smtClean="0"/>
+              <a:t>Design Overview</a:t>
+            </a:r>
             <a:endParaRPr lang="en-IE" dirty="0"/>
           </a:p>
         </p:txBody>
@@ -3581,8 +6727,8 @@
         </p:blipFill>
         <p:spPr>
           <a:xfrm>
-            <a:off x="4770747" y="1627190"/>
-            <a:ext cx="6413721" cy="4633697"/>
+            <a:off x="947653" y="2955752"/>
+            <a:ext cx="4810291" cy="3475273"/>
           </a:xfrm>
           <a:prstGeom prst="rect">
             <a:avLst/>
@@ -3590,38 +6736,373 @@
           <a:ln/>
         </p:spPr>
       </p:pic>
-      <p:sp>
-        <p:nvSpPr>
-          <p:cNvPr id="3" name="Content Placeholder 2"/>
-          <p:cNvSpPr>
-            <a:spLocks noGrp="1"/>
-          </p:cNvSpPr>
-          <p:nvPr>
-            <p:ph idx="1"/>
-          </p:nvPr>
+      <p:grpSp>
+        <p:nvGrpSpPr>
+          <p:cNvPr id="7" name="Group 6"/>
+          <p:cNvGrpSpPr/>
+          <p:nvPr/>
+        </p:nvGrpSpPr>
+        <p:grpSpPr>
+          <a:xfrm>
+            <a:off x="3814010" y="3717698"/>
+            <a:ext cx="1058780" cy="1993233"/>
+            <a:chOff x="3814010" y="3717698"/>
+            <a:chExt cx="1058780" cy="1993233"/>
+          </a:xfrm>
+        </p:grpSpPr>
+        <p:sp>
+          <p:nvSpPr>
+            <p:cNvPr id="5" name="TextBox 4"/>
+            <p:cNvSpPr txBox="1"/>
+            <p:nvPr/>
+          </p:nvSpPr>
+          <p:spPr>
+            <a:xfrm>
+              <a:off x="4367464" y="3717698"/>
+              <a:ext cx="505326" cy="469232"/>
+            </a:xfrm>
+            <a:prstGeom prst="rect">
+              <a:avLst/>
+            </a:prstGeom>
+            <a:ln>
+              <a:noFill/>
+            </a:ln>
+          </p:spPr>
+          <p:style>
+            <a:lnRef idx="2">
+              <a:schemeClr val="dk1"/>
+            </a:lnRef>
+            <a:fillRef idx="1">
+              <a:schemeClr val="lt1"/>
+            </a:fillRef>
+            <a:effectRef idx="0">
+              <a:schemeClr val="dk1"/>
+            </a:effectRef>
+            <a:fontRef idx="minor">
+              <a:schemeClr val="dk1"/>
+            </a:fontRef>
+          </p:style>
+          <p:txBody>
+            <a:bodyPr wrap="square" rtlCol="0">
+              <a:spAutoFit/>
+            </a:bodyPr>
+            <a:lstStyle/>
+            <a:p>
+              <a:endParaRPr lang="en-GB" dirty="0"/>
+            </a:p>
+          </p:txBody>
+        </p:sp>
+        <p:sp>
+          <p:nvSpPr>
+            <p:cNvPr id="6" name="TextBox 5"/>
+            <p:cNvSpPr txBox="1"/>
+            <p:nvPr/>
+          </p:nvSpPr>
+          <p:spPr>
+            <a:xfrm>
+              <a:off x="3814010" y="5241699"/>
+              <a:ext cx="505326" cy="469232"/>
+            </a:xfrm>
+            <a:prstGeom prst="rect">
+              <a:avLst/>
+            </a:prstGeom>
+            <a:ln>
+              <a:noFill/>
+            </a:ln>
+          </p:spPr>
+          <p:style>
+            <a:lnRef idx="2">
+              <a:schemeClr val="dk1"/>
+            </a:lnRef>
+            <a:fillRef idx="1">
+              <a:schemeClr val="lt1"/>
+            </a:fillRef>
+            <a:effectRef idx="0">
+              <a:schemeClr val="dk1"/>
+            </a:effectRef>
+            <a:fontRef idx="minor">
+              <a:schemeClr val="dk1"/>
+            </a:fontRef>
+          </p:style>
+          <p:txBody>
+            <a:bodyPr wrap="square" rtlCol="0">
+              <a:spAutoFit/>
+            </a:bodyPr>
+            <a:lstStyle/>
+            <a:p>
+              <a:endParaRPr lang="en-GB" dirty="0"/>
+            </a:p>
+          </p:txBody>
+        </p:sp>
+      </p:grpSp>
+      <p:sp>
+        <p:nvSpPr>
+          <p:cNvPr id="8" name="Content Placeholder 2"/>
+          <p:cNvSpPr txBox="1">
+            <a:spLocks/>
+          </p:cNvSpPr>
+          <p:nvPr/>
         </p:nvSpPr>
         <p:spPr>
           <a:xfrm>
-            <a:off x="3869268" y="864108"/>
-            <a:ext cx="7315200" cy="1076987"/>
+            <a:off x="761998" y="1787352"/>
+            <a:ext cx="6347713" cy="1057394"/>
           </a:xfrm>
+          <a:prstGeom prst="rect">
+            <a:avLst/>
+          </a:prstGeom>
         </p:spPr>
         <p:txBody>
-          <a:bodyPr/>
-          <a:lstStyle/>
-          <a:p>
+          <a:bodyPr vert="horz" lIns="91440" tIns="45720" rIns="91440" bIns="45720" rtlCol="0">
+            <a:normAutofit/>
+          </a:bodyPr>
+          <a:lstStyle>
+            <a:lvl1pPr marL="342900" indent="-342900" algn="l" defTabSz="457200" rtl="0" eaLnBrk="1" latinLnBrk="0" hangingPunct="1">
+              <a:spcBef>
+                <a:spcPts val="1000"/>
+              </a:spcBef>
+              <a:spcAft>
+                <a:spcPts val="0"/>
+              </a:spcAft>
+              <a:buClr>
+                <a:schemeClr val="accent1"/>
+              </a:buClr>
+              <a:buSzPct val="80000"/>
+              <a:buFont typeface="Wingdings 3" charset="2"/>
+              <a:buChar char=""/>
+              <a:defRPr sz="1800" kern="1200">
+                <a:solidFill>
+                  <a:schemeClr val="tx1">
+                    <a:lumMod val="75000"/>
+                    <a:lumOff val="25000"/>
+                  </a:schemeClr>
+                </a:solidFill>
+                <a:latin typeface="+mn-lt"/>
+                <a:ea typeface="+mn-ea"/>
+                <a:cs typeface="+mn-cs"/>
+              </a:defRPr>
+            </a:lvl1pPr>
+            <a:lvl2pPr marL="742950" indent="-285750" algn="l" defTabSz="457200" rtl="0" eaLnBrk="1" latinLnBrk="0" hangingPunct="1">
+              <a:spcBef>
+                <a:spcPts val="1000"/>
+              </a:spcBef>
+              <a:spcAft>
+                <a:spcPts val="0"/>
+              </a:spcAft>
+              <a:buClr>
+                <a:schemeClr val="accent1"/>
+              </a:buClr>
+              <a:buSzPct val="80000"/>
+              <a:buFont typeface="Wingdings 3" charset="2"/>
+              <a:buChar char=""/>
+              <a:defRPr sz="1600" kern="1200">
+                <a:solidFill>
+                  <a:schemeClr val="tx1">
+                    <a:lumMod val="75000"/>
+                    <a:lumOff val="25000"/>
+                  </a:schemeClr>
+                </a:solidFill>
+                <a:latin typeface="+mn-lt"/>
+                <a:ea typeface="+mn-ea"/>
+                <a:cs typeface="+mn-cs"/>
+              </a:defRPr>
+            </a:lvl2pPr>
+            <a:lvl3pPr marL="1143000" indent="-228600" algn="l" defTabSz="457200" rtl="0" eaLnBrk="1" latinLnBrk="0" hangingPunct="1">
+              <a:spcBef>
+                <a:spcPts val="1000"/>
+              </a:spcBef>
+              <a:spcAft>
+                <a:spcPts val="0"/>
+              </a:spcAft>
+              <a:buClr>
+                <a:schemeClr val="accent1"/>
+              </a:buClr>
+              <a:buSzPct val="80000"/>
+              <a:buFont typeface="Wingdings 3" charset="2"/>
+              <a:buChar char=""/>
+              <a:defRPr sz="1400" kern="1200">
+                <a:solidFill>
+                  <a:schemeClr val="tx1">
+                    <a:lumMod val="75000"/>
+                    <a:lumOff val="25000"/>
+                  </a:schemeClr>
+                </a:solidFill>
+                <a:latin typeface="+mn-lt"/>
+                <a:ea typeface="+mn-ea"/>
+                <a:cs typeface="+mn-cs"/>
+              </a:defRPr>
+            </a:lvl3pPr>
+            <a:lvl4pPr marL="1600200" indent="-228600" algn="l" defTabSz="457200" rtl="0" eaLnBrk="1" latinLnBrk="0" hangingPunct="1">
+              <a:spcBef>
+                <a:spcPts val="1000"/>
+              </a:spcBef>
+              <a:spcAft>
+                <a:spcPts val="0"/>
+              </a:spcAft>
+              <a:buClr>
+                <a:schemeClr val="accent1"/>
+              </a:buClr>
+              <a:buSzPct val="80000"/>
+              <a:buFont typeface="Wingdings 3" charset="2"/>
+              <a:buChar char=""/>
+              <a:defRPr sz="1200" kern="1200">
+                <a:solidFill>
+                  <a:schemeClr val="tx1">
+                    <a:lumMod val="75000"/>
+                    <a:lumOff val="25000"/>
+                  </a:schemeClr>
+                </a:solidFill>
+                <a:latin typeface="+mn-lt"/>
+                <a:ea typeface="+mn-ea"/>
+                <a:cs typeface="+mn-cs"/>
+              </a:defRPr>
+            </a:lvl4pPr>
+            <a:lvl5pPr marL="2057400" indent="-228600" algn="l" defTabSz="457200" rtl="0" eaLnBrk="1" latinLnBrk="0" hangingPunct="1">
+              <a:spcBef>
+                <a:spcPts val="1000"/>
+              </a:spcBef>
+              <a:spcAft>
+                <a:spcPts val="0"/>
+              </a:spcAft>
+              <a:buClr>
+                <a:schemeClr val="accent1"/>
+              </a:buClr>
+              <a:buSzPct val="80000"/>
+              <a:buFont typeface="Wingdings 3" charset="2"/>
+              <a:buChar char=""/>
+              <a:defRPr sz="1200" kern="1200">
+                <a:solidFill>
+                  <a:schemeClr val="tx1">
+                    <a:lumMod val="75000"/>
+                    <a:lumOff val="25000"/>
+                  </a:schemeClr>
+                </a:solidFill>
+                <a:latin typeface="+mn-lt"/>
+                <a:ea typeface="+mn-ea"/>
+                <a:cs typeface="+mn-cs"/>
+              </a:defRPr>
+            </a:lvl5pPr>
+            <a:lvl6pPr marL="2514600" indent="-228600" algn="l" defTabSz="457200" rtl="0" eaLnBrk="1" latinLnBrk="0" hangingPunct="1">
+              <a:spcBef>
+                <a:spcPts val="1000"/>
+              </a:spcBef>
+              <a:spcAft>
+                <a:spcPts val="0"/>
+              </a:spcAft>
+              <a:buClr>
+                <a:schemeClr val="accent1"/>
+              </a:buClr>
+              <a:buSzPct val="80000"/>
+              <a:buFont typeface="Wingdings 3" charset="2"/>
+              <a:buChar char=""/>
+              <a:defRPr sz="1200" kern="1200">
+                <a:solidFill>
+                  <a:schemeClr val="tx1">
+                    <a:lumMod val="75000"/>
+                    <a:lumOff val="25000"/>
+                  </a:schemeClr>
+                </a:solidFill>
+                <a:latin typeface="+mn-lt"/>
+                <a:ea typeface="+mn-ea"/>
+                <a:cs typeface="+mn-cs"/>
+              </a:defRPr>
+            </a:lvl6pPr>
+            <a:lvl7pPr marL="2971800" indent="-228600" algn="l" defTabSz="457200" rtl="0" eaLnBrk="1" latinLnBrk="0" hangingPunct="1">
+              <a:spcBef>
+                <a:spcPts val="1000"/>
+              </a:spcBef>
+              <a:spcAft>
+                <a:spcPts val="0"/>
+              </a:spcAft>
+              <a:buClr>
+                <a:schemeClr val="accent1"/>
+              </a:buClr>
+              <a:buSzPct val="80000"/>
+              <a:buFont typeface="Wingdings 3" charset="2"/>
+              <a:buChar char=""/>
+              <a:defRPr sz="1200" kern="1200">
+                <a:solidFill>
+                  <a:schemeClr val="tx1">
+                    <a:lumMod val="75000"/>
+                    <a:lumOff val="25000"/>
+                  </a:schemeClr>
+                </a:solidFill>
+                <a:latin typeface="+mn-lt"/>
+                <a:ea typeface="+mn-ea"/>
+                <a:cs typeface="+mn-cs"/>
+              </a:defRPr>
+            </a:lvl7pPr>
+            <a:lvl8pPr marL="3429000" indent="-228600" algn="l" defTabSz="457200" rtl="0" eaLnBrk="1" latinLnBrk="0" hangingPunct="1">
+              <a:spcBef>
+                <a:spcPts val="1000"/>
+              </a:spcBef>
+              <a:spcAft>
+                <a:spcPts val="0"/>
+              </a:spcAft>
+              <a:buClr>
+                <a:schemeClr val="accent1"/>
+              </a:buClr>
+              <a:buSzPct val="80000"/>
+              <a:buFont typeface="Wingdings 3" charset="2"/>
+              <a:buChar char=""/>
+              <a:defRPr sz="1200" kern="1200">
+                <a:solidFill>
+                  <a:schemeClr val="tx1">
+                    <a:lumMod val="75000"/>
+                    <a:lumOff val="25000"/>
+                  </a:schemeClr>
+                </a:solidFill>
+                <a:latin typeface="+mn-lt"/>
+                <a:ea typeface="+mn-ea"/>
+                <a:cs typeface="+mn-cs"/>
+              </a:defRPr>
+            </a:lvl8pPr>
+            <a:lvl9pPr marL="3886200" indent="-228600" algn="l" defTabSz="457200" rtl="0" eaLnBrk="1" latinLnBrk="0" hangingPunct="1">
+              <a:spcBef>
+                <a:spcPts val="1000"/>
+              </a:spcBef>
+              <a:spcAft>
+                <a:spcPts val="0"/>
+              </a:spcAft>
+              <a:buClr>
+                <a:schemeClr val="accent1"/>
+              </a:buClr>
+              <a:buSzPct val="80000"/>
+              <a:buFont typeface="Wingdings 3" charset="2"/>
+              <a:buChar char=""/>
+              <a:defRPr sz="1200" kern="1200">
+                <a:solidFill>
+                  <a:schemeClr val="tx1">
+                    <a:lumMod val="75000"/>
+                    <a:lumOff val="25000"/>
+                  </a:schemeClr>
+                </a:solidFill>
+                <a:latin typeface="+mn-lt"/>
+                <a:ea typeface="+mn-ea"/>
+                <a:cs typeface="+mn-cs"/>
+              </a:defRPr>
+            </a:lvl9pPr>
+          </a:lstStyle>
+          <a:p>
+            <a:r>
+              <a:rPr lang="en-IE" dirty="0" smtClean="0"/>
+              <a:t>Central hub for serving and gathering information</a:t>
+            </a:r>
+          </a:p>
+          <a:p>
+            <a:r>
+              <a:rPr lang="en-IE" dirty="0" smtClean="0"/>
+              <a:t>Management – API</a:t>
+            </a:r>
             <a:r>
               <a:rPr lang="en-IE" dirty="0"/>
-              <a:t>Defining the interface between the two applications </a:t>
+              <a:t> </a:t>
             </a:r>
             <a:r>
               <a:rPr lang="en-IE" dirty="0" smtClean="0"/>
-              <a:t>(</a:t>
-            </a:r>
-            <a:r>
-              <a:rPr lang="en-IE" dirty="0"/>
-              <a:t>Service provider, service user) required negotiation and consideration of the differing needs of each.</a:t>
-            </a:r>
+              <a:t>- Retrieval</a:t>
+            </a:r>
+            <a:endParaRPr lang="en-IE" dirty="0"/>
           </a:p>
         </p:txBody>
       </p:sp>
@@ -3662,6 +7143,320 @@
           <a:chExt cx="0" cy="0"/>
         </a:xfrm>
       </p:grpSpPr>
+      <p:sp>
+        <p:nvSpPr>
+          <p:cNvPr id="2" name="Title 1"/>
+          <p:cNvSpPr>
+            <a:spLocks noGrp="1"/>
+          </p:cNvSpPr>
+          <p:nvPr>
+            <p:ph type="title"/>
+          </p:nvPr>
+        </p:nvSpPr>
+        <p:spPr/>
+        <p:txBody>
+          <a:bodyPr/>
+          <a:lstStyle/>
+          <a:p>
+            <a:r>
+              <a:rPr lang="en-GB" dirty="0" smtClean="0"/>
+              <a:t>Demo….</a:t>
+            </a:r>
+            <a:endParaRPr lang="en-GB" dirty="0"/>
+          </a:p>
+        </p:txBody>
+      </p:sp>
+      <p:sp>
+        <p:nvSpPr>
+          <p:cNvPr id="3" name="Content Placeholder 2"/>
+          <p:cNvSpPr>
+            <a:spLocks noGrp="1"/>
+          </p:cNvSpPr>
+          <p:nvPr>
+            <p:ph idx="1"/>
+          </p:nvPr>
+        </p:nvSpPr>
+        <p:spPr/>
+        <p:txBody>
+          <a:bodyPr/>
+          <a:lstStyle/>
+          <a:p>
+            <a:endParaRPr lang="en-GB"/>
+          </a:p>
+        </p:txBody>
+      </p:sp>
+    </p:spTree>
+    <p:extLst>
+      <p:ext uri="{BB962C8B-B14F-4D97-AF65-F5344CB8AC3E}">
+        <p14:creationId xmlns:p14="http://schemas.microsoft.com/office/powerpoint/2010/main" val="1832128140"/>
+      </p:ext>
+    </p:extLst>
+  </p:cSld>
+  <p:clrMapOvr>
+    <a:masterClrMapping/>
+  </p:clrMapOvr>
+</p:sld>
+</file>
+
+<file path=ppt/slides/slide5.xml><?xml version="1.0" encoding="utf-8"?>
+<p:sld xmlns:a="http://schemas.openxmlformats.org/drawingml/2006/main" xmlns:r="http://schemas.openxmlformats.org/officeDocument/2006/relationships" xmlns:p="http://schemas.openxmlformats.org/presentationml/2006/main">
+  <p:cSld>
+    <p:spTree>
+      <p:nvGrpSpPr>
+        <p:cNvPr id="1" name=""/>
+        <p:cNvGrpSpPr/>
+        <p:nvPr/>
+      </p:nvGrpSpPr>
+      <p:grpSpPr>
+        <a:xfrm>
+          <a:off x="0" y="0"/>
+          <a:ext cx="0" cy="0"/>
+          <a:chOff x="0" y="0"/>
+          <a:chExt cx="0" cy="0"/>
+        </a:xfrm>
+      </p:grpSpPr>
+      <p:sp>
+        <p:nvSpPr>
+          <p:cNvPr id="2" name="Title 1"/>
+          <p:cNvSpPr>
+            <a:spLocks noGrp="1"/>
+          </p:cNvSpPr>
+          <p:nvPr>
+            <p:ph type="title"/>
+          </p:nvPr>
+        </p:nvSpPr>
+        <p:spPr/>
+        <p:txBody>
+          <a:bodyPr/>
+          <a:lstStyle/>
+          <a:p>
+            <a:r>
+              <a:rPr lang="en-GB" dirty="0" smtClean="0"/>
+              <a:t>User Management</a:t>
+            </a:r>
+            <a:endParaRPr lang="en-GB" dirty="0"/>
+          </a:p>
+        </p:txBody>
+      </p:sp>
+      <p:sp>
+        <p:nvSpPr>
+          <p:cNvPr id="3" name="Content Placeholder 2"/>
+          <p:cNvSpPr>
+            <a:spLocks noGrp="1"/>
+          </p:cNvSpPr>
+          <p:nvPr>
+            <p:ph idx="1"/>
+          </p:nvPr>
+        </p:nvSpPr>
+        <p:spPr/>
+        <p:txBody>
+          <a:bodyPr/>
+          <a:lstStyle/>
+          <a:p>
+            <a:r>
+              <a:rPr lang="en-GB" dirty="0" smtClean="0"/>
+              <a:t>MVC 5 – Identity Framework</a:t>
+            </a:r>
+          </a:p>
+          <a:p>
+            <a:r>
+              <a:rPr lang="en-GB" dirty="0" smtClean="0"/>
+              <a:t>Provides full user management and authorization</a:t>
+            </a:r>
+          </a:p>
+          <a:p>
+            <a:r>
+              <a:rPr lang="en-GB" dirty="0" smtClean="0"/>
+              <a:t>Hook own models up with Identity schema </a:t>
+            </a:r>
+          </a:p>
+          <a:p>
+            <a:r>
+              <a:rPr lang="en-GB" dirty="0" smtClean="0"/>
+              <a:t>User management</a:t>
+            </a:r>
+          </a:p>
+          <a:p>
+            <a:r>
+              <a:rPr lang="en-GB" dirty="0" smtClean="0"/>
+              <a:t>Role assignment</a:t>
+            </a:r>
+          </a:p>
+          <a:p>
+            <a:r>
+              <a:rPr lang="en-GB" dirty="0" smtClean="0"/>
+              <a:t>Control access to certain pages</a:t>
+            </a:r>
+          </a:p>
+          <a:p>
+            <a:pPr lvl="1"/>
+            <a:r>
+              <a:rPr lang="en-GB" dirty="0" smtClean="0"/>
+              <a:t>Admin – role assignment, event deletion</a:t>
+            </a:r>
+          </a:p>
+          <a:p>
+            <a:pPr lvl="1"/>
+            <a:r>
+              <a:rPr lang="en-GB" dirty="0" smtClean="0"/>
+              <a:t>Authorized User - add and edit records</a:t>
+            </a:r>
+            <a:endParaRPr lang="en-GB" dirty="0"/>
+          </a:p>
+        </p:txBody>
+      </p:sp>
+    </p:spTree>
+    <p:extLst>
+      <p:ext uri="{BB962C8B-B14F-4D97-AF65-F5344CB8AC3E}">
+        <p14:creationId xmlns:p14="http://schemas.microsoft.com/office/powerpoint/2010/main" val="2794278767"/>
+      </p:ext>
+    </p:extLst>
+  </p:cSld>
+  <p:clrMapOvr>
+    <a:masterClrMapping/>
+  </p:clrMapOvr>
+</p:sld>
+</file>
+
+<file path=ppt/slides/slide6.xml><?xml version="1.0" encoding="utf-8"?>
+<p:sld xmlns:a="http://schemas.openxmlformats.org/drawingml/2006/main" xmlns:r="http://schemas.openxmlformats.org/officeDocument/2006/relationships" xmlns:p="http://schemas.openxmlformats.org/presentationml/2006/main">
+  <p:cSld>
+    <p:spTree>
+      <p:nvGrpSpPr>
+        <p:cNvPr id="1" name=""/>
+        <p:cNvGrpSpPr/>
+        <p:nvPr/>
+      </p:nvGrpSpPr>
+      <p:grpSpPr>
+        <a:xfrm>
+          <a:off x="0" y="0"/>
+          <a:ext cx="0" cy="0"/>
+          <a:chOff x="0" y="0"/>
+          <a:chExt cx="0" cy="0"/>
+        </a:xfrm>
+      </p:grpSpPr>
+      <p:sp>
+        <p:nvSpPr>
+          <p:cNvPr id="2" name="Title 1"/>
+          <p:cNvSpPr>
+            <a:spLocks noGrp="1"/>
+          </p:cNvSpPr>
+          <p:nvPr>
+            <p:ph type="title"/>
+          </p:nvPr>
+        </p:nvSpPr>
+        <p:spPr/>
+        <p:txBody>
+          <a:bodyPr/>
+          <a:lstStyle/>
+          <a:p>
+            <a:r>
+              <a:rPr lang="en-GB" dirty="0" smtClean="0"/>
+              <a:t>Code First Models</a:t>
+            </a:r>
+            <a:endParaRPr lang="en-GB" dirty="0"/>
+          </a:p>
+        </p:txBody>
+      </p:sp>
+      <p:sp>
+        <p:nvSpPr>
+          <p:cNvPr id="3" name="Content Placeholder 2"/>
+          <p:cNvSpPr>
+            <a:spLocks noGrp="1"/>
+          </p:cNvSpPr>
+          <p:nvPr>
+            <p:ph idx="1"/>
+          </p:nvPr>
+        </p:nvSpPr>
+        <p:spPr/>
+        <p:txBody>
+          <a:bodyPr/>
+          <a:lstStyle/>
+          <a:p>
+            <a:r>
+              <a:rPr lang="en-GB" dirty="0" smtClean="0"/>
+              <a:t>Event</a:t>
+            </a:r>
+          </a:p>
+          <a:p>
+            <a:r>
+              <a:rPr lang="en-GB" dirty="0" smtClean="0"/>
+              <a:t>Location</a:t>
+            </a:r>
+          </a:p>
+          <a:p>
+            <a:r>
+              <a:rPr lang="en-GB" dirty="0" smtClean="0"/>
+              <a:t>EventType</a:t>
+            </a:r>
+          </a:p>
+          <a:p>
+            <a:r>
+              <a:rPr lang="en-GB" dirty="0" smtClean="0"/>
+              <a:t>Resources</a:t>
+            </a:r>
+          </a:p>
+          <a:p>
+            <a:endParaRPr lang="en-GB" dirty="0" smtClean="0"/>
+          </a:p>
+          <a:p>
+            <a:endParaRPr lang="en-GB" dirty="0"/>
+          </a:p>
+        </p:txBody>
+      </p:sp>
+    </p:spTree>
+    <p:extLst>
+      <p:ext uri="{BB962C8B-B14F-4D97-AF65-F5344CB8AC3E}">
+        <p14:creationId xmlns:p14="http://schemas.microsoft.com/office/powerpoint/2010/main" val="1542647265"/>
+      </p:ext>
+    </p:extLst>
+  </p:cSld>
+  <p:clrMapOvr>
+    <a:masterClrMapping/>
+  </p:clrMapOvr>
+</p:sld>
+</file>
+
+<file path=ppt/slides/slide7.xml><?xml version="1.0" encoding="utf-8"?>
+<p:sld xmlns:a="http://schemas.openxmlformats.org/drawingml/2006/main" xmlns:r="http://schemas.openxmlformats.org/officeDocument/2006/relationships" xmlns:p="http://schemas.openxmlformats.org/presentationml/2006/main" showMasterSp="0">
+  <p:cSld>
+    <p:spTree>
+      <p:nvGrpSpPr>
+        <p:cNvPr id="1" name=""/>
+        <p:cNvGrpSpPr/>
+        <p:nvPr/>
+      </p:nvGrpSpPr>
+      <p:grpSpPr>
+        <a:xfrm>
+          <a:off x="0" y="0"/>
+          <a:ext cx="0" cy="0"/>
+          <a:chOff x="0" y="0"/>
+          <a:chExt cx="0" cy="0"/>
+        </a:xfrm>
+      </p:grpSpPr>
+      <p:sp>
+        <p:nvSpPr>
+          <p:cNvPr id="2" name="Title 1"/>
+          <p:cNvSpPr>
+            <a:spLocks noGrp="1"/>
+          </p:cNvSpPr>
+          <p:nvPr>
+            <p:ph type="title"/>
+          </p:nvPr>
+        </p:nvSpPr>
+        <p:spPr/>
+        <p:txBody>
+          <a:bodyPr/>
+          <a:lstStyle/>
+          <a:p>
+            <a:r>
+              <a:rPr lang="en-GB" dirty="0" smtClean="0"/>
+              <a:t>Database Schema</a:t>
+            </a:r>
+            <a:endParaRPr lang="en-GB" dirty="0"/>
+          </a:p>
+        </p:txBody>
+      </p:sp>
       <p:pic>
         <p:nvPicPr>
           <p:cNvPr id="4" name="Content Placeholder 3"/>
@@ -3669,7 +7464,7 @@
             <a:picLocks noGrp="1" noChangeAspect="1"/>
           </p:cNvPicPr>
           <p:nvPr>
-            <p:ph idx="1"/>
+            <p:ph idx="4294967295"/>
           </p:nvPr>
         </p:nvPicPr>
         <p:blipFill>
@@ -3686,8 +7481,8 @@
         </p:blipFill>
         <p:spPr>
           <a:xfrm>
-            <a:off x="292388" y="370501"/>
-            <a:ext cx="11356771" cy="6190719"/>
+            <a:off x="336884" y="1724611"/>
+            <a:ext cx="8518525" cy="4643437"/>
           </a:xfrm>
         </p:spPr>
       </p:pic>
@@ -3711,7 +7506,7 @@
 </p:sld>
 </file>
 
-<file path=ppt/slides/slide5.xml><?xml version="1.0" encoding="utf-8"?>
+<file path=ppt/slides/slide8.xml><?xml version="1.0" encoding="utf-8"?>
 <p:sld xmlns:a="http://schemas.openxmlformats.org/drawingml/2006/main" xmlns:r="http://schemas.openxmlformats.org/officeDocument/2006/relationships" xmlns:p="http://schemas.openxmlformats.org/presentationml/2006/main">
   <p:cSld>
     <p:spTree>
@@ -3753,12 +7548,9 @@
             </a:r>
             <a:r>
               <a:rPr lang="en-IE" b="1" dirty="0"/>
-              <a:t> classes </a:t>
-            </a:r>
-            <a:br>
-              <a:rPr lang="en-IE" b="1" dirty="0"/>
-            </a:br>
-            <a:endParaRPr lang="en-IE" dirty="0"/>
+              <a:t> classes</a:t>
+            </a:r>
+            <a:endParaRPr lang="en-GB" dirty="0"/>
           </a:p>
         </p:txBody>
       </p:sp>
@@ -3772,14 +7564,11 @@
             <p:ph idx="1"/>
           </p:nvPr>
         </p:nvSpPr>
-        <p:spPr>
-          <a:xfrm>
-            <a:off x="3869268" y="783897"/>
-            <a:ext cx="7315200" cy="1558250"/>
-          </a:xfrm>
-        </p:spPr>
-        <p:txBody>
-          <a:bodyPr/>
+        <p:spPr/>
+        <p:txBody>
+          <a:bodyPr>
+            <a:normAutofit lnSpcReduction="10000"/>
+          </a:bodyPr>
           <a:lstStyle/>
           <a:p>
             <a:r>
@@ -3787,12 +7576,8 @@
               <a:t>The MVC pattern makes it possible to efficiently manage common functionality </a:t>
             </a:r>
             <a:r>
-              <a:rPr lang="en-IE" dirty="0" err="1" smtClean="0"/>
-              <a:t>centered</a:t>
-            </a:r>
-            <a:r>
               <a:rPr lang="en-IE" dirty="0" smtClean="0"/>
-              <a:t> </a:t>
+              <a:t>centred </a:t>
             </a:r>
             <a:r>
               <a:rPr lang="en-IE" dirty="0"/>
@@ -3801,34 +7586,62 @@
             <a:endParaRPr lang="en-IE" dirty="0" smtClean="0"/>
           </a:p>
           <a:p>
-            <a:pPr marL="0" indent="0">
-              <a:buNone/>
-            </a:pPr>
+            <a:r>
+              <a:rPr lang="en-IE" sz="3600" dirty="0" smtClean="0"/>
+              <a:t>However,</a:t>
+            </a:r>
+          </a:p>
+          <a:p>
+            <a:pPr lvl="1"/>
+            <a:r>
+              <a:rPr lang="en-IE" sz="2000" dirty="0" smtClean="0"/>
+              <a:t>Exposes underlying data structures</a:t>
+            </a:r>
+          </a:p>
+          <a:p>
+            <a:pPr lvl="1"/>
+            <a:r>
+              <a:rPr lang="en-IE" sz="2000" dirty="0" smtClean="0"/>
+              <a:t>Non-direct mapping of input/output to data storage</a:t>
+            </a:r>
+          </a:p>
+          <a:p>
+            <a:pPr lvl="1"/>
+            <a:r>
+              <a:rPr lang="en-IE" sz="2000" dirty="0" smtClean="0"/>
+              <a:t>Custom shaped view model solves this for UI and for data view (API request/response </a:t>
+            </a:r>
+            <a:r>
+              <a:rPr lang="en-IE" sz="2000" dirty="0" err="1" smtClean="0"/>
+              <a:t>etc</a:t>
+            </a:r>
+            <a:r>
+              <a:rPr lang="en-IE" sz="2000" dirty="0" smtClean="0"/>
+              <a:t>)</a:t>
+            </a:r>
+          </a:p>
+          <a:p>
             <a:endParaRPr lang="en-IE" dirty="0"/>
+          </a:p>
+          <a:p>
+            <a:endParaRPr lang="en-GB" dirty="0"/>
           </a:p>
         </p:txBody>
       </p:sp>
     </p:spTree>
     <p:extLst>
       <p:ext uri="{BB962C8B-B14F-4D97-AF65-F5344CB8AC3E}">
-        <p14:creationId xmlns:p14="http://schemas.microsoft.com/office/powerpoint/2010/main" val="530704728"/>
+        <p14:creationId xmlns:p14="http://schemas.microsoft.com/office/powerpoint/2010/main" val="2153105384"/>
       </p:ext>
     </p:extLst>
   </p:cSld>
   <p:clrMapOvr>
     <a:masterClrMapping/>
   </p:clrMapOvr>
-  <p:timing>
-    <p:tnLst>
-      <p:par>
-        <p:cTn id="1" dur="indefinite" restart="never" nodeType="tmRoot"/>
-      </p:par>
-    </p:tnLst>
-  </p:timing>
 </p:sld>
 </file>
 
-<file path=ppt/slides/slide6.xml><?xml version="1.0" encoding="utf-8"?>
+<file path=ppt/slides/slide9.xml><?xml version="1.0" encoding="utf-8"?>
 <p:sld xmlns:a="http://schemas.openxmlformats.org/drawingml/2006/main" xmlns:r="http://schemas.openxmlformats.org/officeDocument/2006/relationships" xmlns:p="http://schemas.openxmlformats.org/presentationml/2006/main">
   <p:cSld>
     <p:spTree>
@@ -3855,93 +7668,26 @@
             <p:ph type="title"/>
           </p:nvPr>
         </p:nvSpPr>
-        <p:spPr>
-          <a:xfrm>
-            <a:off x="3819786" y="2742237"/>
-            <a:ext cx="7315200" cy="3255264"/>
-          </a:xfrm>
-        </p:spPr>
+        <p:spPr/>
         <p:txBody>
           <a:bodyPr/>
           <a:lstStyle/>
           <a:p>
             <a:r>
-              <a:rPr lang="en-GB" dirty="0" smtClean="0"/>
-              <a:t>Design Patterns</a:t>
-            </a:r>
-            <a:endParaRPr lang="en-IE" dirty="0"/>
-          </a:p>
-        </p:txBody>
-      </p:sp>
-    </p:spTree>
-    <p:extLst>
-      <p:ext uri="{BB962C8B-B14F-4D97-AF65-F5344CB8AC3E}">
-        <p14:creationId xmlns:p14="http://schemas.microsoft.com/office/powerpoint/2010/main" val="2578486796"/>
-      </p:ext>
-    </p:extLst>
-  </p:cSld>
-  <p:clrMapOvr>
-    <a:masterClrMapping/>
-  </p:clrMapOvr>
-  <p:timing>
-    <p:tnLst>
-      <p:par>
-        <p:cTn id="1" dur="indefinite" restart="never" nodeType="tmRoot"/>
-      </p:par>
-    </p:tnLst>
-  </p:timing>
-</p:sld>
-</file>
-
-<file path=ppt/slides/slide7.xml><?xml version="1.0" encoding="utf-8"?>
-<p:sld xmlns:a="http://schemas.openxmlformats.org/drawingml/2006/main" xmlns:r="http://schemas.openxmlformats.org/officeDocument/2006/relationships" xmlns:p="http://schemas.openxmlformats.org/presentationml/2006/main">
-  <p:cSld>
-    <p:spTree>
-      <p:nvGrpSpPr>
-        <p:cNvPr id="1" name=""/>
-        <p:cNvGrpSpPr/>
-        <p:nvPr/>
-      </p:nvGrpSpPr>
-      <p:grpSpPr>
-        <a:xfrm>
-          <a:off x="0" y="0"/>
-          <a:ext cx="0" cy="0"/>
-          <a:chOff x="0" y="0"/>
-          <a:chExt cx="0" cy="0"/>
-        </a:xfrm>
-      </p:grpSpPr>
-      <p:sp>
-        <p:nvSpPr>
-          <p:cNvPr id="2" name="Title 1"/>
-          <p:cNvSpPr>
-            <a:spLocks noGrp="1"/>
-          </p:cNvSpPr>
-          <p:nvPr>
-            <p:ph type="title"/>
-          </p:nvPr>
-        </p:nvSpPr>
-        <p:spPr/>
-        <p:txBody>
-          <a:bodyPr/>
-          <a:lstStyle/>
-          <a:p>
-            <a:r>
-              <a:rPr lang="en-GB" dirty="0" smtClean="0"/>
-              <a:t>Use of the Strategy Pattern</a:t>
-            </a:r>
-            <a:endParaRPr lang="en-IE" dirty="0"/>
+              <a:rPr lang="en-GB" dirty="0" err="1" smtClean="0"/>
+              <a:t>GeoJson</a:t>
+            </a:r>
+            <a:endParaRPr lang="en-GB" dirty="0"/>
           </a:p>
         </p:txBody>
       </p:sp>
       <p:pic>
         <p:nvPicPr>
-          <p:cNvPr id="4" name="Content Placeholder 3"/>
+          <p:cNvPr id="3" name="Picture 2"/>
           <p:cNvPicPr>
-            <a:picLocks noGrp="1" noChangeAspect="1"/>
+            <a:picLocks noChangeAspect="1"/>
           </p:cNvPicPr>
-          <p:nvPr>
-            <p:ph idx="1"/>
-          </p:nvPr>
+          <p:nvPr/>
         </p:nvPicPr>
         <p:blipFill>
           <a:blip r:embed="rId2">
@@ -3957,84 +7703,125 @@
         </p:blipFill>
         <p:spPr>
           <a:xfrm>
-            <a:off x="3449053" y="770871"/>
-            <a:ext cx="8357935" cy="5366673"/>
+            <a:off x="3592286" y="0"/>
+            <a:ext cx="5551714" cy="6858000"/>
           </a:xfrm>
+          <a:prstGeom prst="rect">
+            <a:avLst/>
+          </a:prstGeom>
         </p:spPr>
       </p:pic>
+      <p:sp>
+        <p:nvSpPr>
+          <p:cNvPr id="4" name="TextBox 3"/>
+          <p:cNvSpPr txBox="1"/>
+          <p:nvPr/>
+        </p:nvSpPr>
+        <p:spPr>
+          <a:xfrm>
+            <a:off x="609599" y="5390148"/>
+            <a:ext cx="8245643" cy="923330"/>
+          </a:xfrm>
+          <a:prstGeom prst="rect">
+            <a:avLst/>
+          </a:prstGeom>
+        </p:spPr>
+        <p:style>
+          <a:lnRef idx="2">
+            <a:schemeClr val="accent1"/>
+          </a:lnRef>
+          <a:fillRef idx="1">
+            <a:schemeClr val="lt1"/>
+          </a:fillRef>
+          <a:effectRef idx="0">
+            <a:schemeClr val="accent1"/>
+          </a:effectRef>
+          <a:fontRef idx="minor">
+            <a:schemeClr val="dk1"/>
+          </a:fontRef>
+        </p:style>
+        <p:txBody>
+          <a:bodyPr wrap="square" rtlCol="0">
+            <a:spAutoFit/>
+          </a:bodyPr>
+          <a:lstStyle/>
+          <a:p>
+            <a:r>
+              <a:rPr lang="en-GB" dirty="0"/>
+              <a:t>​http://localhost:9190/api/5/5/5?startdate=01-01-1560&amp;enddate=01-01-1950&amp;categories=war|love&amp;keywords=hello|world​</a:t>
+            </a:r>
+          </a:p>
+          <a:p>
+            <a:endParaRPr lang="en-GB" dirty="0"/>
+          </a:p>
+        </p:txBody>
+      </p:sp>
     </p:spTree>
     <p:extLst>
       <p:ext uri="{BB962C8B-B14F-4D97-AF65-F5344CB8AC3E}">
-        <p14:creationId xmlns:p14="http://schemas.microsoft.com/office/powerpoint/2010/main" val="3324609304"/>
+        <p14:creationId xmlns:p14="http://schemas.microsoft.com/office/powerpoint/2010/main" val="1244160031"/>
       </p:ext>
     </p:extLst>
   </p:cSld>
   <p:clrMapOvr>
     <a:masterClrMapping/>
   </p:clrMapOvr>
-  <p:timing>
-    <p:tnLst>
-      <p:par>
-        <p:cTn id="1" dur="indefinite" restart="never" nodeType="tmRoot"/>
-      </p:par>
-    </p:tnLst>
-  </p:timing>
 </p:sld>
 </file>
 
 <file path=ppt/theme/theme1.xml><?xml version="1.0" encoding="utf-8"?>
-<a:theme xmlns:a="http://schemas.openxmlformats.org/drawingml/2006/main" name="Frame">
+<a:theme xmlns:a="http://schemas.openxmlformats.org/drawingml/2006/main" name="Facet">
   <a:themeElements>
-    <a:clrScheme name="Frame">
+    <a:clrScheme name="Facet">
       <a:dk1>
-        <a:srgbClr val="000000"/>
+        <a:sysClr val="windowText" lastClr="000000"/>
       </a:dk1>
       <a:lt1>
-        <a:srgbClr val="FFFFFF"/>
+        <a:sysClr val="window" lastClr="FFFFFF"/>
       </a:lt1>
       <a:dk2>
-        <a:srgbClr val="545454"/>
+        <a:srgbClr val="2C3C43"/>
       </a:dk2>
       <a:lt2>
-        <a:srgbClr val="BFBFBF"/>
+        <a:srgbClr val="EBEBEB"/>
       </a:lt2>
       <a:accent1>
-        <a:srgbClr val="40BAD2"/>
+        <a:srgbClr val="5FCBEF"/>
       </a:accent1>
       <a:accent2>
-        <a:srgbClr val="FAB900"/>
+        <a:srgbClr val="2E83C3"/>
       </a:accent2>
       <a:accent3>
-        <a:srgbClr val="90BB23"/>
+        <a:srgbClr val="42D0A2"/>
       </a:accent3>
       <a:accent4>
-        <a:srgbClr val="EE7008"/>
+        <a:srgbClr val="2E946B"/>
       </a:accent4>
       <a:accent5>
-        <a:srgbClr val="1AB39F"/>
+        <a:srgbClr val="42B051"/>
       </a:accent5>
       <a:accent6>
-        <a:srgbClr val="D5393D"/>
+        <a:srgbClr val="96D141"/>
       </a:accent6>
       <a:hlink>
-        <a:srgbClr val="90BB23"/>
+        <a:srgbClr val="3FCDE7"/>
       </a:hlink>
       <a:folHlink>
-        <a:srgbClr val="EE7008"/>
+        <a:srgbClr val="A9D3E1"/>
       </a:folHlink>
     </a:clrScheme>
-    <a:fontScheme name="Frame">
+    <a:fontScheme name="Facet">
       <a:majorFont>
-        <a:latin typeface="Corbel" panose="020B0503020204020204"/>
+        <a:latin typeface="Trebuchet MS" panose="020B0603020202020204"/>
         <a:ea typeface=""/>
         <a:cs typeface=""/>
-        <a:font script="Jpan" typeface="ＭＳ ゴシック"/>
-        <a:font script="Hang" typeface="HY중고딕"/>
-        <a:font script="Hans" typeface="幼圆"/>
+        <a:font script="Jpan" typeface="メイリオ"/>
+        <a:font script="Hang" typeface="맑은 고딕"/>
+        <a:font script="Hans" typeface="方正姚体"/>
         <a:font script="Hant" typeface="微軟正黑體"/>
         <a:font script="Arab" typeface="Tahoma"/>
-        <a:font script="Hebr" typeface="Gisha"/>
-        <a:font script="Thai" typeface="DilleniaUPC"/>
+        <a:font script="Hebr" typeface="Arial"/>
+        <a:font script="Thai" typeface="Cordia New"/>
         <a:font script="Ethi" typeface="Nyala"/>
         <a:font script="Beng" typeface="Vrinda"/>
         <a:font script="Gujr" typeface="Shruti"/>
@@ -4060,16 +7847,16 @@
         <a:font script="Geor" typeface="Sylfaen"/>
       </a:majorFont>
       <a:minorFont>
-        <a:latin typeface="Corbel" panose="020B0503020204020204"/>
+        <a:latin typeface="Trebuchet MS" panose="020B0603020202020204"/>
         <a:ea typeface=""/>
         <a:cs typeface=""/>
-        <a:font script="Jpan" typeface="ＭＳ ゴシック"/>
-        <a:font script="Hang" typeface="HY중고딕"/>
-        <a:font script="Hans" typeface="幼圆"/>
+        <a:font script="Jpan" typeface="メイリオ"/>
+        <a:font script="Hang" typeface="HY그래픽M"/>
+        <a:font script="Hans" typeface="华文新魏"/>
         <a:font script="Hant" typeface="微軟正黑體"/>
         <a:font script="Arab" typeface="Tahoma"/>
         <a:font script="Hebr" typeface="Gisha"/>
-        <a:font script="Thai" typeface="DilleniaUPC"/>
+        <a:font script="Thai" typeface="IrisUPC"/>
         <a:font script="Ethi" typeface="Nyala"/>
         <a:font script="Beng" typeface="Vrinda"/>
         <a:font script="Gujr" typeface="Shruti"/>
@@ -4090,48 +7877,66 @@
         <a:font script="Laoo" typeface="DokChampa"/>
         <a:font script="Sinh" typeface="Iskoola Pota"/>
         <a:font script="Mong" typeface="Mongolian Baiti"/>
-        <a:font script="Viet" typeface="Verdana"/>
+        <a:font script="Viet" typeface="Arial"/>
         <a:font script="Uigh" typeface="Microsoft Uighur"/>
         <a:font script="Geor" typeface="Sylfaen"/>
       </a:minorFont>
     </a:fontScheme>
-    <a:fmtScheme name="Frame">
+    <a:fmtScheme name="Facet">
       <a:fillStyleLst>
         <a:solidFill>
           <a:schemeClr val="phClr"/>
         </a:solidFill>
-        <a:solidFill>
-          <a:schemeClr val="phClr">
-            <a:tint val="65000"/>
-          </a:schemeClr>
-        </a:solidFill>
-        <a:solidFill>
-          <a:schemeClr val="phClr">
-            <a:shade val="80000"/>
-            <a:satMod val="150000"/>
-          </a:schemeClr>
-        </a:solidFill>
+        <a:gradFill rotWithShape="1">
+          <a:gsLst>
+            <a:gs pos="0">
+              <a:schemeClr val="phClr">
+                <a:tint val="65000"/>
+                <a:lumMod val="110000"/>
+              </a:schemeClr>
+            </a:gs>
+            <a:gs pos="88000">
+              <a:schemeClr val="phClr">
+                <a:tint val="90000"/>
+              </a:schemeClr>
+            </a:gs>
+          </a:gsLst>
+          <a:lin ang="5400000" scaled="0"/>
+        </a:gradFill>
+        <a:gradFill rotWithShape="1">
+          <a:gsLst>
+            <a:gs pos="0">
+              <a:schemeClr val="phClr">
+                <a:tint val="96000"/>
+                <a:lumMod val="100000"/>
+              </a:schemeClr>
+            </a:gs>
+            <a:gs pos="78000">
+              <a:schemeClr val="phClr">
+                <a:shade val="94000"/>
+                <a:lumMod val="94000"/>
+              </a:schemeClr>
+            </a:gs>
+          </a:gsLst>
+          <a:lin ang="5400000" scaled="0"/>
+        </a:gradFill>
       </a:fillStyleLst>
       <a:lnStyleLst>
-        <a:ln w="9525" cap="flat" cmpd="sng" algn="ctr">
+        <a:ln w="12700" cap="rnd" cmpd="sng" algn="ctr">
           <a:solidFill>
             <a:schemeClr val="phClr"/>
           </a:solidFill>
           <a:prstDash val="solid"/>
         </a:ln>
-        <a:ln w="10795" cap="flat" cmpd="sng" algn="ctr">
+        <a:ln w="19050" cap="rnd" cmpd="sng" algn="ctr">
           <a:solidFill>
             <a:schemeClr val="phClr"/>
           </a:solidFill>
           <a:prstDash val="solid"/>
         </a:ln>
-        <a:ln w="17145" cap="flat" cmpd="sng" algn="ctr">
+        <a:ln w="25400" cap="rnd" cmpd="sng" algn="ctr">
           <a:solidFill>
-            <a:schemeClr val="phClr">
-              <a:shade val="95000"/>
-              <a:alpha val="50000"/>
-              <a:satMod val="150000"/>
-            </a:schemeClr>
+            <a:schemeClr val="phClr"/>
           </a:solidFill>
           <a:prstDash val="solid"/>
         </a:ln>
@@ -4141,13 +7946,19 @@
           <a:effectLst/>
         </a:effectStyle>
         <a:effectStyle>
-          <a:effectLst/>
+          <a:effectLst>
+            <a:outerShdw blurRad="38100" dist="25400" dir="5400000" rotWithShape="0">
+              <a:srgbClr val="000000">
+                <a:alpha val="35000"/>
+              </a:srgbClr>
+            </a:outerShdw>
+          </a:effectLst>
         </a:effectStyle>
         <a:effectStyle>
           <a:effectLst>
-            <a:outerShdw blurRad="44450" dist="13970" dir="5400000" algn="ctr" rotWithShape="0">
+            <a:outerShdw blurRad="50800" dist="38100" dir="5400000" rotWithShape="0">
               <a:srgbClr val="000000">
-                <a:alpha val="45000"/>
+                <a:alpha val="35000"/>
               </a:srgbClr>
             </a:outerShdw>
           </a:effectLst>
@@ -4155,10 +7966,10 @@
             <a:camera prst="orthographicFront">
               <a:rot lat="0" lon="0" rev="0"/>
             </a:camera>
-            <a:lightRig rig="twoPt" dir="tl"/>
+            <a:lightRig rig="threePt" dir="tl"/>
           </a:scene3d>
-          <a:sp3d prstMaterial="flat">
-            <a:bevelT w="12700" h="25400" prst="coolSlant"/>
+          <a:sp3d prstMaterial="plastic">
+            <a:bevelT w="0" h="0"/>
           </a:sp3d>
         </a:effectStyle>
       </a:effectStyleLst>
@@ -4166,39 +7977,41 @@
         <a:solidFill>
           <a:schemeClr val="phClr"/>
         </a:solidFill>
-        <a:solidFill>
-          <a:schemeClr val="phClr">
-            <a:tint val="95000"/>
-            <a:satMod val="170000"/>
-          </a:schemeClr>
-        </a:solidFill>
         <a:gradFill rotWithShape="1">
           <a:gsLst>
             <a:gs pos="0">
               <a:schemeClr val="phClr">
-                <a:tint val="93000"/>
-                <a:shade val="98000"/>
-                <a:satMod val="120000"/>
-                <a:lumMod val="102000"/>
+                <a:tint val="90000"/>
+                <a:lumMod val="104000"/>
               </a:schemeClr>
             </a:gs>
-            <a:gs pos="48000">
+            <a:gs pos="94000">
               <a:schemeClr val="phClr">
-                <a:tint val="98000"/>
-                <a:shade val="90000"/>
-                <a:satMod val="110000"/>
-                <a:lumMod val="103000"/>
+                <a:shade val="96000"/>
+                <a:lumMod val="82000"/>
+              </a:schemeClr>
+            </a:gs>
+          </a:gsLst>
+          <a:lin ang="5400000" scaled="0"/>
+        </a:gradFill>
+        <a:gradFill rotWithShape="1">
+          <a:gsLst>
+            <a:gs pos="0">
+              <a:schemeClr val="phClr">
+                <a:tint val="90000"/>
+                <a:lumMod val="110000"/>
               </a:schemeClr>
             </a:gs>
             <a:gs pos="100000">
               <a:schemeClr val="phClr">
-                <a:tint val="98000"/>
-                <a:shade val="80000"/>
-                <a:satMod val="100000"/>
+                <a:shade val="94000"/>
+                <a:lumMod val="96000"/>
               </a:schemeClr>
             </a:gs>
           </a:gsLst>
-          <a:lin ang="5400000" scaled="0"/>
+          <a:path path="circle">
+            <a:fillToRect l="50000" t="50000" r="100000" b="100000"/>
+          </a:path>
         </a:gradFill>
       </a:bgFillStyleLst>
     </a:fmtScheme>
@@ -4207,7 +8020,7 @@
   <a:extraClrSchemeLst/>
   <a:extLst>
     <a:ext uri="{05A4C25C-085E-4340-85A3-A5531E510DB2}">
-      <thm15:themeFamily xmlns:thm15="http://schemas.microsoft.com/office/thememl/2012/main" name="Frame" id="{F226E7A2-7162-461C-9490-D27D9DC04E43}" vid="{629A0216-3BBD-45C0-B63F-2683BEA18F60}"/>
+      <thm15:themeFamily xmlns:thm15="http://schemas.microsoft.com/office/thememl/2012/main" name="Facet" id="{C0C680CD-088A-49FC-A102-D699147F32B2}" vid="{0B5AB586-D108-4FC1-8368-649FE654B894}"/>
     </a:ext>
   </a:extLst>
 </a:theme>

--- a/documentation/Mapsago.pptx
+++ b/documentation/Mapsago.pptx
@@ -9,15 +9,19 @@
     <p:sldId id="261" r:id="rId3"/>
     <p:sldId id="257" r:id="rId4"/>
     <p:sldId id="268" r:id="rId5"/>
-    <p:sldId id="264" r:id="rId6"/>
-    <p:sldId id="263" r:id="rId7"/>
-    <p:sldId id="258" r:id="rId8"/>
-    <p:sldId id="265" r:id="rId9"/>
-    <p:sldId id="266" r:id="rId10"/>
-    <p:sldId id="270" r:id="rId11"/>
-    <p:sldId id="267" r:id="rId12"/>
-    <p:sldId id="269" r:id="rId13"/>
-    <p:sldId id="259" r:id="rId14"/>
+    <p:sldId id="271" r:id="rId6"/>
+    <p:sldId id="272" r:id="rId7"/>
+    <p:sldId id="264" r:id="rId8"/>
+    <p:sldId id="263" r:id="rId9"/>
+    <p:sldId id="258" r:id="rId10"/>
+    <p:sldId id="265" r:id="rId11"/>
+    <p:sldId id="266" r:id="rId12"/>
+    <p:sldId id="270" r:id="rId13"/>
+    <p:sldId id="267" r:id="rId14"/>
+    <p:sldId id="269" r:id="rId15"/>
+    <p:sldId id="259" r:id="rId16"/>
+    <p:sldId id="273" r:id="rId17"/>
+    <p:sldId id="274" r:id="rId18"/>
   </p:sldIdLst>
   <p:sldSz cx="9144000" cy="6858000" type="screen4x3"/>
   <p:notesSz cx="6858000" cy="9144000"/>
@@ -920,7 +924,7 @@
             <a:fld id="{5586B75A-687E-405C-8A0B-8D00578BA2C3}" type="datetimeFigureOut">
               <a:rPr lang="en-US" smtClean="0"/>
               <a:pPr/>
-              <a:t>5/3/2014</a:t>
+              <a:t>5/6/2014</a:t>
             </a:fld>
             <a:endParaRPr lang="en-US" dirty="0"/>
           </a:p>
@@ -1173,7 +1177,7 @@
             <a:fld id="{5586B75A-687E-405C-8A0B-8D00578BA2C3}" type="datetimeFigureOut">
               <a:rPr lang="en-US" smtClean="0"/>
               <a:pPr/>
-              <a:t>5/3/2014</a:t>
+              <a:t>5/6/2014</a:t>
             </a:fld>
             <a:endParaRPr lang="en-US" dirty="0"/>
           </a:p>
@@ -1490,7 +1494,7 @@
             <a:fld id="{5586B75A-687E-405C-8A0B-8D00578BA2C3}" type="datetimeFigureOut">
               <a:rPr lang="en-US" smtClean="0"/>
               <a:pPr/>
-              <a:t>5/3/2014</a:t>
+              <a:t>5/6/2014</a:t>
             </a:fld>
             <a:endParaRPr lang="en-US" dirty="0"/>
           </a:p>
@@ -1826,7 +1830,7 @@
             <a:fld id="{5586B75A-687E-405C-8A0B-8D00578BA2C3}" type="datetimeFigureOut">
               <a:rPr lang="en-US" smtClean="0"/>
               <a:pPr/>
-              <a:t>5/3/2014</a:t>
+              <a:t>5/6/2014</a:t>
             </a:fld>
             <a:endParaRPr lang="en-US" dirty="0"/>
           </a:p>
@@ -2143,7 +2147,7 @@
             <a:fld id="{5586B75A-687E-405C-8A0B-8D00578BA2C3}" type="datetimeFigureOut">
               <a:rPr lang="en-US" smtClean="0"/>
               <a:pPr/>
-              <a:t>5/3/2014</a:t>
+              <a:t>5/6/2014</a:t>
             </a:fld>
             <a:endParaRPr lang="en-US" dirty="0"/>
           </a:p>
@@ -2539,7 +2543,7 @@
             <a:fld id="{5586B75A-687E-405C-8A0B-8D00578BA2C3}" type="datetimeFigureOut">
               <a:rPr lang="en-US" smtClean="0"/>
               <a:pPr/>
-              <a:t>5/3/2014</a:t>
+              <a:t>5/6/2014</a:t>
             </a:fld>
             <a:endParaRPr lang="en-US" dirty="0"/>
           </a:p>
@@ -2712,7 +2716,7 @@
             <a:fld id="{5586B75A-687E-405C-8A0B-8D00578BA2C3}" type="datetimeFigureOut">
               <a:rPr lang="en-US" smtClean="0"/>
               <a:pPr/>
-              <a:t>5/3/2014</a:t>
+              <a:t>5/6/2014</a:t>
             </a:fld>
             <a:endParaRPr lang="en-US" dirty="0"/>
           </a:p>
@@ -2894,7 +2898,7 @@
             <a:fld id="{5586B75A-687E-405C-8A0B-8D00578BA2C3}" type="datetimeFigureOut">
               <a:rPr lang="en-US" smtClean="0"/>
               <a:pPr/>
-              <a:t>5/3/2014</a:t>
+              <a:t>5/6/2014</a:t>
             </a:fld>
             <a:endParaRPr lang="en-US" dirty="0"/>
           </a:p>
@@ -3072,7 +3076,7 @@
             <a:fld id="{5586B75A-687E-405C-8A0B-8D00578BA2C3}" type="datetimeFigureOut">
               <a:rPr lang="en-US" smtClean="0"/>
               <a:pPr/>
-              <a:t>5/3/2014</a:t>
+              <a:t>5/6/2014</a:t>
             </a:fld>
             <a:endParaRPr lang="en-US" dirty="0"/>
           </a:p>
@@ -3321,7 +3325,7 @@
             <a:fld id="{5586B75A-687E-405C-8A0B-8D00578BA2C3}" type="datetimeFigureOut">
               <a:rPr lang="en-US" smtClean="0"/>
               <a:pPr/>
-              <a:t>5/3/2014</a:t>
+              <a:t>5/6/2014</a:t>
             </a:fld>
             <a:endParaRPr lang="en-US" dirty="0"/>
           </a:p>
@@ -3620,7 +3624,7 @@
             <a:fld id="{5586B75A-687E-405C-8A0B-8D00578BA2C3}" type="datetimeFigureOut">
               <a:rPr lang="en-US" smtClean="0"/>
               <a:pPr/>
-              <a:t>5/3/2014</a:t>
+              <a:t>5/6/2014</a:t>
             </a:fld>
             <a:endParaRPr lang="en-US" dirty="0"/>
           </a:p>
@@ -4001,7 +4005,7 @@
             <a:fld id="{5586B75A-687E-405C-8A0B-8D00578BA2C3}" type="datetimeFigureOut">
               <a:rPr lang="en-US" smtClean="0"/>
               <a:pPr/>
-              <a:t>5/3/2014</a:t>
+              <a:t>5/6/2014</a:t>
             </a:fld>
             <a:endParaRPr lang="en-US" dirty="0"/>
           </a:p>
@@ -4126,7 +4130,7 @@
             <a:fld id="{5586B75A-687E-405C-8A0B-8D00578BA2C3}" type="datetimeFigureOut">
               <a:rPr lang="en-US" smtClean="0"/>
               <a:pPr/>
-              <a:t>5/3/2014</a:t>
+              <a:t>5/6/2014</a:t>
             </a:fld>
             <a:endParaRPr lang="en-US" dirty="0"/>
           </a:p>
@@ -4223,7 +4227,7 @@
             <a:fld id="{5586B75A-687E-405C-8A0B-8D00578BA2C3}" type="datetimeFigureOut">
               <a:rPr lang="en-US" smtClean="0"/>
               <a:pPr/>
-              <a:t>5/3/2014</a:t>
+              <a:t>5/6/2014</a:t>
             </a:fld>
             <a:endParaRPr lang="en-US" dirty="0"/>
           </a:p>
@@ -4480,7 +4484,7 @@
             <a:fld id="{5586B75A-687E-405C-8A0B-8D00578BA2C3}" type="datetimeFigureOut">
               <a:rPr lang="en-US" smtClean="0"/>
               <a:pPr/>
-              <a:t>5/3/2014</a:t>
+              <a:t>5/6/2014</a:t>
             </a:fld>
             <a:endParaRPr lang="en-US" dirty="0"/>
           </a:p>
@@ -4745,7 +4749,7 @@
             <a:fld id="{5586B75A-687E-405C-8A0B-8D00578BA2C3}" type="datetimeFigureOut">
               <a:rPr lang="en-US" smtClean="0"/>
               <a:pPr/>
-              <a:t>5/3/2014</a:t>
+              <a:t>5/6/2014</a:t>
             </a:fld>
             <a:endParaRPr lang="en-US" dirty="0"/>
           </a:p>
@@ -5562,7 +5566,7 @@
             <a:fld id="{5586B75A-687E-405C-8A0B-8D00578BA2C3}" type="datetimeFigureOut">
               <a:rPr lang="en-US" smtClean="0"/>
               <a:pPr/>
-              <a:t>5/3/2014</a:t>
+              <a:t>5/6/2014</a:t>
             </a:fld>
             <a:endParaRPr lang="en-US" dirty="0"/>
           </a:p>
@@ -6138,6 +6142,64 @@
           </a:p>
         </p:txBody>
       </p:sp>
+      <p:sp>
+        <p:nvSpPr>
+          <p:cNvPr id="4" name="TextBox 3"/>
+          <p:cNvSpPr txBox="1"/>
+          <p:nvPr/>
+        </p:nvSpPr>
+        <p:spPr>
+          <a:xfrm>
+            <a:off x="1130595" y="5180541"/>
+            <a:ext cx="4848225" cy="923330"/>
+          </a:xfrm>
+          <a:prstGeom prst="rect">
+            <a:avLst/>
+          </a:prstGeom>
+          <a:noFill/>
+        </p:spPr>
+        <p:txBody>
+          <a:bodyPr wrap="square" rtlCol="0">
+            <a:spAutoFit/>
+          </a:bodyPr>
+          <a:lstStyle/>
+          <a:p>
+            <a:r>
+              <a:rPr lang="en-GB" dirty="0">
+                <a:solidFill>
+                  <a:schemeClr val="accent1"/>
+                </a:solidFill>
+              </a:rPr>
+              <a:t>http://mapsago2.azurewebsites.net</a:t>
+            </a:r>
+            <a:r>
+              <a:rPr lang="en-GB" dirty="0" smtClean="0">
+                <a:solidFill>
+                  <a:schemeClr val="accent1"/>
+                </a:solidFill>
+              </a:rPr>
+              <a:t>/</a:t>
+            </a:r>
+          </a:p>
+          <a:p>
+            <a:endParaRPr lang="en-GB" dirty="0" smtClean="0">
+              <a:solidFill>
+                <a:schemeClr val="accent1"/>
+              </a:solidFill>
+            </a:endParaRPr>
+          </a:p>
+          <a:p>
+            <a:r>
+              <a:rPr lang="en-GB" dirty="0">
+                <a:solidFill>
+                  <a:schemeClr val="accent1"/>
+                </a:solidFill>
+              </a:rPr>
+              <a:t>https://github.com/andburn/maps-ent</a:t>
+            </a:r>
+          </a:p>
+        </p:txBody>
+      </p:sp>
     </p:spTree>
     <p:extLst>
       <p:ext uri="{BB962C8B-B14F-4D97-AF65-F5344CB8AC3E}">
@@ -6191,8 +6253,16 @@
           <a:lstStyle/>
           <a:p>
             <a:r>
-              <a:rPr lang="en-GB" dirty="0" smtClean="0"/>
-              <a:t>Query logic</a:t>
+              <a:rPr lang="en-IE" b="1" dirty="0"/>
+              <a:t>Custom-shaped </a:t>
+            </a:r>
+            <a:r>
+              <a:rPr lang="en-IE" b="1" dirty="0" err="1"/>
+              <a:t>ViewModel</a:t>
+            </a:r>
+            <a:r>
+              <a:rPr lang="en-IE" b="1" dirty="0"/>
+              <a:t> classes</a:t>
             </a:r>
             <a:endParaRPr lang="en-GB" dirty="0"/>
           </a:p>
@@ -6210,53 +6280,85 @@
         </p:nvSpPr>
         <p:spPr/>
         <p:txBody>
-          <a:bodyPr/>
-          <a:lstStyle/>
-          <a:p>
-            <a:r>
-              <a:rPr lang="en-GB" dirty="0" smtClean="0"/>
-              <a:t>Search by proximity to a given location</a:t>
-            </a:r>
-          </a:p>
-          <a:p>
-            <a:r>
-              <a:rPr lang="en-GB" dirty="0" smtClean="0"/>
-              <a:t>Search by key words</a:t>
-            </a:r>
-          </a:p>
-          <a:p>
-            <a:r>
-              <a:rPr lang="en-GB" dirty="0" smtClean="0"/>
-              <a:t>Search by category, categories or not</a:t>
-            </a:r>
-          </a:p>
-          <a:p>
-            <a:r>
-              <a:rPr lang="en-GB" dirty="0" smtClean="0"/>
-              <a:t>Search within date ranges</a:t>
-            </a:r>
+          <a:bodyPr>
+            <a:normAutofit lnSpcReduction="10000"/>
+          </a:bodyPr>
+          <a:lstStyle/>
+          <a:p>
+            <a:r>
+              <a:rPr lang="en-IE" dirty="0"/>
+              <a:t>The MVC pattern makes it possible to efficiently manage common functionality </a:t>
+            </a:r>
+            <a:r>
+              <a:rPr lang="en-IE" dirty="0" smtClean="0"/>
+              <a:t>centred </a:t>
+            </a:r>
+            <a:r>
+              <a:rPr lang="en-IE" dirty="0"/>
+              <a:t>around creating, deleting, updating and deleting content within a structured application; perfect for a management system. </a:t>
+            </a:r>
+            <a:endParaRPr lang="en-IE" dirty="0" smtClean="0"/>
+          </a:p>
+          <a:p>
+            <a:r>
+              <a:rPr lang="en-IE" sz="3600" dirty="0" smtClean="0"/>
+              <a:t>However,</a:t>
+            </a:r>
+          </a:p>
+          <a:p>
+            <a:pPr lvl="1"/>
+            <a:r>
+              <a:rPr lang="en-IE" sz="2000" dirty="0" smtClean="0"/>
+              <a:t>Exposes underlying data structures</a:t>
+            </a:r>
+          </a:p>
+          <a:p>
+            <a:pPr lvl="1"/>
+            <a:r>
+              <a:rPr lang="en-IE" sz="2000" dirty="0" smtClean="0"/>
+              <a:t>Non-direct mapping of input/output to data storage</a:t>
+            </a:r>
+          </a:p>
+          <a:p>
+            <a:pPr lvl="1"/>
+            <a:r>
+              <a:rPr lang="en-IE" sz="2000" dirty="0" smtClean="0"/>
+              <a:t>Custom shaped view model solves this for UI and for data view (API request/response </a:t>
+            </a:r>
+            <a:r>
+              <a:rPr lang="en-IE" sz="2000" dirty="0" err="1" smtClean="0"/>
+              <a:t>etc</a:t>
+            </a:r>
+            <a:r>
+              <a:rPr lang="en-IE" sz="2000" dirty="0" smtClean="0"/>
+              <a:t>)</a:t>
+            </a:r>
+          </a:p>
+          <a:p>
+            <a:endParaRPr lang="en-IE" dirty="0"/>
           </a:p>
           <a:p>
             <a:endParaRPr lang="en-GB" dirty="0"/>
-          </a:p>
-          <a:p>
-            <a:r>
-              <a:rPr lang="en-GB" dirty="0" smtClean="0"/>
-              <a:t>Or all of the above?</a:t>
-            </a:r>
           </a:p>
         </p:txBody>
       </p:sp>
     </p:spTree>
     <p:extLst>
       <p:ext uri="{BB962C8B-B14F-4D97-AF65-F5344CB8AC3E}">
-        <p14:creationId xmlns:p14="http://schemas.microsoft.com/office/powerpoint/2010/main" val="1968824848"/>
+        <p14:creationId xmlns:p14="http://schemas.microsoft.com/office/powerpoint/2010/main" val="2153105384"/>
       </p:ext>
     </p:extLst>
   </p:cSld>
   <p:clrMapOvr>
     <a:masterClrMapping/>
   </p:clrMapOvr>
+  <p:timing>
+    <p:tnLst>
+      <p:par>
+        <p:cTn id="1" dur="indefinite" restart="never" nodeType="tmRoot"/>
+      </p:par>
+    </p:tnLst>
+  </p:timing>
 </p:sld>
 </file>
 
@@ -6293,65 +6395,84 @@
           <a:lstStyle/>
           <a:p>
             <a:r>
-              <a:rPr lang="en-GB" dirty="0" smtClean="0"/>
-              <a:t>ORM	</a:t>
+              <a:rPr lang="en-GB" dirty="0" err="1" smtClean="0"/>
+              <a:t>GeoJson</a:t>
             </a:r>
             <a:endParaRPr lang="en-GB" dirty="0"/>
           </a:p>
         </p:txBody>
       </p:sp>
-      <p:sp>
-        <p:nvSpPr>
-          <p:cNvPr id="3" name="Content Placeholder 2"/>
-          <p:cNvSpPr>
-            <a:spLocks noGrp="1"/>
-          </p:cNvSpPr>
-          <p:nvPr>
-            <p:ph idx="1"/>
-          </p:nvPr>
-        </p:nvSpPr>
-        <p:spPr/>
-        <p:txBody>
-          <a:bodyPr/>
-          <a:lstStyle/>
-          <a:p>
-            <a:r>
-              <a:rPr lang="en-GB" dirty="0" smtClean="0"/>
-              <a:t>Entity Framework</a:t>
-            </a:r>
-          </a:p>
-          <a:p>
-            <a:r>
-              <a:rPr lang="en-GB" dirty="0" smtClean="0"/>
-              <a:t>Abstraction layer data business logic</a:t>
-            </a:r>
-          </a:p>
-          <a:p>
-            <a:r>
-              <a:rPr lang="en-GB" dirty="0" smtClean="0"/>
-              <a:t>Multiple ways to create DB schema</a:t>
-            </a:r>
-          </a:p>
-          <a:p>
-            <a:pPr lvl="1"/>
-            <a:r>
-              <a:rPr lang="en-GB" dirty="0" smtClean="0"/>
-              <a:t>Code First</a:t>
-            </a:r>
-          </a:p>
-          <a:p>
-            <a:pPr lvl="1"/>
-            <a:r>
-              <a:rPr lang="en-GB" dirty="0" smtClean="0"/>
-              <a:t>Database First</a:t>
-            </a:r>
-          </a:p>
-          <a:p>
-            <a:pPr lvl="1"/>
-            <a:r>
-              <a:rPr lang="en-GB" dirty="0" smtClean="0"/>
-              <a:t>Model First</a:t>
-            </a:r>
+      <p:pic>
+        <p:nvPicPr>
+          <p:cNvPr id="3" name="Picture 2"/>
+          <p:cNvPicPr>
+            <a:picLocks noChangeAspect="1"/>
+          </p:cNvPicPr>
+          <p:nvPr/>
+        </p:nvPicPr>
+        <p:blipFill>
+          <a:blip r:embed="rId2">
+            <a:extLst>
+              <a:ext uri="{28A0092B-C50C-407E-A947-70E740481C1C}">
+                <a14:useLocalDpi xmlns:a14="http://schemas.microsoft.com/office/drawing/2010/main" val="0"/>
+              </a:ext>
+            </a:extLst>
+          </a:blip>
+          <a:stretch>
+            <a:fillRect/>
+          </a:stretch>
+        </p:blipFill>
+        <p:spPr>
+          <a:xfrm>
+            <a:off x="3592286" y="0"/>
+            <a:ext cx="5551714" cy="6858000"/>
+          </a:xfrm>
+          <a:prstGeom prst="rect">
+            <a:avLst/>
+          </a:prstGeom>
+        </p:spPr>
+      </p:pic>
+      <p:sp>
+        <p:nvSpPr>
+          <p:cNvPr id="4" name="TextBox 3"/>
+          <p:cNvSpPr txBox="1"/>
+          <p:nvPr/>
+        </p:nvSpPr>
+        <p:spPr>
+          <a:xfrm>
+            <a:off x="609599" y="5390148"/>
+            <a:ext cx="8245643" cy="923330"/>
+          </a:xfrm>
+          <a:prstGeom prst="rect">
+            <a:avLst/>
+          </a:prstGeom>
+        </p:spPr>
+        <p:style>
+          <a:lnRef idx="2">
+            <a:schemeClr val="accent1"/>
+          </a:lnRef>
+          <a:fillRef idx="1">
+            <a:schemeClr val="lt1"/>
+          </a:fillRef>
+          <a:effectRef idx="0">
+            <a:schemeClr val="accent1"/>
+          </a:effectRef>
+          <a:fontRef idx="minor">
+            <a:schemeClr val="dk1"/>
+          </a:fontRef>
+        </p:style>
+        <p:txBody>
+          <a:bodyPr wrap="square" rtlCol="0">
+            <a:spAutoFit/>
+          </a:bodyPr>
+          <a:lstStyle/>
+          <a:p>
+            <a:r>
+              <a:rPr lang="en-GB" dirty="0"/>
+              <a:t>​http://localhost:9190/api/5/5/5?startdate=01-01-1560&amp;enddate=01-01-1950&amp;categories=war|love&amp;keywords=hello|world​</a:t>
+            </a:r>
+          </a:p>
+          <a:p>
             <a:endParaRPr lang="en-GB" dirty="0"/>
           </a:p>
         </p:txBody>
@@ -6359,13 +6480,20 @@
     </p:spTree>
     <p:extLst>
       <p:ext uri="{BB962C8B-B14F-4D97-AF65-F5344CB8AC3E}">
-        <p14:creationId xmlns:p14="http://schemas.microsoft.com/office/powerpoint/2010/main" val="2898770728"/>
+        <p14:creationId xmlns:p14="http://schemas.microsoft.com/office/powerpoint/2010/main" val="1244160031"/>
       </p:ext>
     </p:extLst>
   </p:cSld>
   <p:clrMapOvr>
     <a:masterClrMapping/>
   </p:clrMapOvr>
+  <p:timing>
+    <p:tnLst>
+      <p:par>
+        <p:cTn id="1" dur="indefinite" restart="never" nodeType="tmRoot"/>
+      </p:par>
+    </p:tnLst>
+  </p:timing>
 </p:sld>
 </file>
 
@@ -6403,7 +6531,7 @@
           <a:p>
             <a:r>
               <a:rPr lang="en-GB" dirty="0" smtClean="0"/>
-              <a:t>Info Gatherer</a:t>
+              <a:t>Query logic</a:t>
             </a:r>
             <a:endParaRPr lang="en-GB" dirty="0"/>
           </a:p>
@@ -6426,50 +6554,55 @@
           <a:p>
             <a:r>
               <a:rPr lang="en-GB" dirty="0" smtClean="0"/>
-              <a:t>Code to acquire data from third party sources</a:t>
+              <a:t>Search by proximity to a given location</a:t>
             </a:r>
           </a:p>
           <a:p>
             <a:r>
               <a:rPr lang="en-GB" dirty="0" smtClean="0"/>
-              <a:t>Needed to be able to get data from different sources</a:t>
+              <a:t>Search by key words</a:t>
             </a:r>
           </a:p>
           <a:p>
             <a:r>
               <a:rPr lang="en-GB" dirty="0" smtClean="0"/>
-              <a:t>Keeping the same interface to communicate with rest of application</a:t>
+              <a:t>Search by category, categories or not</a:t>
             </a:r>
           </a:p>
           <a:p>
             <a:r>
               <a:rPr lang="en-GB" dirty="0" smtClean="0"/>
-              <a:t>Strategy pattern to load in behaviour</a:t>
-            </a:r>
+              <a:t>Search within date ranges</a:t>
+            </a:r>
+          </a:p>
+          <a:p>
+            <a:endParaRPr lang="en-GB" dirty="0"/>
           </a:p>
           <a:p>
             <a:r>
               <a:rPr lang="en-GB" dirty="0" smtClean="0"/>
-              <a:t>Good use for </a:t>
-            </a:r>
-            <a:r>
-              <a:rPr lang="en-GB" dirty="0" err="1" smtClean="0"/>
-              <a:t>IoC</a:t>
-            </a:r>
-            <a:endParaRPr lang="en-GB" dirty="0"/>
+              <a:t>Or all of the above?</a:t>
+            </a:r>
           </a:p>
         </p:txBody>
       </p:sp>
     </p:spTree>
     <p:extLst>
       <p:ext uri="{BB962C8B-B14F-4D97-AF65-F5344CB8AC3E}">
-        <p14:creationId xmlns:p14="http://schemas.microsoft.com/office/powerpoint/2010/main" val="2586974610"/>
+        <p14:creationId xmlns:p14="http://schemas.microsoft.com/office/powerpoint/2010/main" val="1968824848"/>
       </p:ext>
     </p:extLst>
   </p:cSld>
   <p:clrMapOvr>
     <a:masterClrMapping/>
   </p:clrMapOvr>
+  <p:timing>
+    <p:tnLst>
+      <p:par>
+        <p:cTn id="1" dur="indefinite" restart="never" nodeType="tmRoot"/>
+      </p:par>
+    </p:tnLst>
+  </p:timing>
 </p:sld>
 </file>
 
@@ -6507,11 +6640,234 @@
           <a:p>
             <a:r>
               <a:rPr lang="en-GB" dirty="0" smtClean="0"/>
-              <a:t>Strategy </a:t>
-            </a:r>
+              <a:t>ORM	</a:t>
+            </a:r>
+            <a:endParaRPr lang="en-GB" dirty="0"/>
+          </a:p>
+        </p:txBody>
+      </p:sp>
+      <p:sp>
+        <p:nvSpPr>
+          <p:cNvPr id="3" name="Content Placeholder 2"/>
+          <p:cNvSpPr>
+            <a:spLocks noGrp="1"/>
+          </p:cNvSpPr>
+          <p:nvPr>
+            <p:ph idx="1"/>
+          </p:nvPr>
+        </p:nvSpPr>
+        <p:spPr/>
+        <p:txBody>
+          <a:bodyPr/>
+          <a:lstStyle/>
+          <a:p>
             <a:r>
               <a:rPr lang="en-GB" dirty="0" smtClean="0"/>
-              <a:t>Pattern</a:t>
+              <a:t>Entity Framework</a:t>
+            </a:r>
+          </a:p>
+          <a:p>
+            <a:r>
+              <a:rPr lang="en-GB" dirty="0" smtClean="0"/>
+              <a:t>Abstraction layer data business logic</a:t>
+            </a:r>
+          </a:p>
+          <a:p>
+            <a:r>
+              <a:rPr lang="en-GB" dirty="0" smtClean="0"/>
+              <a:t>Multiple ways to create DB schema</a:t>
+            </a:r>
+          </a:p>
+          <a:p>
+            <a:pPr lvl="1"/>
+            <a:r>
+              <a:rPr lang="en-GB" dirty="0" smtClean="0"/>
+              <a:t>Code First</a:t>
+            </a:r>
+          </a:p>
+          <a:p>
+            <a:pPr lvl="1"/>
+            <a:r>
+              <a:rPr lang="en-GB" dirty="0" smtClean="0"/>
+              <a:t>Database First</a:t>
+            </a:r>
+          </a:p>
+          <a:p>
+            <a:pPr lvl="1"/>
+            <a:r>
+              <a:rPr lang="en-GB" dirty="0" smtClean="0"/>
+              <a:t>Model First</a:t>
+            </a:r>
+            <a:endParaRPr lang="en-GB" dirty="0"/>
+          </a:p>
+        </p:txBody>
+      </p:sp>
+    </p:spTree>
+    <p:extLst>
+      <p:ext uri="{BB962C8B-B14F-4D97-AF65-F5344CB8AC3E}">
+        <p14:creationId xmlns:p14="http://schemas.microsoft.com/office/powerpoint/2010/main" val="2898770728"/>
+      </p:ext>
+    </p:extLst>
+  </p:cSld>
+  <p:clrMapOvr>
+    <a:masterClrMapping/>
+  </p:clrMapOvr>
+  <p:timing>
+    <p:tnLst>
+      <p:par>
+        <p:cTn id="1" dur="indefinite" restart="never" nodeType="tmRoot"/>
+      </p:par>
+    </p:tnLst>
+  </p:timing>
+</p:sld>
+</file>
+
+<file path=ppt/slides/slide14.xml><?xml version="1.0" encoding="utf-8"?>
+<p:sld xmlns:a="http://schemas.openxmlformats.org/drawingml/2006/main" xmlns:r="http://schemas.openxmlformats.org/officeDocument/2006/relationships" xmlns:p="http://schemas.openxmlformats.org/presentationml/2006/main">
+  <p:cSld>
+    <p:spTree>
+      <p:nvGrpSpPr>
+        <p:cNvPr id="1" name=""/>
+        <p:cNvGrpSpPr/>
+        <p:nvPr/>
+      </p:nvGrpSpPr>
+      <p:grpSpPr>
+        <a:xfrm>
+          <a:off x="0" y="0"/>
+          <a:ext cx="0" cy="0"/>
+          <a:chOff x="0" y="0"/>
+          <a:chExt cx="0" cy="0"/>
+        </a:xfrm>
+      </p:grpSpPr>
+      <p:sp>
+        <p:nvSpPr>
+          <p:cNvPr id="2" name="Title 1"/>
+          <p:cNvSpPr>
+            <a:spLocks noGrp="1"/>
+          </p:cNvSpPr>
+          <p:nvPr>
+            <p:ph type="title"/>
+          </p:nvPr>
+        </p:nvSpPr>
+        <p:spPr/>
+        <p:txBody>
+          <a:bodyPr/>
+          <a:lstStyle/>
+          <a:p>
+            <a:r>
+              <a:rPr lang="en-GB" dirty="0" smtClean="0"/>
+              <a:t>Info Gatherer</a:t>
+            </a:r>
+            <a:endParaRPr lang="en-GB" dirty="0"/>
+          </a:p>
+        </p:txBody>
+      </p:sp>
+      <p:sp>
+        <p:nvSpPr>
+          <p:cNvPr id="3" name="Content Placeholder 2"/>
+          <p:cNvSpPr>
+            <a:spLocks noGrp="1"/>
+          </p:cNvSpPr>
+          <p:nvPr>
+            <p:ph idx="1"/>
+          </p:nvPr>
+        </p:nvSpPr>
+        <p:spPr/>
+        <p:txBody>
+          <a:bodyPr/>
+          <a:lstStyle/>
+          <a:p>
+            <a:r>
+              <a:rPr lang="en-GB" dirty="0" smtClean="0"/>
+              <a:t>Code to acquire data from third party sources</a:t>
+            </a:r>
+          </a:p>
+          <a:p>
+            <a:r>
+              <a:rPr lang="en-GB" dirty="0" smtClean="0"/>
+              <a:t>Needed to be able to get data from different sources</a:t>
+            </a:r>
+          </a:p>
+          <a:p>
+            <a:r>
+              <a:rPr lang="en-GB" dirty="0" smtClean="0"/>
+              <a:t>Keeping the same interface to communicate with rest of application</a:t>
+            </a:r>
+          </a:p>
+          <a:p>
+            <a:r>
+              <a:rPr lang="en-GB" dirty="0" smtClean="0"/>
+              <a:t>Strategy pattern to load in behaviour</a:t>
+            </a:r>
+          </a:p>
+          <a:p>
+            <a:r>
+              <a:rPr lang="en-GB" dirty="0" smtClean="0"/>
+              <a:t>Good use for </a:t>
+            </a:r>
+            <a:r>
+              <a:rPr lang="en-GB" dirty="0" err="1" smtClean="0"/>
+              <a:t>IoC</a:t>
+            </a:r>
+            <a:endParaRPr lang="en-GB" dirty="0"/>
+          </a:p>
+        </p:txBody>
+      </p:sp>
+    </p:spTree>
+    <p:extLst>
+      <p:ext uri="{BB962C8B-B14F-4D97-AF65-F5344CB8AC3E}">
+        <p14:creationId xmlns:p14="http://schemas.microsoft.com/office/powerpoint/2010/main" val="2586974610"/>
+      </p:ext>
+    </p:extLst>
+  </p:cSld>
+  <p:clrMapOvr>
+    <a:masterClrMapping/>
+  </p:clrMapOvr>
+  <p:timing>
+    <p:tnLst>
+      <p:par>
+        <p:cTn id="1" dur="indefinite" restart="never" nodeType="tmRoot"/>
+      </p:par>
+    </p:tnLst>
+  </p:timing>
+</p:sld>
+</file>
+
+<file path=ppt/slides/slide15.xml><?xml version="1.0" encoding="utf-8"?>
+<p:sld xmlns:a="http://schemas.openxmlformats.org/drawingml/2006/main" xmlns:r="http://schemas.openxmlformats.org/officeDocument/2006/relationships" xmlns:p="http://schemas.openxmlformats.org/presentationml/2006/main">
+  <p:cSld>
+    <p:spTree>
+      <p:nvGrpSpPr>
+        <p:cNvPr id="1" name=""/>
+        <p:cNvGrpSpPr/>
+        <p:nvPr/>
+      </p:nvGrpSpPr>
+      <p:grpSpPr>
+        <a:xfrm>
+          <a:off x="0" y="0"/>
+          <a:ext cx="0" cy="0"/>
+          <a:chOff x="0" y="0"/>
+          <a:chExt cx="0" cy="0"/>
+        </a:xfrm>
+      </p:grpSpPr>
+      <p:sp>
+        <p:nvSpPr>
+          <p:cNvPr id="2" name="Title 1"/>
+          <p:cNvSpPr>
+            <a:spLocks noGrp="1"/>
+          </p:cNvSpPr>
+          <p:nvPr>
+            <p:ph type="title"/>
+          </p:nvPr>
+        </p:nvSpPr>
+        <p:spPr/>
+        <p:txBody>
+          <a:bodyPr/>
+          <a:lstStyle/>
+          <a:p>
+            <a:r>
+              <a:rPr lang="en-GB" dirty="0" smtClean="0"/>
+              <a:t>Strategy Pattern</a:t>
             </a:r>
             <a:endParaRPr lang="en-IE" dirty="0"/>
           </a:p>
@@ -6566,6 +6922,290 @@
 </p:sld>
 </file>
 
+<file path=ppt/slides/slide16.xml><?xml version="1.0" encoding="utf-8"?>
+<p:sld xmlns:a="http://schemas.openxmlformats.org/drawingml/2006/main" xmlns:r="http://schemas.openxmlformats.org/officeDocument/2006/relationships" xmlns:p="http://schemas.openxmlformats.org/presentationml/2006/main">
+  <p:cSld>
+    <p:spTree>
+      <p:nvGrpSpPr>
+        <p:cNvPr id="1" name=""/>
+        <p:cNvGrpSpPr/>
+        <p:nvPr/>
+      </p:nvGrpSpPr>
+      <p:grpSpPr>
+        <a:xfrm>
+          <a:off x="0" y="0"/>
+          <a:ext cx="0" cy="0"/>
+          <a:chOff x="0" y="0"/>
+          <a:chExt cx="0" cy="0"/>
+        </a:xfrm>
+      </p:grpSpPr>
+      <p:sp>
+        <p:nvSpPr>
+          <p:cNvPr id="2" name="Title 1"/>
+          <p:cNvSpPr>
+            <a:spLocks noGrp="1"/>
+          </p:cNvSpPr>
+          <p:nvPr>
+            <p:ph type="title"/>
+          </p:nvPr>
+        </p:nvSpPr>
+        <p:spPr/>
+        <p:txBody>
+          <a:bodyPr/>
+          <a:lstStyle/>
+          <a:p>
+            <a:r>
+              <a:rPr lang="en-IE" dirty="0" smtClean="0"/>
+              <a:t>Testing</a:t>
+            </a:r>
+            <a:endParaRPr lang="en-GB" dirty="0"/>
+          </a:p>
+        </p:txBody>
+      </p:sp>
+      <p:sp>
+        <p:nvSpPr>
+          <p:cNvPr id="3" name="Content Placeholder 2"/>
+          <p:cNvSpPr>
+            <a:spLocks noGrp="1"/>
+          </p:cNvSpPr>
+          <p:nvPr>
+            <p:ph idx="1"/>
+          </p:nvPr>
+        </p:nvSpPr>
+        <p:spPr/>
+        <p:txBody>
+          <a:bodyPr/>
+          <a:lstStyle/>
+          <a:p>
+            <a:r>
+              <a:rPr lang="en-IE" dirty="0" smtClean="0"/>
+              <a:t>Unit testing for</a:t>
+            </a:r>
+          </a:p>
+          <a:p>
+            <a:pPr lvl="1"/>
+            <a:r>
+              <a:rPr lang="en-IE" dirty="0" smtClean="0"/>
+              <a:t>Controllers</a:t>
+            </a:r>
+          </a:p>
+          <a:p>
+            <a:pPr lvl="1"/>
+            <a:r>
+              <a:rPr lang="en-IE" dirty="0" smtClean="0"/>
+              <a:t>Model validation via use </a:t>
+            </a:r>
+            <a:r>
+              <a:rPr lang="en-IE" dirty="0"/>
+              <a:t>of </a:t>
+            </a:r>
+            <a:r>
+              <a:rPr lang="en-IE" dirty="0" err="1"/>
+              <a:t>Moq</a:t>
+            </a:r>
+            <a:r>
+              <a:rPr lang="en-IE" dirty="0"/>
+              <a:t> </a:t>
+            </a:r>
+            <a:r>
+              <a:rPr lang="en-IE" dirty="0" smtClean="0"/>
+              <a:t>library for fake controllers</a:t>
+            </a:r>
+          </a:p>
+          <a:p>
+            <a:pPr lvl="1"/>
+            <a:r>
+              <a:rPr lang="en-IE" dirty="0" err="1" smtClean="0"/>
+              <a:t>InfoGatherer</a:t>
+            </a:r>
+            <a:r>
+              <a:rPr lang="en-IE" dirty="0" smtClean="0"/>
+              <a:t> and associated strategies</a:t>
+            </a:r>
+          </a:p>
+          <a:p>
+            <a:r>
+              <a:rPr lang="en-IE" dirty="0" smtClean="0"/>
+              <a:t>Manual integration and system testing</a:t>
+            </a:r>
+          </a:p>
+          <a:p>
+            <a:pPr lvl="1"/>
+            <a:r>
+              <a:rPr lang="en-IE" dirty="0" smtClean="0"/>
+              <a:t>Visually inspect a number of outcomes </a:t>
+            </a:r>
+          </a:p>
+          <a:p>
+            <a:pPr lvl="1"/>
+            <a:endParaRPr lang="en-GB" dirty="0"/>
+          </a:p>
+        </p:txBody>
+      </p:sp>
+    </p:spTree>
+    <p:extLst>
+      <p:ext uri="{BB962C8B-B14F-4D97-AF65-F5344CB8AC3E}">
+        <p14:creationId xmlns:p14="http://schemas.microsoft.com/office/powerpoint/2010/main" val="2996582163"/>
+      </p:ext>
+    </p:extLst>
+  </p:cSld>
+  <p:clrMapOvr>
+    <a:masterClrMapping/>
+  </p:clrMapOvr>
+  <p:timing>
+    <p:tnLst>
+      <p:par>
+        <p:cTn id="1" dur="indefinite" restart="never" nodeType="tmRoot"/>
+      </p:par>
+    </p:tnLst>
+  </p:timing>
+</p:sld>
+</file>
+
+<file path=ppt/slides/slide17.xml><?xml version="1.0" encoding="utf-8"?>
+<p:sld xmlns:a="http://schemas.openxmlformats.org/drawingml/2006/main" xmlns:r="http://schemas.openxmlformats.org/officeDocument/2006/relationships" xmlns:p="http://schemas.openxmlformats.org/presentationml/2006/main">
+  <p:cSld>
+    <p:spTree>
+      <p:nvGrpSpPr>
+        <p:cNvPr id="1" name=""/>
+        <p:cNvGrpSpPr/>
+        <p:nvPr/>
+      </p:nvGrpSpPr>
+      <p:grpSpPr>
+        <a:xfrm>
+          <a:off x="0" y="0"/>
+          <a:ext cx="0" cy="0"/>
+          <a:chOff x="0" y="0"/>
+          <a:chExt cx="0" cy="0"/>
+        </a:xfrm>
+      </p:grpSpPr>
+      <p:sp>
+        <p:nvSpPr>
+          <p:cNvPr id="2" name="Title 1"/>
+          <p:cNvSpPr>
+            <a:spLocks noGrp="1"/>
+          </p:cNvSpPr>
+          <p:nvPr>
+            <p:ph type="title"/>
+          </p:nvPr>
+        </p:nvSpPr>
+        <p:spPr/>
+        <p:txBody>
+          <a:bodyPr/>
+          <a:lstStyle/>
+          <a:p>
+            <a:r>
+              <a:rPr lang="en-IE" dirty="0" smtClean="0"/>
+              <a:t>Additional Info</a:t>
+            </a:r>
+            <a:endParaRPr lang="en-GB" dirty="0"/>
+          </a:p>
+        </p:txBody>
+      </p:sp>
+      <p:sp>
+        <p:nvSpPr>
+          <p:cNvPr id="3" name="Content Placeholder 2"/>
+          <p:cNvSpPr>
+            <a:spLocks noGrp="1"/>
+          </p:cNvSpPr>
+          <p:nvPr>
+            <p:ph idx="1"/>
+          </p:nvPr>
+        </p:nvSpPr>
+        <p:spPr>
+          <a:xfrm>
+            <a:off x="609599" y="1657350"/>
+            <a:ext cx="6347714" cy="4384013"/>
+          </a:xfrm>
+        </p:spPr>
+        <p:txBody>
+          <a:bodyPr/>
+          <a:lstStyle/>
+          <a:p>
+            <a:r>
+              <a:rPr lang="en-IE" dirty="0" smtClean="0"/>
+              <a:t>Creation of custom </a:t>
+            </a:r>
+            <a:r>
+              <a:rPr lang="en-IE" dirty="0" err="1" smtClean="0"/>
+              <a:t>AuthorizeAttribute</a:t>
+            </a:r>
+            <a:endParaRPr lang="en-IE" dirty="0" smtClean="0"/>
+          </a:p>
+          <a:p>
+            <a:pPr lvl="1"/>
+            <a:r>
+              <a:rPr lang="en-IE" dirty="0"/>
+              <a:t>to </a:t>
+            </a:r>
+            <a:r>
+              <a:rPr lang="en-IE" dirty="0" smtClean="0"/>
+              <a:t>allow use of </a:t>
+            </a:r>
+            <a:r>
+              <a:rPr lang="en-IE" dirty="0" err="1" smtClean="0"/>
+              <a:t>enum</a:t>
+            </a:r>
+            <a:r>
+              <a:rPr lang="en-IE" dirty="0" smtClean="0"/>
+              <a:t> types for role authorization</a:t>
+            </a:r>
+          </a:p>
+          <a:p>
+            <a:pPr lvl="1"/>
+            <a:r>
+              <a:rPr lang="en-IE" dirty="0" smtClean="0"/>
+              <a:t>Default functionality requires explicit strings</a:t>
+            </a:r>
+          </a:p>
+          <a:p>
+            <a:r>
+              <a:rPr lang="en-IE" dirty="0" smtClean="0"/>
+              <a:t>Extensive use of partial views and custom editor and display helpers</a:t>
+            </a:r>
+          </a:p>
+          <a:p>
+            <a:pPr lvl="1"/>
+            <a:r>
+              <a:rPr lang="en-IE" dirty="0" smtClean="0"/>
+              <a:t>Cutting down on repetition, making more maintainable views</a:t>
+            </a:r>
+          </a:p>
+          <a:p>
+            <a:r>
+              <a:rPr lang="en-IE" dirty="0" smtClean="0"/>
+              <a:t>Use of paging library to cater for large event data sets</a:t>
+            </a:r>
+          </a:p>
+          <a:p>
+            <a:r>
+              <a:rPr lang="en-IE" dirty="0" smtClean="0"/>
+              <a:t>Successful deployment to Microsoft Azure Platform</a:t>
+            </a:r>
+            <a:endParaRPr lang="en-GB" dirty="0"/>
+          </a:p>
+        </p:txBody>
+      </p:sp>
+    </p:spTree>
+    <p:extLst>
+      <p:ext uri="{BB962C8B-B14F-4D97-AF65-F5344CB8AC3E}">
+        <p14:creationId xmlns:p14="http://schemas.microsoft.com/office/powerpoint/2010/main" val="3696355610"/>
+      </p:ext>
+    </p:extLst>
+  </p:cSld>
+  <p:clrMapOvr>
+    <a:masterClrMapping/>
+  </p:clrMapOvr>
+  <p:timing>
+    <p:tnLst>
+      <p:par>
+        <p:cTn id="1" dur="indefinite" restart="never" nodeType="tmRoot"/>
+      </p:par>
+    </p:tnLst>
+  </p:timing>
+</p:sld>
+</file>
+
 <file path=ppt/slides/slide2.xml><?xml version="1.0" encoding="utf-8"?>
 <p:sld xmlns:a="http://schemas.openxmlformats.org/drawingml/2006/main" xmlns:r="http://schemas.openxmlformats.org/officeDocument/2006/relationships" xmlns:p="http://schemas.openxmlformats.org/presentationml/2006/main">
   <p:cSld>
@@ -6632,14 +7272,28 @@
           <a:p>
             <a:r>
               <a:rPr lang="en-IE" dirty="0" smtClean="0"/>
-              <a:t>Provides ability to manage content for RIA</a:t>
-            </a:r>
-          </a:p>
-          <a:p>
+              <a:t>Provides ability to manage content for </a:t>
+            </a:r>
             <a:r>
               <a:rPr lang="en-IE" dirty="0" smtClean="0"/>
-              <a:t>Provide a Web API for RIA to access data</a:t>
-            </a:r>
+              <a:t>RIA</a:t>
+            </a:r>
+          </a:p>
+          <a:p>
+            <a:endParaRPr lang="en-IE" dirty="0" smtClean="0"/>
+          </a:p>
+          <a:p>
+            <a:r>
+              <a:rPr lang="en-IE" dirty="0" smtClean="0"/>
+              <a:t>Provide a Web API for RIA to access </a:t>
+            </a:r>
+            <a:r>
+              <a:rPr lang="en-IE" dirty="0" smtClean="0"/>
+              <a:t>data</a:t>
+            </a:r>
+          </a:p>
+          <a:p>
+            <a:endParaRPr lang="en-IE" dirty="0" smtClean="0"/>
           </a:p>
           <a:p>
             <a:r>
@@ -7127,6 +7781,306 @@
 </file>
 
 <file path=ppt/slides/slide4.xml><?xml version="1.0" encoding="utf-8"?>
+<p:sld xmlns:a="http://schemas.openxmlformats.org/drawingml/2006/main" xmlns:r="http://schemas.openxmlformats.org/officeDocument/2006/relationships" xmlns:p="http://schemas.openxmlformats.org/presentationml/2006/main" showMasterSp="0">
+  <p:cSld>
+    <p:spTree>
+      <p:nvGrpSpPr>
+        <p:cNvPr id="1" name=""/>
+        <p:cNvGrpSpPr/>
+        <p:nvPr/>
+      </p:nvGrpSpPr>
+      <p:grpSpPr>
+        <a:xfrm>
+          <a:off x="0" y="0"/>
+          <a:ext cx="0" cy="0"/>
+          <a:chOff x="0" y="0"/>
+          <a:chExt cx="0" cy="0"/>
+        </a:xfrm>
+      </p:grpSpPr>
+      <p:sp>
+        <p:nvSpPr>
+          <p:cNvPr id="2" name="Title 1"/>
+          <p:cNvSpPr>
+            <a:spLocks noGrp="1"/>
+          </p:cNvSpPr>
+          <p:nvPr>
+            <p:ph type="title"/>
+          </p:nvPr>
+        </p:nvSpPr>
+        <p:spPr/>
+        <p:txBody>
+          <a:bodyPr/>
+          <a:lstStyle/>
+          <a:p>
+            <a:r>
+              <a:rPr lang="en-GB" dirty="0" smtClean="0"/>
+              <a:t>Demo</a:t>
+            </a:r>
+            <a:r>
+              <a:rPr lang="en-GB" dirty="0" smtClean="0"/>
+              <a:t>….Listing Events</a:t>
+            </a:r>
+            <a:endParaRPr lang="en-GB" dirty="0"/>
+          </a:p>
+        </p:txBody>
+      </p:sp>
+      <p:pic>
+        <p:nvPicPr>
+          <p:cNvPr id="5" name="Picture 4"/>
+          <p:cNvPicPr>
+            <a:picLocks noChangeAspect="1"/>
+          </p:cNvPicPr>
+          <p:nvPr/>
+        </p:nvPicPr>
+        <p:blipFill>
+          <a:blip r:embed="rId2">
+            <a:extLst>
+              <a:ext uri="{28A0092B-C50C-407E-A947-70E740481C1C}">
+                <a14:useLocalDpi xmlns:a14="http://schemas.microsoft.com/office/drawing/2010/main" val="0"/>
+              </a:ext>
+            </a:extLst>
+          </a:blip>
+          <a:stretch>
+            <a:fillRect/>
+          </a:stretch>
+        </p:blipFill>
+        <p:spPr>
+          <a:xfrm>
+            <a:off x="766618" y="1412396"/>
+            <a:ext cx="7573818" cy="5464654"/>
+          </a:xfrm>
+          <a:prstGeom prst="rect">
+            <a:avLst/>
+          </a:prstGeom>
+          <a:noFill/>
+          <a:ln>
+            <a:solidFill>
+              <a:schemeClr val="tx1"/>
+            </a:solidFill>
+          </a:ln>
+        </p:spPr>
+      </p:pic>
+    </p:spTree>
+    <p:extLst>
+      <p:ext uri="{BB962C8B-B14F-4D97-AF65-F5344CB8AC3E}">
+        <p14:creationId xmlns:p14="http://schemas.microsoft.com/office/powerpoint/2010/main" val="1832128140"/>
+      </p:ext>
+    </p:extLst>
+  </p:cSld>
+  <p:clrMapOvr>
+    <a:masterClrMapping/>
+  </p:clrMapOvr>
+  <p:timing>
+    <p:tnLst>
+      <p:par>
+        <p:cTn id="1" dur="indefinite" restart="never" nodeType="tmRoot"/>
+      </p:par>
+    </p:tnLst>
+  </p:timing>
+</p:sld>
+</file>
+
+<file path=ppt/slides/slide5.xml><?xml version="1.0" encoding="utf-8"?>
+<p:sld xmlns:a="http://schemas.openxmlformats.org/drawingml/2006/main" xmlns:r="http://schemas.openxmlformats.org/officeDocument/2006/relationships" xmlns:p="http://schemas.openxmlformats.org/presentationml/2006/main" showMasterSp="0">
+  <p:cSld>
+    <p:spTree>
+      <p:nvGrpSpPr>
+        <p:cNvPr id="1" name=""/>
+        <p:cNvGrpSpPr/>
+        <p:nvPr/>
+      </p:nvGrpSpPr>
+      <p:grpSpPr>
+        <a:xfrm>
+          <a:off x="0" y="0"/>
+          <a:ext cx="0" cy="0"/>
+          <a:chOff x="0" y="0"/>
+          <a:chExt cx="0" cy="0"/>
+        </a:xfrm>
+      </p:grpSpPr>
+      <p:sp>
+        <p:nvSpPr>
+          <p:cNvPr id="2" name="Title 1"/>
+          <p:cNvSpPr>
+            <a:spLocks noGrp="1"/>
+          </p:cNvSpPr>
+          <p:nvPr>
+            <p:ph type="title"/>
+          </p:nvPr>
+        </p:nvSpPr>
+        <p:spPr/>
+        <p:txBody>
+          <a:bodyPr/>
+          <a:lstStyle/>
+          <a:p>
+            <a:r>
+              <a:rPr lang="en-GB" dirty="0" smtClean="0"/>
+              <a:t>Demo</a:t>
+            </a:r>
+            <a:r>
+              <a:rPr lang="en-GB" dirty="0" smtClean="0"/>
+              <a:t>….Adding New Event</a:t>
+            </a:r>
+            <a:endParaRPr lang="en-GB" dirty="0"/>
+          </a:p>
+        </p:txBody>
+      </p:sp>
+      <p:pic>
+        <p:nvPicPr>
+          <p:cNvPr id="5" name="Picture 4"/>
+          <p:cNvPicPr>
+            <a:picLocks noChangeAspect="1"/>
+          </p:cNvPicPr>
+          <p:nvPr/>
+        </p:nvPicPr>
+        <p:blipFill>
+          <a:blip r:embed="rId2">
+            <a:extLst>
+              <a:ext uri="{28A0092B-C50C-407E-A947-70E740481C1C}">
+                <a14:useLocalDpi xmlns:a14="http://schemas.microsoft.com/office/drawing/2010/main" val="0"/>
+              </a:ext>
+            </a:extLst>
+          </a:blip>
+          <a:stretch>
+            <a:fillRect/>
+          </a:stretch>
+        </p:blipFill>
+        <p:spPr>
+          <a:xfrm>
+            <a:off x="766618" y="1412396"/>
+            <a:ext cx="7573818" cy="5464653"/>
+          </a:xfrm>
+          <a:prstGeom prst="rect">
+            <a:avLst/>
+          </a:prstGeom>
+          <a:noFill/>
+          <a:ln>
+            <a:solidFill>
+              <a:schemeClr val="tx1"/>
+            </a:solidFill>
+          </a:ln>
+        </p:spPr>
+      </p:pic>
+    </p:spTree>
+    <p:extLst>
+      <p:ext uri="{BB962C8B-B14F-4D97-AF65-F5344CB8AC3E}">
+        <p14:creationId xmlns:p14="http://schemas.microsoft.com/office/powerpoint/2010/main" val="766968661"/>
+      </p:ext>
+    </p:extLst>
+  </p:cSld>
+  <p:clrMapOvr>
+    <a:masterClrMapping/>
+  </p:clrMapOvr>
+  <p:timing>
+    <p:tnLst>
+      <p:par>
+        <p:cTn id="1" dur="indefinite" restart="never" nodeType="tmRoot"/>
+      </p:par>
+    </p:tnLst>
+  </p:timing>
+</p:sld>
+</file>
+
+<file path=ppt/slides/slide6.xml><?xml version="1.0" encoding="utf-8"?>
+<p:sld xmlns:a="http://schemas.openxmlformats.org/drawingml/2006/main" xmlns:r="http://schemas.openxmlformats.org/officeDocument/2006/relationships" xmlns:p="http://schemas.openxmlformats.org/presentationml/2006/main" showMasterSp="0">
+  <p:cSld>
+    <p:spTree>
+      <p:nvGrpSpPr>
+        <p:cNvPr id="1" name=""/>
+        <p:cNvGrpSpPr/>
+        <p:nvPr/>
+      </p:nvGrpSpPr>
+      <p:grpSpPr>
+        <a:xfrm>
+          <a:off x="0" y="0"/>
+          <a:ext cx="0" cy="0"/>
+          <a:chOff x="0" y="0"/>
+          <a:chExt cx="0" cy="0"/>
+        </a:xfrm>
+      </p:grpSpPr>
+      <p:sp>
+        <p:nvSpPr>
+          <p:cNvPr id="2" name="Title 1"/>
+          <p:cNvSpPr>
+            <a:spLocks noGrp="1"/>
+          </p:cNvSpPr>
+          <p:nvPr>
+            <p:ph type="title"/>
+          </p:nvPr>
+        </p:nvSpPr>
+        <p:spPr/>
+        <p:txBody>
+          <a:bodyPr/>
+          <a:lstStyle/>
+          <a:p>
+            <a:r>
+              <a:rPr lang="en-GB" dirty="0" smtClean="0"/>
+              <a:t>Demo</a:t>
+            </a:r>
+            <a:r>
+              <a:rPr lang="en-GB" dirty="0" smtClean="0"/>
+              <a:t>….User Management</a:t>
+            </a:r>
+            <a:endParaRPr lang="en-GB" dirty="0"/>
+          </a:p>
+        </p:txBody>
+      </p:sp>
+      <p:pic>
+        <p:nvPicPr>
+          <p:cNvPr id="5" name="Picture 4"/>
+          <p:cNvPicPr>
+            <a:picLocks noChangeAspect="1"/>
+          </p:cNvPicPr>
+          <p:nvPr/>
+        </p:nvPicPr>
+        <p:blipFill>
+          <a:blip r:embed="rId2">
+            <a:extLst>
+              <a:ext uri="{28A0092B-C50C-407E-A947-70E740481C1C}">
+                <a14:useLocalDpi xmlns:a14="http://schemas.microsoft.com/office/drawing/2010/main" val="0"/>
+              </a:ext>
+            </a:extLst>
+          </a:blip>
+          <a:stretch>
+            <a:fillRect/>
+          </a:stretch>
+        </p:blipFill>
+        <p:spPr>
+          <a:xfrm>
+            <a:off x="766618" y="1412396"/>
+            <a:ext cx="7573817" cy="5464653"/>
+          </a:xfrm>
+          <a:prstGeom prst="rect">
+            <a:avLst/>
+          </a:prstGeom>
+          <a:noFill/>
+          <a:ln>
+            <a:solidFill>
+              <a:schemeClr val="tx1"/>
+            </a:solidFill>
+          </a:ln>
+        </p:spPr>
+      </p:pic>
+    </p:spTree>
+    <p:extLst>
+      <p:ext uri="{BB962C8B-B14F-4D97-AF65-F5344CB8AC3E}">
+        <p14:creationId xmlns:p14="http://schemas.microsoft.com/office/powerpoint/2010/main" val="2935304178"/>
+      </p:ext>
+    </p:extLst>
+  </p:cSld>
+  <p:clrMapOvr>
+    <a:masterClrMapping/>
+  </p:clrMapOvr>
+  <p:timing>
+    <p:tnLst>
+      <p:par>
+        <p:cTn id="1" dur="indefinite" restart="never" nodeType="tmRoot"/>
+      </p:par>
+    </p:tnLst>
+  </p:timing>
+</p:sld>
+</file>
+
+<file path=ppt/slides/slide7.xml><?xml version="1.0" encoding="utf-8"?>
 <p:sld xmlns:a="http://schemas.openxmlformats.org/drawingml/2006/main" xmlns:r="http://schemas.openxmlformats.org/officeDocument/2006/relationships" xmlns:p="http://schemas.openxmlformats.org/presentationml/2006/main">
   <p:cSld>
     <p:spTree>
@@ -7160,7 +8114,7 @@
           <a:p>
             <a:r>
               <a:rPr lang="en-GB" dirty="0" smtClean="0"/>
-              <a:t>Demo….</a:t>
+              <a:t>User Management</a:t>
             </a:r>
             <a:endParaRPr lang="en-GB" dirty="0"/>
           </a:p>
@@ -7176,29 +8130,113 @@
             <p:ph idx="1"/>
           </p:nvPr>
         </p:nvSpPr>
-        <p:spPr/>
+        <p:spPr>
+          <a:xfrm>
+            <a:off x="609599" y="1609726"/>
+            <a:ext cx="6347714" cy="4431638"/>
+          </a:xfrm>
+        </p:spPr>
         <p:txBody>
           <a:bodyPr/>
           <a:lstStyle/>
           <a:p>
-            <a:endParaRPr lang="en-GB"/>
+            <a:r>
+              <a:rPr lang="en-GB" dirty="0" smtClean="0"/>
+              <a:t>MVC 5 – Identity Framework</a:t>
+            </a:r>
+          </a:p>
+          <a:p>
+            <a:r>
+              <a:rPr lang="en-GB" dirty="0" smtClean="0"/>
+              <a:t>Provides full user management and authorization</a:t>
+            </a:r>
+          </a:p>
+          <a:p>
+            <a:r>
+              <a:rPr lang="en-GB" dirty="0" smtClean="0"/>
+              <a:t>Hook own models up with Identity schema </a:t>
+            </a:r>
+          </a:p>
+          <a:p>
+            <a:r>
+              <a:rPr lang="en-GB" dirty="0" smtClean="0"/>
+              <a:t>User management</a:t>
+            </a:r>
+          </a:p>
+          <a:p>
+            <a:r>
+              <a:rPr lang="en-GB" dirty="0" smtClean="0"/>
+              <a:t>Role assignment</a:t>
+            </a:r>
+          </a:p>
+          <a:p>
+            <a:r>
+              <a:rPr lang="en-GB" dirty="0" smtClean="0"/>
+              <a:t>Control access to certain pages</a:t>
+            </a:r>
+          </a:p>
+          <a:p>
+            <a:pPr lvl="1"/>
+            <a:r>
+              <a:rPr lang="en-GB" dirty="0" smtClean="0"/>
+              <a:t>Admin – role assignment, event deletion</a:t>
+            </a:r>
+          </a:p>
+          <a:p>
+            <a:pPr lvl="1"/>
+            <a:r>
+              <a:rPr lang="en-GB" dirty="0" smtClean="0"/>
+              <a:t>Authorized User - add and edit </a:t>
+            </a:r>
+            <a:r>
+              <a:rPr lang="en-GB" dirty="0" smtClean="0"/>
+              <a:t>records</a:t>
+            </a:r>
+          </a:p>
+          <a:p>
+            <a:r>
+              <a:rPr lang="en-IE" dirty="0" smtClean="0"/>
+              <a:t>Created </a:t>
+            </a:r>
+            <a:r>
+              <a:rPr lang="en-IE" dirty="0" err="1" smtClean="0"/>
+              <a:t>ViewModels</a:t>
+            </a:r>
+            <a:r>
+              <a:rPr lang="en-IE" dirty="0" smtClean="0"/>
+              <a:t> to cater for interaction with rest of application</a:t>
+            </a:r>
+          </a:p>
+          <a:p>
+            <a:r>
+              <a:rPr lang="en-IE" dirty="0" smtClean="0"/>
+              <a:t>High level of difficulty integrating into MVC application</a:t>
+            </a:r>
+            <a:endParaRPr lang="en-GB" dirty="0"/>
           </a:p>
         </p:txBody>
       </p:sp>
     </p:spTree>
     <p:extLst>
       <p:ext uri="{BB962C8B-B14F-4D97-AF65-F5344CB8AC3E}">
-        <p14:creationId xmlns:p14="http://schemas.microsoft.com/office/powerpoint/2010/main" val="1832128140"/>
+        <p14:creationId xmlns:p14="http://schemas.microsoft.com/office/powerpoint/2010/main" val="2794278767"/>
       </p:ext>
     </p:extLst>
   </p:cSld>
   <p:clrMapOvr>
     <a:masterClrMapping/>
   </p:clrMapOvr>
+  <p:timing>
+    <p:tnLst>
+      <p:par>
+        <p:cTn id="1" dur="indefinite" restart="never" nodeType="tmRoot"/>
+      </p:par>
+    </p:tnLst>
+  </p:timing>
 </p:sld>
 </file>
 
-<file path=ppt/slides/slide5.xml><?xml version="1.0" encoding="utf-8"?>
+<file path=ppt/slides/slide8.xml><?xml version="1.0" encoding="utf-8"?>
 <p:sld xmlns:a="http://schemas.openxmlformats.org/drawingml/2006/main" xmlns:r="http://schemas.openxmlformats.org/officeDocument/2006/relationships" xmlns:p="http://schemas.openxmlformats.org/presentationml/2006/main">
   <p:cSld>
     <p:spTree>
@@ -7232,126 +8270,6 @@
           <a:p>
             <a:r>
               <a:rPr lang="en-GB" dirty="0" smtClean="0"/>
-              <a:t>User Management</a:t>
-            </a:r>
-            <a:endParaRPr lang="en-GB" dirty="0"/>
-          </a:p>
-        </p:txBody>
-      </p:sp>
-      <p:sp>
-        <p:nvSpPr>
-          <p:cNvPr id="3" name="Content Placeholder 2"/>
-          <p:cNvSpPr>
-            <a:spLocks noGrp="1"/>
-          </p:cNvSpPr>
-          <p:nvPr>
-            <p:ph idx="1"/>
-          </p:nvPr>
-        </p:nvSpPr>
-        <p:spPr/>
-        <p:txBody>
-          <a:bodyPr/>
-          <a:lstStyle/>
-          <a:p>
-            <a:r>
-              <a:rPr lang="en-GB" dirty="0" smtClean="0"/>
-              <a:t>MVC 5 – Identity Framework</a:t>
-            </a:r>
-          </a:p>
-          <a:p>
-            <a:r>
-              <a:rPr lang="en-GB" dirty="0" smtClean="0"/>
-              <a:t>Provides full user management and authorization</a:t>
-            </a:r>
-          </a:p>
-          <a:p>
-            <a:r>
-              <a:rPr lang="en-GB" dirty="0" smtClean="0"/>
-              <a:t>Hook own models up with Identity schema </a:t>
-            </a:r>
-          </a:p>
-          <a:p>
-            <a:r>
-              <a:rPr lang="en-GB" dirty="0" smtClean="0"/>
-              <a:t>User management</a:t>
-            </a:r>
-          </a:p>
-          <a:p>
-            <a:r>
-              <a:rPr lang="en-GB" dirty="0" smtClean="0"/>
-              <a:t>Role assignment</a:t>
-            </a:r>
-          </a:p>
-          <a:p>
-            <a:r>
-              <a:rPr lang="en-GB" dirty="0" smtClean="0"/>
-              <a:t>Control access to certain pages</a:t>
-            </a:r>
-          </a:p>
-          <a:p>
-            <a:pPr lvl="1"/>
-            <a:r>
-              <a:rPr lang="en-GB" dirty="0" smtClean="0"/>
-              <a:t>Admin – role assignment, event deletion</a:t>
-            </a:r>
-          </a:p>
-          <a:p>
-            <a:pPr lvl="1"/>
-            <a:r>
-              <a:rPr lang="en-GB" dirty="0" smtClean="0"/>
-              <a:t>Authorized User - add and edit records</a:t>
-            </a:r>
-            <a:endParaRPr lang="en-GB" dirty="0"/>
-          </a:p>
-        </p:txBody>
-      </p:sp>
-    </p:spTree>
-    <p:extLst>
-      <p:ext uri="{BB962C8B-B14F-4D97-AF65-F5344CB8AC3E}">
-        <p14:creationId xmlns:p14="http://schemas.microsoft.com/office/powerpoint/2010/main" val="2794278767"/>
-      </p:ext>
-    </p:extLst>
-  </p:cSld>
-  <p:clrMapOvr>
-    <a:masterClrMapping/>
-  </p:clrMapOvr>
-</p:sld>
-</file>
-
-<file path=ppt/slides/slide6.xml><?xml version="1.0" encoding="utf-8"?>
-<p:sld xmlns:a="http://schemas.openxmlformats.org/drawingml/2006/main" xmlns:r="http://schemas.openxmlformats.org/officeDocument/2006/relationships" xmlns:p="http://schemas.openxmlformats.org/presentationml/2006/main">
-  <p:cSld>
-    <p:spTree>
-      <p:nvGrpSpPr>
-        <p:cNvPr id="1" name=""/>
-        <p:cNvGrpSpPr/>
-        <p:nvPr/>
-      </p:nvGrpSpPr>
-      <p:grpSpPr>
-        <a:xfrm>
-          <a:off x="0" y="0"/>
-          <a:ext cx="0" cy="0"/>
-          <a:chOff x="0" y="0"/>
-          <a:chExt cx="0" cy="0"/>
-        </a:xfrm>
-      </p:grpSpPr>
-      <p:sp>
-        <p:nvSpPr>
-          <p:cNvPr id="2" name="Title 1"/>
-          <p:cNvSpPr>
-            <a:spLocks noGrp="1"/>
-          </p:cNvSpPr>
-          <p:nvPr>
-            <p:ph type="title"/>
-          </p:nvPr>
-        </p:nvSpPr>
-        <p:spPr/>
-        <p:txBody>
-          <a:bodyPr/>
-          <a:lstStyle/>
-          <a:p>
-            <a:r>
-              <a:rPr lang="en-GB" dirty="0" smtClean="0"/>
               <a:t>Code First Models</a:t>
             </a:r>
             <a:endParaRPr lang="en-GB" dirty="0"/>
@@ -7379,16 +8297,61 @@
             </a:r>
           </a:p>
           <a:p>
+            <a:pPr lvl="1"/>
+            <a:r>
+              <a:rPr lang="en-IE" dirty="0" smtClean="0"/>
+              <a:t>Need to use </a:t>
+            </a:r>
+            <a:r>
+              <a:rPr lang="en-IE" i="1" dirty="0" smtClean="0"/>
+              <a:t>Datetime2</a:t>
+            </a:r>
+            <a:r>
+              <a:rPr lang="en-IE" dirty="0" smtClean="0"/>
+              <a:t> type for larger date range</a:t>
+            </a:r>
+            <a:endParaRPr lang="en-GB" dirty="0" smtClean="0"/>
+          </a:p>
+          <a:p>
             <a:r>
               <a:rPr lang="en-GB" dirty="0" smtClean="0"/>
               <a:t>Location</a:t>
             </a:r>
           </a:p>
           <a:p>
-            <a:r>
-              <a:rPr lang="en-GB" dirty="0" smtClean="0"/>
+            <a:pPr lvl="1"/>
+            <a:r>
+              <a:rPr lang="en-IE" dirty="0" smtClean="0"/>
+              <a:t>Use of SQL Server </a:t>
+            </a:r>
+            <a:r>
+              <a:rPr lang="en-IE" i="1" dirty="0" smtClean="0"/>
+              <a:t>Geography</a:t>
+            </a:r>
+            <a:r>
+              <a:rPr lang="en-IE" dirty="0" smtClean="0"/>
+              <a:t> type</a:t>
+            </a:r>
+            <a:endParaRPr lang="en-GB" dirty="0" smtClean="0"/>
+          </a:p>
+          <a:p>
+            <a:r>
+              <a:rPr lang="en-GB" dirty="0" err="1" smtClean="0"/>
               <a:t>EventType</a:t>
             </a:r>
+            <a:endParaRPr lang="en-GB" dirty="0" smtClean="0"/>
+          </a:p>
+          <a:p>
+            <a:pPr lvl="1"/>
+            <a:r>
+              <a:rPr lang="en-IE" dirty="0" err="1" smtClean="0"/>
+              <a:t>Enum</a:t>
+            </a:r>
+            <a:r>
+              <a:rPr lang="en-IE" dirty="0" smtClean="0"/>
+              <a:t> based value type</a:t>
+            </a:r>
+            <a:endParaRPr lang="en-GB" dirty="0" smtClean="0"/>
           </a:p>
           <a:p>
             <a:r>
@@ -7397,6 +8360,10 @@
             </a:r>
           </a:p>
           <a:p>
+            <a:r>
+              <a:rPr lang="en-IE" dirty="0" smtClean="0"/>
+              <a:t>All using extensive annotations and attributes, to enforce validation</a:t>
+            </a:r>
             <a:endParaRPr lang="en-GB" dirty="0" smtClean="0"/>
           </a:p>
           <a:p>
@@ -7414,10 +8381,17 @@
   <p:clrMapOvr>
     <a:masterClrMapping/>
   </p:clrMapOvr>
+  <p:timing>
+    <p:tnLst>
+      <p:par>
+        <p:cTn id="1" dur="indefinite" restart="never" nodeType="tmRoot"/>
+      </p:par>
+    </p:tnLst>
+  </p:timing>
 </p:sld>
 </file>
 
-<file path=ppt/slides/slide7.xml><?xml version="1.0" encoding="utf-8"?>
+<file path=ppt/slides/slide9.xml><?xml version="1.0" encoding="utf-8"?>
 <p:sld xmlns:a="http://schemas.openxmlformats.org/drawingml/2006/main" xmlns:r="http://schemas.openxmlformats.org/officeDocument/2006/relationships" xmlns:p="http://schemas.openxmlformats.org/presentationml/2006/main" showMasterSp="0">
   <p:cSld>
     <p:spTree>
@@ -7503,269 +8477,6 @@
       </p:par>
     </p:tnLst>
   </p:timing>
-</p:sld>
-</file>
-
-<file path=ppt/slides/slide8.xml><?xml version="1.0" encoding="utf-8"?>
-<p:sld xmlns:a="http://schemas.openxmlformats.org/drawingml/2006/main" xmlns:r="http://schemas.openxmlformats.org/officeDocument/2006/relationships" xmlns:p="http://schemas.openxmlformats.org/presentationml/2006/main">
-  <p:cSld>
-    <p:spTree>
-      <p:nvGrpSpPr>
-        <p:cNvPr id="1" name=""/>
-        <p:cNvGrpSpPr/>
-        <p:nvPr/>
-      </p:nvGrpSpPr>
-      <p:grpSpPr>
-        <a:xfrm>
-          <a:off x="0" y="0"/>
-          <a:ext cx="0" cy="0"/>
-          <a:chOff x="0" y="0"/>
-          <a:chExt cx="0" cy="0"/>
-        </a:xfrm>
-      </p:grpSpPr>
-      <p:sp>
-        <p:nvSpPr>
-          <p:cNvPr id="2" name="Title 1"/>
-          <p:cNvSpPr>
-            <a:spLocks noGrp="1"/>
-          </p:cNvSpPr>
-          <p:nvPr>
-            <p:ph type="title"/>
-          </p:nvPr>
-        </p:nvSpPr>
-        <p:spPr/>
-        <p:txBody>
-          <a:bodyPr/>
-          <a:lstStyle/>
-          <a:p>
-            <a:r>
-              <a:rPr lang="en-IE" b="1" dirty="0"/>
-              <a:t>Custom-shaped </a:t>
-            </a:r>
-            <a:r>
-              <a:rPr lang="en-IE" b="1" dirty="0" err="1"/>
-              <a:t>ViewModel</a:t>
-            </a:r>
-            <a:r>
-              <a:rPr lang="en-IE" b="1" dirty="0"/>
-              <a:t> classes</a:t>
-            </a:r>
-            <a:endParaRPr lang="en-GB" dirty="0"/>
-          </a:p>
-        </p:txBody>
-      </p:sp>
-      <p:sp>
-        <p:nvSpPr>
-          <p:cNvPr id="3" name="Content Placeholder 2"/>
-          <p:cNvSpPr>
-            <a:spLocks noGrp="1"/>
-          </p:cNvSpPr>
-          <p:nvPr>
-            <p:ph idx="1"/>
-          </p:nvPr>
-        </p:nvSpPr>
-        <p:spPr/>
-        <p:txBody>
-          <a:bodyPr>
-            <a:normAutofit lnSpcReduction="10000"/>
-          </a:bodyPr>
-          <a:lstStyle/>
-          <a:p>
-            <a:r>
-              <a:rPr lang="en-IE" dirty="0"/>
-              <a:t>The MVC pattern makes it possible to efficiently manage common functionality </a:t>
-            </a:r>
-            <a:r>
-              <a:rPr lang="en-IE" dirty="0" smtClean="0"/>
-              <a:t>centred </a:t>
-            </a:r>
-            <a:r>
-              <a:rPr lang="en-IE" dirty="0"/>
-              <a:t>around creating, deleting, updating and deleting content within a structured application; perfect for a management system. </a:t>
-            </a:r>
-            <a:endParaRPr lang="en-IE" dirty="0" smtClean="0"/>
-          </a:p>
-          <a:p>
-            <a:r>
-              <a:rPr lang="en-IE" sz="3600" dirty="0" smtClean="0"/>
-              <a:t>However,</a:t>
-            </a:r>
-          </a:p>
-          <a:p>
-            <a:pPr lvl="1"/>
-            <a:r>
-              <a:rPr lang="en-IE" sz="2000" dirty="0" smtClean="0"/>
-              <a:t>Exposes underlying data structures</a:t>
-            </a:r>
-          </a:p>
-          <a:p>
-            <a:pPr lvl="1"/>
-            <a:r>
-              <a:rPr lang="en-IE" sz="2000" dirty="0" smtClean="0"/>
-              <a:t>Non-direct mapping of input/output to data storage</a:t>
-            </a:r>
-          </a:p>
-          <a:p>
-            <a:pPr lvl="1"/>
-            <a:r>
-              <a:rPr lang="en-IE" sz="2000" dirty="0" smtClean="0"/>
-              <a:t>Custom shaped view model solves this for UI and for data view (API request/response </a:t>
-            </a:r>
-            <a:r>
-              <a:rPr lang="en-IE" sz="2000" dirty="0" err="1" smtClean="0"/>
-              <a:t>etc</a:t>
-            </a:r>
-            <a:r>
-              <a:rPr lang="en-IE" sz="2000" dirty="0" smtClean="0"/>
-              <a:t>)</a:t>
-            </a:r>
-          </a:p>
-          <a:p>
-            <a:endParaRPr lang="en-IE" dirty="0"/>
-          </a:p>
-          <a:p>
-            <a:endParaRPr lang="en-GB" dirty="0"/>
-          </a:p>
-        </p:txBody>
-      </p:sp>
-    </p:spTree>
-    <p:extLst>
-      <p:ext uri="{BB962C8B-B14F-4D97-AF65-F5344CB8AC3E}">
-        <p14:creationId xmlns:p14="http://schemas.microsoft.com/office/powerpoint/2010/main" val="2153105384"/>
-      </p:ext>
-    </p:extLst>
-  </p:cSld>
-  <p:clrMapOvr>
-    <a:masterClrMapping/>
-  </p:clrMapOvr>
-</p:sld>
-</file>
-
-<file path=ppt/slides/slide9.xml><?xml version="1.0" encoding="utf-8"?>
-<p:sld xmlns:a="http://schemas.openxmlformats.org/drawingml/2006/main" xmlns:r="http://schemas.openxmlformats.org/officeDocument/2006/relationships" xmlns:p="http://schemas.openxmlformats.org/presentationml/2006/main">
-  <p:cSld>
-    <p:spTree>
-      <p:nvGrpSpPr>
-        <p:cNvPr id="1" name=""/>
-        <p:cNvGrpSpPr/>
-        <p:nvPr/>
-      </p:nvGrpSpPr>
-      <p:grpSpPr>
-        <a:xfrm>
-          <a:off x="0" y="0"/>
-          <a:ext cx="0" cy="0"/>
-          <a:chOff x="0" y="0"/>
-          <a:chExt cx="0" cy="0"/>
-        </a:xfrm>
-      </p:grpSpPr>
-      <p:sp>
-        <p:nvSpPr>
-          <p:cNvPr id="2" name="Title 1"/>
-          <p:cNvSpPr>
-            <a:spLocks noGrp="1"/>
-          </p:cNvSpPr>
-          <p:nvPr>
-            <p:ph type="title"/>
-          </p:nvPr>
-        </p:nvSpPr>
-        <p:spPr/>
-        <p:txBody>
-          <a:bodyPr/>
-          <a:lstStyle/>
-          <a:p>
-            <a:r>
-              <a:rPr lang="en-GB" dirty="0" err="1" smtClean="0"/>
-              <a:t>GeoJson</a:t>
-            </a:r>
-            <a:endParaRPr lang="en-GB" dirty="0"/>
-          </a:p>
-        </p:txBody>
-      </p:sp>
-      <p:pic>
-        <p:nvPicPr>
-          <p:cNvPr id="3" name="Picture 2"/>
-          <p:cNvPicPr>
-            <a:picLocks noChangeAspect="1"/>
-          </p:cNvPicPr>
-          <p:nvPr/>
-        </p:nvPicPr>
-        <p:blipFill>
-          <a:blip r:embed="rId2">
-            <a:extLst>
-              <a:ext uri="{28A0092B-C50C-407E-A947-70E740481C1C}">
-                <a14:useLocalDpi xmlns:a14="http://schemas.microsoft.com/office/drawing/2010/main" val="0"/>
-              </a:ext>
-            </a:extLst>
-          </a:blip>
-          <a:stretch>
-            <a:fillRect/>
-          </a:stretch>
-        </p:blipFill>
-        <p:spPr>
-          <a:xfrm>
-            <a:off x="3592286" y="0"/>
-            <a:ext cx="5551714" cy="6858000"/>
-          </a:xfrm>
-          <a:prstGeom prst="rect">
-            <a:avLst/>
-          </a:prstGeom>
-        </p:spPr>
-      </p:pic>
-      <p:sp>
-        <p:nvSpPr>
-          <p:cNvPr id="4" name="TextBox 3"/>
-          <p:cNvSpPr txBox="1"/>
-          <p:nvPr/>
-        </p:nvSpPr>
-        <p:spPr>
-          <a:xfrm>
-            <a:off x="609599" y="5390148"/>
-            <a:ext cx="8245643" cy="923330"/>
-          </a:xfrm>
-          <a:prstGeom prst="rect">
-            <a:avLst/>
-          </a:prstGeom>
-        </p:spPr>
-        <p:style>
-          <a:lnRef idx="2">
-            <a:schemeClr val="accent1"/>
-          </a:lnRef>
-          <a:fillRef idx="1">
-            <a:schemeClr val="lt1"/>
-          </a:fillRef>
-          <a:effectRef idx="0">
-            <a:schemeClr val="accent1"/>
-          </a:effectRef>
-          <a:fontRef idx="minor">
-            <a:schemeClr val="dk1"/>
-          </a:fontRef>
-        </p:style>
-        <p:txBody>
-          <a:bodyPr wrap="square" rtlCol="0">
-            <a:spAutoFit/>
-          </a:bodyPr>
-          <a:lstStyle/>
-          <a:p>
-            <a:r>
-              <a:rPr lang="en-GB" dirty="0"/>
-              <a:t>​http://localhost:9190/api/5/5/5?startdate=01-01-1560&amp;enddate=01-01-1950&amp;categories=war|love&amp;keywords=hello|world​</a:t>
-            </a:r>
-          </a:p>
-          <a:p>
-            <a:endParaRPr lang="en-GB" dirty="0"/>
-          </a:p>
-        </p:txBody>
-      </p:sp>
-    </p:spTree>
-    <p:extLst>
-      <p:ext uri="{BB962C8B-B14F-4D97-AF65-F5344CB8AC3E}">
-        <p14:creationId xmlns:p14="http://schemas.microsoft.com/office/powerpoint/2010/main" val="1244160031"/>
-      </p:ext>
-    </p:extLst>
-  </p:cSld>
-  <p:clrMapOvr>
-    <a:masterClrMapping/>
-  </p:clrMapOvr>
 </p:sld>
 </file>
 
